--- a/CalendarioAgo23/Presentaciones/5_MediosComunicacionR.pptx
+++ b/CalendarioAgo23/Presentaciones/5_MediosComunicacionR.pptx
@@ -5,7 +5,7 @@
     <p:sldMasterId id="2147483648" r:id="rId1"/>
   </p:sldMasterIdLst>
   <p:notesMasterIdLst>
-    <p:notesMasterId r:id="rId28"/>
+    <p:notesMasterId r:id="rId32"/>
   </p:notesMasterIdLst>
   <p:sldIdLst>
     <p:sldId id="257" r:id="rId2"/>
@@ -27,13 +27,17 @@
     <p:sldId id="823" r:id="rId18"/>
     <p:sldId id="824" r:id="rId19"/>
     <p:sldId id="835" r:id="rId20"/>
-    <p:sldId id="841" r:id="rId21"/>
-    <p:sldId id="850" r:id="rId22"/>
-    <p:sldId id="846" r:id="rId23"/>
-    <p:sldId id="844" r:id="rId24"/>
-    <p:sldId id="845" r:id="rId25"/>
-    <p:sldId id="847" r:id="rId26"/>
-    <p:sldId id="852" r:id="rId27"/>
+    <p:sldId id="291" r:id="rId21"/>
+    <p:sldId id="292" r:id="rId22"/>
+    <p:sldId id="295" r:id="rId23"/>
+    <p:sldId id="297" r:id="rId24"/>
+    <p:sldId id="841" r:id="rId25"/>
+    <p:sldId id="850" r:id="rId26"/>
+    <p:sldId id="846" r:id="rId27"/>
+    <p:sldId id="844" r:id="rId28"/>
+    <p:sldId id="845" r:id="rId29"/>
+    <p:sldId id="847" r:id="rId30"/>
+    <p:sldId id="852" r:id="rId31"/>
   </p:sldIdLst>
   <p:sldSz cx="9144000" cy="6858000" type="screen4x3"/>
   <p:notesSz cx="7023100" cy="9309100"/>
@@ -233,7 +237,7 @@
           <a:p>
             <a:fld id="{2D445F07-8756-451B-A938-0248325FC7BB}" type="datetimeFigureOut">
               <a:rPr lang="es-MX" smtClean="0"/>
-              <a:t>16/05/2023</a:t>
+              <a:t>31/10/2023</a:t>
             </a:fld>
             <a:endParaRPr lang="es-MX" dirty="0"/>
           </a:p>
@@ -747,7 +751,21 @@
       </p:grpSpPr>
       <p:sp>
         <p:nvSpPr>
-          <p:cNvPr id="2" name="Notes Placeholder"/>
+          <p:cNvPr id="30722" name="1 Marcador de imagen de diapositiva"/>
+          <p:cNvSpPr>
+            <a:spLocks noGrp="1" noRot="1" noChangeAspect="1" noTextEdit="1"/>
+          </p:cNvSpPr>
+          <p:nvPr>
+            <p:ph type="sldImg"/>
+          </p:nvPr>
+        </p:nvSpPr>
+        <p:spPr>
+          <a:ln/>
+        </p:spPr>
+      </p:sp>
+      <p:sp>
+        <p:nvSpPr>
+          <p:cNvPr id="30723" name="2 Marcador de notas"/>
           <p:cNvSpPr>
             <a:spLocks noGrp="1"/>
           </p:cNvSpPr>
@@ -755,21 +773,184 @@
             <p:ph type="body" idx="1"/>
           </p:nvPr>
         </p:nvSpPr>
-        <p:spPr/>
+        <p:spPr>
+          <a:noFill/>
+          <a:ln/>
+          <a:extLst>
+            <a:ext uri="{909E8E84-426E-40DD-AFC4-6F175D3DCCD1}">
+              <a14:hiddenFill xmlns:a14="http://schemas.microsoft.com/office/drawing/2010/main">
+                <a:solidFill>
+                  <a:srgbClr val="FFFFFF"/>
+                </a:solidFill>
+              </a14:hiddenFill>
+            </a:ext>
+            <a:ext uri="{91240B29-F687-4F45-9708-019B960494DF}">
+              <a14:hiddenLine xmlns:a14="http://schemas.microsoft.com/office/drawing/2010/main" w="9525">
+                <a:solidFill>
+                  <a:srgbClr val="000000"/>
+                </a:solidFill>
+                <a:miter lim="800000"/>
+                <a:headEnd/>
+                <a:tailEnd/>
+              </a14:hiddenLine>
+            </a:ext>
+          </a:extLst>
+        </p:spPr>
         <p:txBody>
-          <a:bodyPr>
-            <a:normAutofit/>
-          </a:bodyPr>
+          <a:bodyPr/>
           <a:lstStyle/>
           <a:p>
-            <a:endParaRPr dirty="0"/>
+            <a:endParaRPr lang="es-MX" altLang="es-MX"/>
+          </a:p>
+        </p:txBody>
+      </p:sp>
+      <p:sp>
+        <p:nvSpPr>
+          <p:cNvPr id="30724" name="3 Marcador de número de diapositiva"/>
+          <p:cNvSpPr>
+            <a:spLocks noGrp="1"/>
+          </p:cNvSpPr>
+          <p:nvPr>
+            <p:ph type="sldNum" sz="quarter" idx="5"/>
+          </p:nvPr>
+        </p:nvSpPr>
+        <p:spPr>
+          <a:noFill/>
+          <a:ln/>
+          <a:extLst>
+            <a:ext uri="{909E8E84-426E-40DD-AFC4-6F175D3DCCD1}">
+              <a14:hiddenFill xmlns:a14="http://schemas.microsoft.com/office/drawing/2010/main">
+                <a:solidFill>
+                  <a:srgbClr val="FFFFFF"/>
+                </a:solidFill>
+              </a14:hiddenFill>
+            </a:ext>
+            <a:ext uri="{91240B29-F687-4F45-9708-019B960494DF}">
+              <a14:hiddenLine xmlns:a14="http://schemas.microsoft.com/office/drawing/2010/main" w="9525">
+                <a:solidFill>
+                  <a:srgbClr val="000000"/>
+                </a:solidFill>
+                <a:miter lim="800000"/>
+                <a:headEnd/>
+                <a:tailEnd/>
+              </a14:hiddenLine>
+            </a:ext>
+          </a:extLst>
+        </p:spPr>
+        <p:txBody>
+          <a:bodyPr/>
+          <a:lstStyle>
+            <a:lvl1pPr eaLnBrk="0" hangingPunct="0">
+              <a:defRPr sz="2400">
+                <a:solidFill>
+                  <a:schemeClr val="tx1"/>
+                </a:solidFill>
+                <a:latin typeface="Times New Roman" pitchFamily="18" charset="0"/>
+              </a:defRPr>
+            </a:lvl1pPr>
+            <a:lvl2pPr marL="742950" indent="-285750" eaLnBrk="0" hangingPunct="0">
+              <a:defRPr sz="2400">
+                <a:solidFill>
+                  <a:schemeClr val="tx1"/>
+                </a:solidFill>
+                <a:latin typeface="Times New Roman" pitchFamily="18" charset="0"/>
+              </a:defRPr>
+            </a:lvl2pPr>
+            <a:lvl3pPr marL="1143000" indent="-228600" eaLnBrk="0" hangingPunct="0">
+              <a:defRPr sz="2400">
+                <a:solidFill>
+                  <a:schemeClr val="tx1"/>
+                </a:solidFill>
+                <a:latin typeface="Times New Roman" pitchFamily="18" charset="0"/>
+              </a:defRPr>
+            </a:lvl3pPr>
+            <a:lvl4pPr marL="1600200" indent="-228600" eaLnBrk="0" hangingPunct="0">
+              <a:defRPr sz="2400">
+                <a:solidFill>
+                  <a:schemeClr val="tx1"/>
+                </a:solidFill>
+                <a:latin typeface="Times New Roman" pitchFamily="18" charset="0"/>
+              </a:defRPr>
+            </a:lvl4pPr>
+            <a:lvl5pPr marL="2057400" indent="-228600" eaLnBrk="0" hangingPunct="0">
+              <a:defRPr sz="2400">
+                <a:solidFill>
+                  <a:schemeClr val="tx1"/>
+                </a:solidFill>
+                <a:latin typeface="Times New Roman" pitchFamily="18" charset="0"/>
+              </a:defRPr>
+            </a:lvl5pPr>
+            <a:lvl6pPr marL="2514600" indent="-228600" eaLnBrk="0" fontAlgn="base" hangingPunct="0">
+              <a:spcBef>
+                <a:spcPct val="0"/>
+              </a:spcBef>
+              <a:spcAft>
+                <a:spcPct val="0"/>
+              </a:spcAft>
+              <a:defRPr sz="2400">
+                <a:solidFill>
+                  <a:schemeClr val="tx1"/>
+                </a:solidFill>
+                <a:latin typeface="Times New Roman" pitchFamily="18" charset="0"/>
+              </a:defRPr>
+            </a:lvl6pPr>
+            <a:lvl7pPr marL="2971800" indent="-228600" eaLnBrk="0" fontAlgn="base" hangingPunct="0">
+              <a:spcBef>
+                <a:spcPct val="0"/>
+              </a:spcBef>
+              <a:spcAft>
+                <a:spcPct val="0"/>
+              </a:spcAft>
+              <a:defRPr sz="2400">
+                <a:solidFill>
+                  <a:schemeClr val="tx1"/>
+                </a:solidFill>
+                <a:latin typeface="Times New Roman" pitchFamily="18" charset="0"/>
+              </a:defRPr>
+            </a:lvl7pPr>
+            <a:lvl8pPr marL="3429000" indent="-228600" eaLnBrk="0" fontAlgn="base" hangingPunct="0">
+              <a:spcBef>
+                <a:spcPct val="0"/>
+              </a:spcBef>
+              <a:spcAft>
+                <a:spcPct val="0"/>
+              </a:spcAft>
+              <a:defRPr sz="2400">
+                <a:solidFill>
+                  <a:schemeClr val="tx1"/>
+                </a:solidFill>
+                <a:latin typeface="Times New Roman" pitchFamily="18" charset="0"/>
+              </a:defRPr>
+            </a:lvl8pPr>
+            <a:lvl9pPr marL="3886200" indent="-228600" eaLnBrk="0" fontAlgn="base" hangingPunct="0">
+              <a:spcBef>
+                <a:spcPct val="0"/>
+              </a:spcBef>
+              <a:spcAft>
+                <a:spcPct val="0"/>
+              </a:spcAft>
+              <a:defRPr sz="2400">
+                <a:solidFill>
+                  <a:schemeClr val="tx1"/>
+                </a:solidFill>
+                <a:latin typeface="Times New Roman" pitchFamily="18" charset="0"/>
+              </a:defRPr>
+            </a:lvl9pPr>
+          </a:lstStyle>
+          <a:p>
+            <a:fld id="{55883865-B5BE-41C1-8BB6-8B6E13F3A620}" type="slidenum">
+              <a:rPr lang="es-MX" altLang="es-MX" sz="1200" smtClean="0"/>
+              <a:pPr/>
+              <a:t>23</a:t>
+            </a:fld>
+            <a:endParaRPr lang="es-MX" altLang="es-MX" sz="1200"/>
           </a:p>
         </p:txBody>
       </p:sp>
     </p:spTree>
     <p:extLst>
       <p:ext uri="{BB962C8B-B14F-4D97-AF65-F5344CB8AC3E}">
-        <p14:creationId xmlns:p14="http://schemas.microsoft.com/office/powerpoint/2010/main" val="3072131345"/>
+        <p14:creationId xmlns:p14="http://schemas.microsoft.com/office/powerpoint/2010/main" val="438800752"/>
       </p:ext>
     </p:extLst>
   </p:cSld>
@@ -820,7 +1001,7 @@
     </p:spTree>
     <p:extLst>
       <p:ext uri="{BB962C8B-B14F-4D97-AF65-F5344CB8AC3E}">
-        <p14:creationId xmlns:p14="http://schemas.microsoft.com/office/powerpoint/2010/main" val="3063080667"/>
+        <p14:creationId xmlns:p14="http://schemas.microsoft.com/office/powerpoint/2010/main" val="3072131345"/>
       </p:ext>
     </p:extLst>
   </p:cSld>
@@ -871,7 +1052,7 @@
     </p:spTree>
     <p:extLst>
       <p:ext uri="{BB962C8B-B14F-4D97-AF65-F5344CB8AC3E}">
-        <p14:creationId xmlns:p14="http://schemas.microsoft.com/office/powerpoint/2010/main" val="2578115506"/>
+        <p14:creationId xmlns:p14="http://schemas.microsoft.com/office/powerpoint/2010/main" val="3063080667"/>
       </p:ext>
     </p:extLst>
   </p:cSld>
@@ -922,7 +1103,7 @@
     </p:spTree>
     <p:extLst>
       <p:ext uri="{BB962C8B-B14F-4D97-AF65-F5344CB8AC3E}">
-        <p14:creationId xmlns:p14="http://schemas.microsoft.com/office/powerpoint/2010/main" val="1332144434"/>
+        <p14:creationId xmlns:p14="http://schemas.microsoft.com/office/powerpoint/2010/main" val="2578115506"/>
       </p:ext>
     </p:extLst>
   </p:cSld>
@@ -973,6 +1154,57 @@
     </p:spTree>
     <p:extLst>
       <p:ext uri="{BB962C8B-B14F-4D97-AF65-F5344CB8AC3E}">
+        <p14:creationId xmlns:p14="http://schemas.microsoft.com/office/powerpoint/2010/main" val="1332144434"/>
+      </p:ext>
+    </p:extLst>
+  </p:cSld>
+  <p:clrMapOvr>
+    <a:masterClrMapping/>
+  </p:clrMapOvr>
+</p:notes>
+</file>
+
+<file path=ppt/notesSlides/notesSlide18.xml><?xml version="1.0" encoding="utf-8"?>
+<p:notes xmlns:a="http://schemas.openxmlformats.org/drawingml/2006/main" xmlns:r="http://schemas.openxmlformats.org/officeDocument/2006/relationships" xmlns:p="http://schemas.openxmlformats.org/presentationml/2006/main">
+  <p:cSld>
+    <p:spTree>
+      <p:nvGrpSpPr>
+        <p:cNvPr id="1" name=""/>
+        <p:cNvGrpSpPr/>
+        <p:nvPr/>
+      </p:nvGrpSpPr>
+      <p:grpSpPr>
+        <a:xfrm>
+          <a:off x="0" y="0"/>
+          <a:ext cx="0" cy="0"/>
+          <a:chOff x="0" y="0"/>
+          <a:chExt cx="0" cy="0"/>
+        </a:xfrm>
+      </p:grpSpPr>
+      <p:sp>
+        <p:nvSpPr>
+          <p:cNvPr id="2" name="Notes Placeholder"/>
+          <p:cNvSpPr>
+            <a:spLocks noGrp="1"/>
+          </p:cNvSpPr>
+          <p:nvPr>
+            <p:ph type="body" idx="1"/>
+          </p:nvPr>
+        </p:nvSpPr>
+        <p:spPr/>
+        <p:txBody>
+          <a:bodyPr>
+            <a:normAutofit/>
+          </a:bodyPr>
+          <a:lstStyle/>
+          <a:p>
+            <a:endParaRPr dirty="0"/>
+          </a:p>
+        </p:txBody>
+      </p:sp>
+    </p:spTree>
+    <p:extLst>
+      <p:ext uri="{BB962C8B-B14F-4D97-AF65-F5344CB8AC3E}">
         <p14:creationId xmlns:p14="http://schemas.microsoft.com/office/powerpoint/2010/main" val="2947957397"/>
       </p:ext>
     </p:extLst>
@@ -983,7 +1215,7 @@
 </p:notes>
 </file>
 
-<file path=ppt/notesSlides/notesSlide18.xml><?xml version="1.0" encoding="utf-8"?>
+<file path=ppt/notesSlides/notesSlide19.xml><?xml version="1.0" encoding="utf-8"?>
 <p:notes xmlns:a="http://schemas.openxmlformats.org/drawingml/2006/main" xmlns:r="http://schemas.openxmlformats.org/officeDocument/2006/relationships" xmlns:p="http://schemas.openxmlformats.org/presentationml/2006/main">
   <p:cSld>
     <p:spTree>
@@ -1740,7 +1972,7 @@
           <a:p>
             <a:fld id="{5E75A0DC-66C6-4CEC-A5EB-F8C97CEC3796}" type="datetimeFigureOut">
               <a:rPr lang="es-MX" smtClean="0"/>
-              <a:t>16/05/2023</a:t>
+              <a:t>31/10/2023</a:t>
             </a:fld>
             <a:endParaRPr lang="es-MX" dirty="0"/>
           </a:p>
@@ -1910,7 +2142,7 @@
           <a:p>
             <a:fld id="{5E75A0DC-66C6-4CEC-A5EB-F8C97CEC3796}" type="datetimeFigureOut">
               <a:rPr lang="es-MX" smtClean="0"/>
-              <a:t>16/05/2023</a:t>
+              <a:t>31/10/2023</a:t>
             </a:fld>
             <a:endParaRPr lang="es-MX" dirty="0"/>
           </a:p>
@@ -2090,7 +2322,7 @@
           <a:p>
             <a:fld id="{5E75A0DC-66C6-4CEC-A5EB-F8C97CEC3796}" type="datetimeFigureOut">
               <a:rPr lang="es-MX" smtClean="0"/>
-              <a:t>16/05/2023</a:t>
+              <a:t>31/10/2023</a:t>
             </a:fld>
             <a:endParaRPr lang="es-MX" dirty="0"/>
           </a:p>
@@ -2565,7 +2797,7 @@
           <a:p>
             <a:fld id="{5E75A0DC-66C6-4CEC-A5EB-F8C97CEC3796}" type="datetimeFigureOut">
               <a:rPr lang="es-MX" smtClean="0"/>
-              <a:t>16/05/2023</a:t>
+              <a:t>31/10/2023</a:t>
             </a:fld>
             <a:endParaRPr lang="es-MX" dirty="0"/>
           </a:p>
@@ -2811,7 +3043,7 @@
           <a:p>
             <a:fld id="{5E75A0DC-66C6-4CEC-A5EB-F8C97CEC3796}" type="datetimeFigureOut">
               <a:rPr lang="es-MX" smtClean="0"/>
-              <a:t>16/05/2023</a:t>
+              <a:t>31/10/2023</a:t>
             </a:fld>
             <a:endParaRPr lang="es-MX" dirty="0"/>
           </a:p>
@@ -3099,7 +3331,7 @@
           <a:p>
             <a:fld id="{5E75A0DC-66C6-4CEC-A5EB-F8C97CEC3796}" type="datetimeFigureOut">
               <a:rPr lang="es-MX" smtClean="0"/>
-              <a:t>16/05/2023</a:t>
+              <a:t>31/10/2023</a:t>
             </a:fld>
             <a:endParaRPr lang="es-MX" dirty="0"/>
           </a:p>
@@ -3521,7 +3753,7 @@
           <a:p>
             <a:fld id="{5E75A0DC-66C6-4CEC-A5EB-F8C97CEC3796}" type="datetimeFigureOut">
               <a:rPr lang="es-MX" smtClean="0"/>
-              <a:t>16/05/2023</a:t>
+              <a:t>31/10/2023</a:t>
             </a:fld>
             <a:endParaRPr lang="es-MX" dirty="0"/>
           </a:p>
@@ -3639,7 +3871,7 @@
           <a:p>
             <a:fld id="{5E75A0DC-66C6-4CEC-A5EB-F8C97CEC3796}" type="datetimeFigureOut">
               <a:rPr lang="es-MX" smtClean="0"/>
-              <a:t>16/05/2023</a:t>
+              <a:t>31/10/2023</a:t>
             </a:fld>
             <a:endParaRPr lang="es-MX" dirty="0"/>
           </a:p>
@@ -3734,7 +3966,7 @@
           <a:p>
             <a:fld id="{5E75A0DC-66C6-4CEC-A5EB-F8C97CEC3796}" type="datetimeFigureOut">
               <a:rPr lang="es-MX" smtClean="0"/>
-              <a:t>16/05/2023</a:t>
+              <a:t>31/10/2023</a:t>
             </a:fld>
             <a:endParaRPr lang="es-MX" dirty="0"/>
           </a:p>
@@ -4011,7 +4243,7 @@
           <a:p>
             <a:fld id="{5E75A0DC-66C6-4CEC-A5EB-F8C97CEC3796}" type="datetimeFigureOut">
               <a:rPr lang="es-MX" smtClean="0"/>
-              <a:t>16/05/2023</a:t>
+              <a:t>31/10/2023</a:t>
             </a:fld>
             <a:endParaRPr lang="es-MX" dirty="0"/>
           </a:p>
@@ -4264,7 +4496,7 @@
           <a:p>
             <a:fld id="{5E75A0DC-66C6-4CEC-A5EB-F8C97CEC3796}" type="datetimeFigureOut">
               <a:rPr lang="es-MX" smtClean="0"/>
-              <a:t>16/05/2023</a:t>
+              <a:t>31/10/2023</a:t>
             </a:fld>
             <a:endParaRPr lang="es-MX" dirty="0"/>
           </a:p>
@@ -4477,7 +4709,7 @@
           <a:p>
             <a:fld id="{5E75A0DC-66C6-4CEC-A5EB-F8C97CEC3796}" type="datetimeFigureOut">
               <a:rPr lang="es-MX" smtClean="0"/>
-              <a:t>16/05/2023</a:t>
+              <a:t>31/10/2023</a:t>
             </a:fld>
             <a:endParaRPr lang="es-MX" dirty="0"/>
           </a:p>
@@ -13032,7 +13264,7 @@
                 </a:solidFill>
                 <a:latin typeface="ZapfHumnst BT"/>
               </a:rPr>
-              <a:t>, mediante un láser de alta intensidad). Para distancias largas.</a:t>
+              <a:t>, mediante un láser de alta intensidad). </a:t>
             </a:r>
           </a:p>
         </p:txBody>
@@ -16047,6 +16279,5431 @@
       </p:grpSpPr>
       <p:sp>
         <p:nvSpPr>
+          <p:cNvPr id="9219" name="Rectangle 8"/>
+          <p:cNvSpPr>
+            <a:spLocks noChangeArrowheads="1"/>
+          </p:cNvSpPr>
+          <p:nvPr/>
+        </p:nvSpPr>
+        <p:spPr bwMode="auto">
+          <a:xfrm>
+            <a:off x="0" y="0"/>
+            <a:ext cx="9144000" cy="0"/>
+          </a:xfrm>
+          <a:prstGeom prst="rect">
+            <a:avLst/>
+          </a:prstGeom>
+          <a:noFill/>
+          <a:ln>
+            <a:noFill/>
+          </a:ln>
+          <a:extLst>
+            <a:ext uri="{909E8E84-426E-40DD-AFC4-6F175D3DCCD1}">
+              <a14:hiddenFill xmlns:a14="http://schemas.microsoft.com/office/drawing/2010/main">
+                <a:solidFill>
+                  <a:srgbClr val="FFFFFF"/>
+                </a:solidFill>
+              </a14:hiddenFill>
+            </a:ext>
+            <a:ext uri="{91240B29-F687-4F45-9708-019B960494DF}">
+              <a14:hiddenLine xmlns:a14="http://schemas.microsoft.com/office/drawing/2010/main" w="9525">
+                <a:solidFill>
+                  <a:srgbClr val="000000"/>
+                </a:solidFill>
+                <a:miter lim="800000"/>
+                <a:headEnd/>
+                <a:tailEnd/>
+              </a14:hiddenLine>
+            </a:ext>
+          </a:extLst>
+        </p:spPr>
+        <p:txBody>
+          <a:bodyPr wrap="none" anchor="ctr">
+            <a:spAutoFit/>
+          </a:bodyPr>
+          <a:lstStyle>
+            <a:lvl1pPr eaLnBrk="0" hangingPunct="0">
+              <a:defRPr sz="2400">
+                <a:solidFill>
+                  <a:schemeClr val="tx1"/>
+                </a:solidFill>
+                <a:latin typeface="Times New Roman" pitchFamily="18" charset="0"/>
+              </a:defRPr>
+            </a:lvl1pPr>
+            <a:lvl2pPr marL="742950" indent="-285750" eaLnBrk="0" hangingPunct="0">
+              <a:defRPr sz="2400">
+                <a:solidFill>
+                  <a:schemeClr val="tx1"/>
+                </a:solidFill>
+                <a:latin typeface="Times New Roman" pitchFamily="18" charset="0"/>
+              </a:defRPr>
+            </a:lvl2pPr>
+            <a:lvl3pPr marL="1143000" indent="-228600" eaLnBrk="0" hangingPunct="0">
+              <a:defRPr sz="2400">
+                <a:solidFill>
+                  <a:schemeClr val="tx1"/>
+                </a:solidFill>
+                <a:latin typeface="Times New Roman" pitchFamily="18" charset="0"/>
+              </a:defRPr>
+            </a:lvl3pPr>
+            <a:lvl4pPr marL="1600200" indent="-228600" eaLnBrk="0" hangingPunct="0">
+              <a:defRPr sz="2400">
+                <a:solidFill>
+                  <a:schemeClr val="tx1"/>
+                </a:solidFill>
+                <a:latin typeface="Times New Roman" pitchFamily="18" charset="0"/>
+              </a:defRPr>
+            </a:lvl4pPr>
+            <a:lvl5pPr marL="2057400" indent="-228600" eaLnBrk="0" hangingPunct="0">
+              <a:defRPr sz="2400">
+                <a:solidFill>
+                  <a:schemeClr val="tx1"/>
+                </a:solidFill>
+                <a:latin typeface="Times New Roman" pitchFamily="18" charset="0"/>
+              </a:defRPr>
+            </a:lvl5pPr>
+            <a:lvl6pPr marL="2514600" indent="-228600" eaLnBrk="0" fontAlgn="base" hangingPunct="0">
+              <a:spcBef>
+                <a:spcPct val="0"/>
+              </a:spcBef>
+              <a:spcAft>
+                <a:spcPct val="0"/>
+              </a:spcAft>
+              <a:defRPr sz="2400">
+                <a:solidFill>
+                  <a:schemeClr val="tx1"/>
+                </a:solidFill>
+                <a:latin typeface="Times New Roman" pitchFamily="18" charset="0"/>
+              </a:defRPr>
+            </a:lvl6pPr>
+            <a:lvl7pPr marL="2971800" indent="-228600" eaLnBrk="0" fontAlgn="base" hangingPunct="0">
+              <a:spcBef>
+                <a:spcPct val="0"/>
+              </a:spcBef>
+              <a:spcAft>
+                <a:spcPct val="0"/>
+              </a:spcAft>
+              <a:defRPr sz="2400">
+                <a:solidFill>
+                  <a:schemeClr val="tx1"/>
+                </a:solidFill>
+                <a:latin typeface="Times New Roman" pitchFamily="18" charset="0"/>
+              </a:defRPr>
+            </a:lvl7pPr>
+            <a:lvl8pPr marL="3429000" indent="-228600" eaLnBrk="0" fontAlgn="base" hangingPunct="0">
+              <a:spcBef>
+                <a:spcPct val="0"/>
+              </a:spcBef>
+              <a:spcAft>
+                <a:spcPct val="0"/>
+              </a:spcAft>
+              <a:defRPr sz="2400">
+                <a:solidFill>
+                  <a:schemeClr val="tx1"/>
+                </a:solidFill>
+                <a:latin typeface="Times New Roman" pitchFamily="18" charset="0"/>
+              </a:defRPr>
+            </a:lvl8pPr>
+            <a:lvl9pPr marL="3886200" indent="-228600" eaLnBrk="0" fontAlgn="base" hangingPunct="0">
+              <a:spcBef>
+                <a:spcPct val="0"/>
+              </a:spcBef>
+              <a:spcAft>
+                <a:spcPct val="0"/>
+              </a:spcAft>
+              <a:defRPr sz="2400">
+                <a:solidFill>
+                  <a:schemeClr val="tx1"/>
+                </a:solidFill>
+                <a:latin typeface="Times New Roman" pitchFamily="18" charset="0"/>
+              </a:defRPr>
+            </a:lvl9pPr>
+          </a:lstStyle>
+          <a:p>
+            <a:endParaRPr lang="es-MX" altLang="es-MX"/>
+          </a:p>
+        </p:txBody>
+      </p:sp>
+      <p:sp>
+        <p:nvSpPr>
+          <p:cNvPr id="10245" name="6 CuadroTexto"/>
+          <p:cNvSpPr txBox="1">
+            <a:spLocks noChangeArrowheads="1"/>
+          </p:cNvSpPr>
+          <p:nvPr/>
+        </p:nvSpPr>
+        <p:spPr bwMode="auto">
+          <a:xfrm>
+            <a:off x="608891" y="2087027"/>
+            <a:ext cx="7926218" cy="792781"/>
+          </a:xfrm>
+          <a:prstGeom prst="rect">
+            <a:avLst/>
+          </a:prstGeom>
+          <a:noFill/>
+          <a:ln>
+            <a:noFill/>
+          </a:ln>
+          <a:extLst>
+            <a:ext uri="{909E8E84-426E-40DD-AFC4-6F175D3DCCD1}">
+              <a14:hiddenFill xmlns:a14="http://schemas.microsoft.com/office/drawing/2010/main">
+                <a:solidFill>
+                  <a:srgbClr val="FFFFFF"/>
+                </a:solidFill>
+              </a14:hiddenFill>
+            </a:ext>
+            <a:ext uri="{91240B29-F687-4F45-9708-019B960494DF}">
+              <a14:hiddenLine xmlns:a14="http://schemas.microsoft.com/office/drawing/2010/main" w="9525">
+                <a:solidFill>
+                  <a:srgbClr val="000000"/>
+                </a:solidFill>
+                <a:miter lim="800000"/>
+                <a:headEnd/>
+                <a:tailEnd/>
+              </a14:hiddenLine>
+            </a:ext>
+          </a:extLst>
+        </p:spPr>
+        <p:txBody>
+          <a:bodyPr wrap="square">
+            <a:spAutoFit/>
+          </a:bodyPr>
+          <a:lstStyle>
+            <a:lvl1pPr eaLnBrk="0" hangingPunct="0">
+              <a:defRPr sz="2400">
+                <a:solidFill>
+                  <a:schemeClr val="tx1"/>
+                </a:solidFill>
+                <a:latin typeface="Times New Roman" pitchFamily="18" charset="0"/>
+              </a:defRPr>
+            </a:lvl1pPr>
+            <a:lvl2pPr marL="742950" indent="-285750" eaLnBrk="0" hangingPunct="0">
+              <a:defRPr sz="2400">
+                <a:solidFill>
+                  <a:schemeClr val="tx1"/>
+                </a:solidFill>
+                <a:latin typeface="Times New Roman" pitchFamily="18" charset="0"/>
+              </a:defRPr>
+            </a:lvl2pPr>
+            <a:lvl3pPr marL="1143000" indent="-228600" eaLnBrk="0" hangingPunct="0">
+              <a:defRPr sz="2400">
+                <a:solidFill>
+                  <a:schemeClr val="tx1"/>
+                </a:solidFill>
+                <a:latin typeface="Times New Roman" pitchFamily="18" charset="0"/>
+              </a:defRPr>
+            </a:lvl3pPr>
+            <a:lvl4pPr marL="1600200" indent="-228600" eaLnBrk="0" hangingPunct="0">
+              <a:defRPr sz="2400">
+                <a:solidFill>
+                  <a:schemeClr val="tx1"/>
+                </a:solidFill>
+                <a:latin typeface="Times New Roman" pitchFamily="18" charset="0"/>
+              </a:defRPr>
+            </a:lvl4pPr>
+            <a:lvl5pPr marL="2057400" indent="-228600" eaLnBrk="0" hangingPunct="0">
+              <a:defRPr sz="2400">
+                <a:solidFill>
+                  <a:schemeClr val="tx1"/>
+                </a:solidFill>
+                <a:latin typeface="Times New Roman" pitchFamily="18" charset="0"/>
+              </a:defRPr>
+            </a:lvl5pPr>
+            <a:lvl6pPr marL="2514600" indent="-228600" eaLnBrk="0" fontAlgn="base" hangingPunct="0">
+              <a:spcBef>
+                <a:spcPct val="0"/>
+              </a:spcBef>
+              <a:spcAft>
+                <a:spcPct val="0"/>
+              </a:spcAft>
+              <a:defRPr sz="2400">
+                <a:solidFill>
+                  <a:schemeClr val="tx1"/>
+                </a:solidFill>
+                <a:latin typeface="Times New Roman" pitchFamily="18" charset="0"/>
+              </a:defRPr>
+            </a:lvl6pPr>
+            <a:lvl7pPr marL="2971800" indent="-228600" eaLnBrk="0" fontAlgn="base" hangingPunct="0">
+              <a:spcBef>
+                <a:spcPct val="0"/>
+              </a:spcBef>
+              <a:spcAft>
+                <a:spcPct val="0"/>
+              </a:spcAft>
+              <a:defRPr sz="2400">
+                <a:solidFill>
+                  <a:schemeClr val="tx1"/>
+                </a:solidFill>
+                <a:latin typeface="Times New Roman" pitchFamily="18" charset="0"/>
+              </a:defRPr>
+            </a:lvl7pPr>
+            <a:lvl8pPr marL="3429000" indent="-228600" eaLnBrk="0" fontAlgn="base" hangingPunct="0">
+              <a:spcBef>
+                <a:spcPct val="0"/>
+              </a:spcBef>
+              <a:spcAft>
+                <a:spcPct val="0"/>
+              </a:spcAft>
+              <a:defRPr sz="2400">
+                <a:solidFill>
+                  <a:schemeClr val="tx1"/>
+                </a:solidFill>
+                <a:latin typeface="Times New Roman" pitchFamily="18" charset="0"/>
+              </a:defRPr>
+            </a:lvl8pPr>
+            <a:lvl9pPr marL="3886200" indent="-228600" eaLnBrk="0" fontAlgn="base" hangingPunct="0">
+              <a:spcBef>
+                <a:spcPct val="0"/>
+              </a:spcBef>
+              <a:spcAft>
+                <a:spcPct val="0"/>
+              </a:spcAft>
+              <a:defRPr sz="2400">
+                <a:solidFill>
+                  <a:schemeClr val="tx1"/>
+                </a:solidFill>
+                <a:latin typeface="Times New Roman" pitchFamily="18" charset="0"/>
+              </a:defRPr>
+            </a:lvl9pPr>
+          </a:lstStyle>
+          <a:p>
+            <a:pPr algn="just">
+              <a:lnSpc>
+                <a:spcPct val="150000"/>
+              </a:lnSpc>
+            </a:pPr>
+            <a:r>
+              <a:rPr lang="es-MX" altLang="es-MX" sz="1600" dirty="0">
+                <a:solidFill>
+                  <a:schemeClr val="bg2">
+                    <a:lumMod val="25000"/>
+                  </a:schemeClr>
+                </a:solidFill>
+                <a:latin typeface="ZapfHumnst BT"/>
+              </a:rPr>
+              <a:t>Hay tres técnicas básicas de modulación que transforman los </a:t>
+            </a:r>
+            <a:r>
+              <a:rPr lang="es-MX" altLang="es-MX" sz="1600" b="1" dirty="0">
+                <a:solidFill>
+                  <a:schemeClr val="bg2">
+                    <a:lumMod val="25000"/>
+                  </a:schemeClr>
+                </a:solidFill>
+                <a:latin typeface="ZapfHumnst BT"/>
+              </a:rPr>
+              <a:t>datos digitales </a:t>
+            </a:r>
+            <a:r>
+              <a:rPr lang="es-MX" altLang="es-MX" sz="1600" dirty="0">
+                <a:solidFill>
+                  <a:schemeClr val="bg2">
+                    <a:lumMod val="25000"/>
+                  </a:schemeClr>
+                </a:solidFill>
+                <a:latin typeface="ZapfHumnst BT"/>
+              </a:rPr>
+              <a:t>en </a:t>
+            </a:r>
+            <a:r>
+              <a:rPr lang="es-MX" altLang="es-MX" sz="1600" b="1" dirty="0">
+                <a:solidFill>
+                  <a:schemeClr val="bg2">
+                    <a:lumMod val="25000"/>
+                  </a:schemeClr>
+                </a:solidFill>
+                <a:latin typeface="ZapfHumnst BT"/>
+              </a:rPr>
+              <a:t>señales analógicas</a:t>
+            </a:r>
+            <a:r>
+              <a:rPr lang="es-MX" altLang="es-MX" sz="1600" dirty="0">
+                <a:solidFill>
+                  <a:schemeClr val="bg2">
+                    <a:lumMod val="25000"/>
+                  </a:schemeClr>
+                </a:solidFill>
+                <a:latin typeface="ZapfHumnst BT"/>
+              </a:rPr>
+              <a:t>:</a:t>
+            </a:r>
+          </a:p>
+        </p:txBody>
+      </p:sp>
+      <p:sp>
+        <p:nvSpPr>
+          <p:cNvPr id="10246" name="7 CuadroTexto"/>
+          <p:cNvSpPr txBox="1">
+            <a:spLocks noChangeArrowheads="1"/>
+          </p:cNvSpPr>
+          <p:nvPr/>
+        </p:nvSpPr>
+        <p:spPr bwMode="auto">
+          <a:xfrm>
+            <a:off x="616212" y="3371498"/>
+            <a:ext cx="7124140" cy="464871"/>
+          </a:xfrm>
+          <a:prstGeom prst="rect">
+            <a:avLst/>
+          </a:prstGeom>
+          <a:noFill/>
+          <a:ln>
+            <a:noFill/>
+          </a:ln>
+          <a:extLst>
+            <a:ext uri="{909E8E84-426E-40DD-AFC4-6F175D3DCCD1}">
+              <a14:hiddenFill xmlns:a14="http://schemas.microsoft.com/office/drawing/2010/main">
+                <a:solidFill>
+                  <a:srgbClr val="FFFFFF"/>
+                </a:solidFill>
+              </a14:hiddenFill>
+            </a:ext>
+            <a:ext uri="{91240B29-F687-4F45-9708-019B960494DF}">
+              <a14:hiddenLine xmlns:a14="http://schemas.microsoft.com/office/drawing/2010/main" w="9525">
+                <a:solidFill>
+                  <a:srgbClr val="000000"/>
+                </a:solidFill>
+                <a:miter lim="800000"/>
+                <a:headEnd/>
+                <a:tailEnd/>
+              </a14:hiddenLine>
+            </a:ext>
+          </a:extLst>
+        </p:spPr>
+        <p:txBody>
+          <a:bodyPr wrap="square">
+            <a:spAutoFit/>
+          </a:bodyPr>
+          <a:lstStyle>
+            <a:lvl1pPr eaLnBrk="0" hangingPunct="0">
+              <a:defRPr sz="2400">
+                <a:solidFill>
+                  <a:schemeClr val="tx1"/>
+                </a:solidFill>
+                <a:latin typeface="Times New Roman" pitchFamily="18" charset="0"/>
+              </a:defRPr>
+            </a:lvl1pPr>
+            <a:lvl2pPr marL="742950" indent="-285750" eaLnBrk="0" hangingPunct="0">
+              <a:defRPr sz="2400">
+                <a:solidFill>
+                  <a:schemeClr val="tx1"/>
+                </a:solidFill>
+                <a:latin typeface="Times New Roman" pitchFamily="18" charset="0"/>
+              </a:defRPr>
+            </a:lvl2pPr>
+            <a:lvl3pPr marL="1143000" indent="-228600" eaLnBrk="0" hangingPunct="0">
+              <a:defRPr sz="2400">
+                <a:solidFill>
+                  <a:schemeClr val="tx1"/>
+                </a:solidFill>
+                <a:latin typeface="Times New Roman" pitchFamily="18" charset="0"/>
+              </a:defRPr>
+            </a:lvl3pPr>
+            <a:lvl4pPr marL="1600200" indent="-228600" eaLnBrk="0" hangingPunct="0">
+              <a:defRPr sz="2400">
+                <a:solidFill>
+                  <a:schemeClr val="tx1"/>
+                </a:solidFill>
+                <a:latin typeface="Times New Roman" pitchFamily="18" charset="0"/>
+              </a:defRPr>
+            </a:lvl4pPr>
+            <a:lvl5pPr marL="2057400" indent="-228600" eaLnBrk="0" hangingPunct="0">
+              <a:defRPr sz="2400">
+                <a:solidFill>
+                  <a:schemeClr val="tx1"/>
+                </a:solidFill>
+                <a:latin typeface="Times New Roman" pitchFamily="18" charset="0"/>
+              </a:defRPr>
+            </a:lvl5pPr>
+            <a:lvl6pPr marL="2514600" indent="-228600" eaLnBrk="0" fontAlgn="base" hangingPunct="0">
+              <a:spcBef>
+                <a:spcPct val="0"/>
+              </a:spcBef>
+              <a:spcAft>
+                <a:spcPct val="0"/>
+              </a:spcAft>
+              <a:defRPr sz="2400">
+                <a:solidFill>
+                  <a:schemeClr val="tx1"/>
+                </a:solidFill>
+                <a:latin typeface="Times New Roman" pitchFamily="18" charset="0"/>
+              </a:defRPr>
+            </a:lvl6pPr>
+            <a:lvl7pPr marL="2971800" indent="-228600" eaLnBrk="0" fontAlgn="base" hangingPunct="0">
+              <a:spcBef>
+                <a:spcPct val="0"/>
+              </a:spcBef>
+              <a:spcAft>
+                <a:spcPct val="0"/>
+              </a:spcAft>
+              <a:defRPr sz="2400">
+                <a:solidFill>
+                  <a:schemeClr val="tx1"/>
+                </a:solidFill>
+                <a:latin typeface="Times New Roman" pitchFamily="18" charset="0"/>
+              </a:defRPr>
+            </a:lvl7pPr>
+            <a:lvl8pPr marL="3429000" indent="-228600" eaLnBrk="0" fontAlgn="base" hangingPunct="0">
+              <a:spcBef>
+                <a:spcPct val="0"/>
+              </a:spcBef>
+              <a:spcAft>
+                <a:spcPct val="0"/>
+              </a:spcAft>
+              <a:defRPr sz="2400">
+                <a:solidFill>
+                  <a:schemeClr val="tx1"/>
+                </a:solidFill>
+                <a:latin typeface="Times New Roman" pitchFamily="18" charset="0"/>
+              </a:defRPr>
+            </a:lvl8pPr>
+            <a:lvl9pPr marL="3886200" indent="-228600" eaLnBrk="0" fontAlgn="base" hangingPunct="0">
+              <a:spcBef>
+                <a:spcPct val="0"/>
+              </a:spcBef>
+              <a:spcAft>
+                <a:spcPct val="0"/>
+              </a:spcAft>
+              <a:defRPr sz="2400">
+                <a:solidFill>
+                  <a:schemeClr val="tx1"/>
+                </a:solidFill>
+                <a:latin typeface="Times New Roman" pitchFamily="18" charset="0"/>
+              </a:defRPr>
+            </a:lvl9pPr>
+          </a:lstStyle>
+          <a:p>
+            <a:pPr algn="just">
+              <a:lnSpc>
+                <a:spcPct val="150000"/>
+              </a:lnSpc>
+              <a:buFont typeface="Arial" pitchFamily="34" charset="0"/>
+              <a:buChar char="•"/>
+            </a:pPr>
+            <a:r>
+              <a:rPr lang="es-MX" altLang="es-MX" sz="1800" b="1" dirty="0">
+                <a:solidFill>
+                  <a:schemeClr val="accent3">
+                    <a:lumMod val="75000"/>
+                  </a:schemeClr>
+                </a:solidFill>
+                <a:latin typeface="ZapfHumnst BT"/>
+              </a:rPr>
+              <a:t>  </a:t>
+            </a:r>
+            <a:r>
+              <a:rPr lang="es-MX" altLang="es-MX" sz="1800" b="1" dirty="0">
+                <a:solidFill>
+                  <a:schemeClr val="accent5">
+                    <a:lumMod val="75000"/>
+                  </a:schemeClr>
+                </a:solidFill>
+                <a:latin typeface="ZapfHumnst BT"/>
+              </a:rPr>
+              <a:t>ASK</a:t>
+            </a:r>
+            <a:r>
+              <a:rPr lang="es-MX" altLang="es-MX" sz="1800" dirty="0">
+                <a:solidFill>
+                  <a:schemeClr val="accent3">
+                    <a:lumMod val="75000"/>
+                  </a:schemeClr>
+                </a:solidFill>
+                <a:latin typeface="ZapfHumnst BT"/>
+              </a:rPr>
+              <a:t> </a:t>
+            </a:r>
+            <a:r>
+              <a:rPr lang="es-MX" altLang="es-MX" sz="1400" dirty="0">
+                <a:solidFill>
+                  <a:schemeClr val="bg2">
+                    <a:lumMod val="25000"/>
+                  </a:schemeClr>
+                </a:solidFill>
+                <a:latin typeface="ZapfHumnst BT"/>
+              </a:rPr>
+              <a:t>(Amplitud </a:t>
+            </a:r>
+            <a:r>
+              <a:rPr lang="es-MX" altLang="es-MX" sz="1400" dirty="0" err="1">
+                <a:solidFill>
+                  <a:schemeClr val="bg2">
+                    <a:lumMod val="25000"/>
+                  </a:schemeClr>
+                </a:solidFill>
+                <a:latin typeface="ZapfHumnst BT"/>
+              </a:rPr>
+              <a:t>Shift</a:t>
+            </a:r>
+            <a:r>
+              <a:rPr lang="es-MX" altLang="es-MX" sz="1400" dirty="0">
+                <a:solidFill>
+                  <a:schemeClr val="bg2">
+                    <a:lumMod val="25000"/>
+                  </a:schemeClr>
+                </a:solidFill>
+                <a:latin typeface="ZapfHumnst BT"/>
+              </a:rPr>
+              <a:t> </a:t>
+            </a:r>
+            <a:r>
+              <a:rPr lang="es-MX" altLang="es-MX" sz="1400" dirty="0" err="1">
+                <a:solidFill>
+                  <a:schemeClr val="bg2">
+                    <a:lumMod val="25000"/>
+                  </a:schemeClr>
+                </a:solidFill>
+                <a:latin typeface="ZapfHumnst BT"/>
+              </a:rPr>
+              <a:t>Keying</a:t>
+            </a:r>
+            <a:r>
+              <a:rPr lang="es-MX" altLang="es-MX" sz="1400" dirty="0">
+                <a:solidFill>
+                  <a:schemeClr val="bg2">
+                    <a:lumMod val="25000"/>
+                  </a:schemeClr>
+                </a:solidFill>
+                <a:latin typeface="ZapfHumnst BT"/>
+              </a:rPr>
+              <a:t> – Modulación por desplazamiento de amplitud)</a:t>
+            </a:r>
+          </a:p>
+        </p:txBody>
+      </p:sp>
+      <p:sp>
+        <p:nvSpPr>
+          <p:cNvPr id="10247" name="8 CuadroTexto"/>
+          <p:cNvSpPr txBox="1">
+            <a:spLocks noChangeArrowheads="1"/>
+          </p:cNvSpPr>
+          <p:nvPr/>
+        </p:nvSpPr>
+        <p:spPr bwMode="auto">
+          <a:xfrm>
+            <a:off x="624103" y="3851219"/>
+            <a:ext cx="3198781" cy="1120756"/>
+          </a:xfrm>
+          <a:prstGeom prst="rect">
+            <a:avLst/>
+          </a:prstGeom>
+          <a:noFill/>
+          <a:ln>
+            <a:noFill/>
+          </a:ln>
+          <a:extLst>
+            <a:ext uri="{909E8E84-426E-40DD-AFC4-6F175D3DCCD1}">
+              <a14:hiddenFill xmlns:a14="http://schemas.microsoft.com/office/drawing/2010/main">
+                <a:solidFill>
+                  <a:srgbClr val="FFFFFF"/>
+                </a:solidFill>
+              </a14:hiddenFill>
+            </a:ext>
+            <a:ext uri="{91240B29-F687-4F45-9708-019B960494DF}">
+              <a14:hiddenLine xmlns:a14="http://schemas.microsoft.com/office/drawing/2010/main" w="9525">
+                <a:solidFill>
+                  <a:srgbClr val="000000"/>
+                </a:solidFill>
+                <a:miter lim="800000"/>
+                <a:headEnd/>
+                <a:tailEnd/>
+              </a14:hiddenLine>
+            </a:ext>
+          </a:extLst>
+        </p:spPr>
+        <p:txBody>
+          <a:bodyPr wrap="square">
+            <a:spAutoFit/>
+          </a:bodyPr>
+          <a:lstStyle>
+            <a:lvl1pPr eaLnBrk="0" hangingPunct="0">
+              <a:defRPr sz="2400">
+                <a:solidFill>
+                  <a:schemeClr val="tx1"/>
+                </a:solidFill>
+                <a:latin typeface="Times New Roman" pitchFamily="18" charset="0"/>
+              </a:defRPr>
+            </a:lvl1pPr>
+            <a:lvl2pPr marL="742950" indent="-285750" eaLnBrk="0" hangingPunct="0">
+              <a:defRPr sz="2400">
+                <a:solidFill>
+                  <a:schemeClr val="tx1"/>
+                </a:solidFill>
+                <a:latin typeface="Times New Roman" pitchFamily="18" charset="0"/>
+              </a:defRPr>
+            </a:lvl2pPr>
+            <a:lvl3pPr marL="1143000" indent="-228600" eaLnBrk="0" hangingPunct="0">
+              <a:defRPr sz="2400">
+                <a:solidFill>
+                  <a:schemeClr val="tx1"/>
+                </a:solidFill>
+                <a:latin typeface="Times New Roman" pitchFamily="18" charset="0"/>
+              </a:defRPr>
+            </a:lvl3pPr>
+            <a:lvl4pPr marL="1600200" indent="-228600" eaLnBrk="0" hangingPunct="0">
+              <a:defRPr sz="2400">
+                <a:solidFill>
+                  <a:schemeClr val="tx1"/>
+                </a:solidFill>
+                <a:latin typeface="Times New Roman" pitchFamily="18" charset="0"/>
+              </a:defRPr>
+            </a:lvl4pPr>
+            <a:lvl5pPr marL="2057400" indent="-228600" eaLnBrk="0" hangingPunct="0">
+              <a:defRPr sz="2400">
+                <a:solidFill>
+                  <a:schemeClr val="tx1"/>
+                </a:solidFill>
+                <a:latin typeface="Times New Roman" pitchFamily="18" charset="0"/>
+              </a:defRPr>
+            </a:lvl5pPr>
+            <a:lvl6pPr marL="2514600" indent="-228600" eaLnBrk="0" fontAlgn="base" hangingPunct="0">
+              <a:spcBef>
+                <a:spcPct val="0"/>
+              </a:spcBef>
+              <a:spcAft>
+                <a:spcPct val="0"/>
+              </a:spcAft>
+              <a:defRPr sz="2400">
+                <a:solidFill>
+                  <a:schemeClr val="tx1"/>
+                </a:solidFill>
+                <a:latin typeface="Times New Roman" pitchFamily="18" charset="0"/>
+              </a:defRPr>
+            </a:lvl6pPr>
+            <a:lvl7pPr marL="2971800" indent="-228600" eaLnBrk="0" fontAlgn="base" hangingPunct="0">
+              <a:spcBef>
+                <a:spcPct val="0"/>
+              </a:spcBef>
+              <a:spcAft>
+                <a:spcPct val="0"/>
+              </a:spcAft>
+              <a:defRPr sz="2400">
+                <a:solidFill>
+                  <a:schemeClr val="tx1"/>
+                </a:solidFill>
+                <a:latin typeface="Times New Roman" pitchFamily="18" charset="0"/>
+              </a:defRPr>
+            </a:lvl7pPr>
+            <a:lvl8pPr marL="3429000" indent="-228600" eaLnBrk="0" fontAlgn="base" hangingPunct="0">
+              <a:spcBef>
+                <a:spcPct val="0"/>
+              </a:spcBef>
+              <a:spcAft>
+                <a:spcPct val="0"/>
+              </a:spcAft>
+              <a:defRPr sz="2400">
+                <a:solidFill>
+                  <a:schemeClr val="tx1"/>
+                </a:solidFill>
+                <a:latin typeface="Times New Roman" pitchFamily="18" charset="0"/>
+              </a:defRPr>
+            </a:lvl8pPr>
+            <a:lvl9pPr marL="3886200" indent="-228600" eaLnBrk="0" fontAlgn="base" hangingPunct="0">
+              <a:spcBef>
+                <a:spcPct val="0"/>
+              </a:spcBef>
+              <a:spcAft>
+                <a:spcPct val="0"/>
+              </a:spcAft>
+              <a:defRPr sz="2400">
+                <a:solidFill>
+                  <a:schemeClr val="tx1"/>
+                </a:solidFill>
+                <a:latin typeface="Times New Roman" pitchFamily="18" charset="0"/>
+              </a:defRPr>
+            </a:lvl9pPr>
+          </a:lstStyle>
+          <a:p>
+            <a:pPr algn="just">
+              <a:lnSpc>
+                <a:spcPct val="150000"/>
+              </a:lnSpc>
+              <a:buFont typeface="Arial" pitchFamily="34" charset="0"/>
+              <a:buChar char="•"/>
+            </a:pPr>
+            <a:r>
+              <a:rPr lang="es-MX" altLang="es-MX" sz="1800" b="1" dirty="0">
+                <a:solidFill>
+                  <a:schemeClr val="accent5">
+                    <a:lumMod val="75000"/>
+                  </a:schemeClr>
+                </a:solidFill>
+                <a:latin typeface="ZapfHumnst BT"/>
+              </a:rPr>
+              <a:t>  FSK</a:t>
+            </a:r>
+            <a:r>
+              <a:rPr lang="es-MX" altLang="es-MX" sz="1800" dirty="0">
+                <a:solidFill>
+                  <a:schemeClr val="accent3">
+                    <a:lumMod val="75000"/>
+                  </a:schemeClr>
+                </a:solidFill>
+                <a:latin typeface="ZapfHumnst BT"/>
+              </a:rPr>
+              <a:t> </a:t>
+            </a:r>
+            <a:r>
+              <a:rPr lang="es-MX" altLang="es-MX" sz="1400" dirty="0">
+                <a:solidFill>
+                  <a:schemeClr val="bg2">
+                    <a:lumMod val="25000"/>
+                  </a:schemeClr>
+                </a:solidFill>
+                <a:latin typeface="ZapfHumnst BT"/>
+              </a:rPr>
+              <a:t>(</a:t>
+            </a:r>
+            <a:r>
+              <a:rPr lang="es-MX" altLang="es-MX" sz="1400" dirty="0" err="1">
+                <a:solidFill>
+                  <a:schemeClr val="bg2">
+                    <a:lumMod val="25000"/>
+                  </a:schemeClr>
+                </a:solidFill>
+                <a:latin typeface="ZapfHumnst BT"/>
+              </a:rPr>
+              <a:t>Frecuency</a:t>
+            </a:r>
+            <a:r>
+              <a:rPr lang="es-MX" altLang="es-MX" sz="1400" dirty="0">
+                <a:solidFill>
+                  <a:schemeClr val="bg2">
+                    <a:lumMod val="25000"/>
+                  </a:schemeClr>
+                </a:solidFill>
+                <a:latin typeface="ZapfHumnst BT"/>
+              </a:rPr>
+              <a:t> </a:t>
+            </a:r>
+            <a:r>
+              <a:rPr lang="es-MX" altLang="es-MX" sz="1400" dirty="0" err="1">
+                <a:solidFill>
+                  <a:schemeClr val="bg2">
+                    <a:lumMod val="25000"/>
+                  </a:schemeClr>
+                </a:solidFill>
+                <a:latin typeface="ZapfHumnst BT"/>
+              </a:rPr>
+              <a:t>Shift</a:t>
+            </a:r>
+            <a:r>
+              <a:rPr lang="es-MX" altLang="es-MX" sz="1400" dirty="0">
+                <a:solidFill>
+                  <a:schemeClr val="bg2">
+                    <a:lumMod val="25000"/>
+                  </a:schemeClr>
+                </a:solidFill>
+                <a:latin typeface="ZapfHumnst BT"/>
+              </a:rPr>
+              <a:t> </a:t>
+            </a:r>
+            <a:r>
+              <a:rPr lang="es-MX" altLang="es-MX" sz="1400" dirty="0" err="1">
+                <a:solidFill>
+                  <a:schemeClr val="bg2">
+                    <a:lumMod val="25000"/>
+                  </a:schemeClr>
+                </a:solidFill>
+                <a:latin typeface="ZapfHumnst BT"/>
+              </a:rPr>
+              <a:t>Keying</a:t>
+            </a:r>
+            <a:r>
+              <a:rPr lang="es-MX" altLang="es-MX" sz="1400" dirty="0">
+                <a:solidFill>
+                  <a:schemeClr val="bg2">
+                    <a:lumMod val="25000"/>
+                  </a:schemeClr>
+                </a:solidFill>
+                <a:latin typeface="ZapfHumnst BT"/>
+              </a:rPr>
+              <a:t> – Modulación por desplazamiento de frecuencia)</a:t>
+            </a:r>
+          </a:p>
+        </p:txBody>
+      </p:sp>
+      <p:sp>
+        <p:nvSpPr>
+          <p:cNvPr id="10248" name="9 CuadroTexto"/>
+          <p:cNvSpPr txBox="1">
+            <a:spLocks noChangeArrowheads="1"/>
+          </p:cNvSpPr>
+          <p:nvPr/>
+        </p:nvSpPr>
+        <p:spPr bwMode="auto">
+          <a:xfrm>
+            <a:off x="624103" y="2914963"/>
+            <a:ext cx="7000875" cy="464871"/>
+          </a:xfrm>
+          <a:prstGeom prst="rect">
+            <a:avLst/>
+          </a:prstGeom>
+          <a:noFill/>
+          <a:ln>
+            <a:noFill/>
+          </a:ln>
+          <a:extLst>
+            <a:ext uri="{909E8E84-426E-40DD-AFC4-6F175D3DCCD1}">
+              <a14:hiddenFill xmlns:a14="http://schemas.microsoft.com/office/drawing/2010/main">
+                <a:solidFill>
+                  <a:srgbClr val="FFFFFF"/>
+                </a:solidFill>
+              </a14:hiddenFill>
+            </a:ext>
+            <a:ext uri="{91240B29-F687-4F45-9708-019B960494DF}">
+              <a14:hiddenLine xmlns:a14="http://schemas.microsoft.com/office/drawing/2010/main" w="9525">
+                <a:solidFill>
+                  <a:srgbClr val="000000"/>
+                </a:solidFill>
+                <a:miter lim="800000"/>
+                <a:headEnd/>
+                <a:tailEnd/>
+              </a14:hiddenLine>
+            </a:ext>
+          </a:extLst>
+        </p:spPr>
+        <p:txBody>
+          <a:bodyPr>
+            <a:spAutoFit/>
+          </a:bodyPr>
+          <a:lstStyle>
+            <a:lvl1pPr eaLnBrk="0" hangingPunct="0">
+              <a:defRPr sz="2400">
+                <a:solidFill>
+                  <a:schemeClr val="tx1"/>
+                </a:solidFill>
+                <a:latin typeface="Times New Roman" pitchFamily="18" charset="0"/>
+              </a:defRPr>
+            </a:lvl1pPr>
+            <a:lvl2pPr marL="742950" indent="-285750" eaLnBrk="0" hangingPunct="0">
+              <a:defRPr sz="2400">
+                <a:solidFill>
+                  <a:schemeClr val="tx1"/>
+                </a:solidFill>
+                <a:latin typeface="Times New Roman" pitchFamily="18" charset="0"/>
+              </a:defRPr>
+            </a:lvl2pPr>
+            <a:lvl3pPr marL="1143000" indent="-228600" eaLnBrk="0" hangingPunct="0">
+              <a:defRPr sz="2400">
+                <a:solidFill>
+                  <a:schemeClr val="tx1"/>
+                </a:solidFill>
+                <a:latin typeface="Times New Roman" pitchFamily="18" charset="0"/>
+              </a:defRPr>
+            </a:lvl3pPr>
+            <a:lvl4pPr marL="1600200" indent="-228600" eaLnBrk="0" hangingPunct="0">
+              <a:defRPr sz="2400">
+                <a:solidFill>
+                  <a:schemeClr val="tx1"/>
+                </a:solidFill>
+                <a:latin typeface="Times New Roman" pitchFamily="18" charset="0"/>
+              </a:defRPr>
+            </a:lvl4pPr>
+            <a:lvl5pPr marL="2057400" indent="-228600" eaLnBrk="0" hangingPunct="0">
+              <a:defRPr sz="2400">
+                <a:solidFill>
+                  <a:schemeClr val="tx1"/>
+                </a:solidFill>
+                <a:latin typeface="Times New Roman" pitchFamily="18" charset="0"/>
+              </a:defRPr>
+            </a:lvl5pPr>
+            <a:lvl6pPr marL="2514600" indent="-228600" eaLnBrk="0" fontAlgn="base" hangingPunct="0">
+              <a:spcBef>
+                <a:spcPct val="0"/>
+              </a:spcBef>
+              <a:spcAft>
+                <a:spcPct val="0"/>
+              </a:spcAft>
+              <a:defRPr sz="2400">
+                <a:solidFill>
+                  <a:schemeClr val="tx1"/>
+                </a:solidFill>
+                <a:latin typeface="Times New Roman" pitchFamily="18" charset="0"/>
+              </a:defRPr>
+            </a:lvl6pPr>
+            <a:lvl7pPr marL="2971800" indent="-228600" eaLnBrk="0" fontAlgn="base" hangingPunct="0">
+              <a:spcBef>
+                <a:spcPct val="0"/>
+              </a:spcBef>
+              <a:spcAft>
+                <a:spcPct val="0"/>
+              </a:spcAft>
+              <a:defRPr sz="2400">
+                <a:solidFill>
+                  <a:schemeClr val="tx1"/>
+                </a:solidFill>
+                <a:latin typeface="Times New Roman" pitchFamily="18" charset="0"/>
+              </a:defRPr>
+            </a:lvl7pPr>
+            <a:lvl8pPr marL="3429000" indent="-228600" eaLnBrk="0" fontAlgn="base" hangingPunct="0">
+              <a:spcBef>
+                <a:spcPct val="0"/>
+              </a:spcBef>
+              <a:spcAft>
+                <a:spcPct val="0"/>
+              </a:spcAft>
+              <a:defRPr sz="2400">
+                <a:solidFill>
+                  <a:schemeClr val="tx1"/>
+                </a:solidFill>
+                <a:latin typeface="Times New Roman" pitchFamily="18" charset="0"/>
+              </a:defRPr>
+            </a:lvl8pPr>
+            <a:lvl9pPr marL="3886200" indent="-228600" eaLnBrk="0" fontAlgn="base" hangingPunct="0">
+              <a:spcBef>
+                <a:spcPct val="0"/>
+              </a:spcBef>
+              <a:spcAft>
+                <a:spcPct val="0"/>
+              </a:spcAft>
+              <a:defRPr sz="2400">
+                <a:solidFill>
+                  <a:schemeClr val="tx1"/>
+                </a:solidFill>
+                <a:latin typeface="Times New Roman" pitchFamily="18" charset="0"/>
+              </a:defRPr>
+            </a:lvl9pPr>
+          </a:lstStyle>
+          <a:p>
+            <a:pPr algn="just">
+              <a:lnSpc>
+                <a:spcPct val="150000"/>
+              </a:lnSpc>
+              <a:buFont typeface="Arial" pitchFamily="34" charset="0"/>
+              <a:buChar char="•"/>
+            </a:pPr>
+            <a:r>
+              <a:rPr lang="es-MX" altLang="es-MX" sz="1800" b="1" dirty="0">
+                <a:solidFill>
+                  <a:schemeClr val="accent3">
+                    <a:lumMod val="75000"/>
+                  </a:schemeClr>
+                </a:solidFill>
+                <a:latin typeface="ZapfHumnst BT"/>
+              </a:rPr>
+              <a:t>  </a:t>
+            </a:r>
+            <a:r>
+              <a:rPr lang="es-MX" altLang="es-MX" sz="1800" b="1" dirty="0">
+                <a:solidFill>
+                  <a:schemeClr val="accent5">
+                    <a:lumMod val="75000"/>
+                  </a:schemeClr>
+                </a:solidFill>
+                <a:latin typeface="ZapfHumnst BT"/>
+              </a:rPr>
+              <a:t>PSK</a:t>
+            </a:r>
+            <a:r>
+              <a:rPr lang="es-MX" altLang="es-MX" sz="1800" dirty="0">
+                <a:solidFill>
+                  <a:schemeClr val="accent5">
+                    <a:lumMod val="75000"/>
+                  </a:schemeClr>
+                </a:solidFill>
+                <a:latin typeface="ZapfHumnst BT"/>
+              </a:rPr>
+              <a:t> </a:t>
+            </a:r>
+            <a:r>
+              <a:rPr lang="es-MX" altLang="es-MX" sz="1400" dirty="0">
+                <a:solidFill>
+                  <a:schemeClr val="bg2">
+                    <a:lumMod val="25000"/>
+                  </a:schemeClr>
+                </a:solidFill>
+                <a:latin typeface="ZapfHumnst BT"/>
+              </a:rPr>
+              <a:t>(</a:t>
+            </a:r>
+            <a:r>
+              <a:rPr lang="es-MX" altLang="es-MX" sz="1400" dirty="0" err="1">
+                <a:solidFill>
+                  <a:schemeClr val="bg2">
+                    <a:lumMod val="25000"/>
+                  </a:schemeClr>
+                </a:solidFill>
+                <a:latin typeface="ZapfHumnst BT"/>
+              </a:rPr>
+              <a:t>Phase</a:t>
+            </a:r>
+            <a:r>
+              <a:rPr lang="es-MX" altLang="es-MX" sz="1400" dirty="0">
+                <a:solidFill>
+                  <a:schemeClr val="bg2">
+                    <a:lumMod val="25000"/>
+                  </a:schemeClr>
+                </a:solidFill>
+                <a:latin typeface="ZapfHumnst BT"/>
+              </a:rPr>
+              <a:t> </a:t>
+            </a:r>
+            <a:r>
+              <a:rPr lang="es-MX" altLang="es-MX" sz="1400" dirty="0" err="1">
+                <a:solidFill>
+                  <a:schemeClr val="bg2">
+                    <a:lumMod val="25000"/>
+                  </a:schemeClr>
+                </a:solidFill>
+                <a:latin typeface="ZapfHumnst BT"/>
+              </a:rPr>
+              <a:t>Shift</a:t>
+            </a:r>
+            <a:r>
+              <a:rPr lang="es-MX" altLang="es-MX" sz="1400" dirty="0">
+                <a:solidFill>
+                  <a:schemeClr val="bg2">
+                    <a:lumMod val="25000"/>
+                  </a:schemeClr>
+                </a:solidFill>
+                <a:latin typeface="ZapfHumnst BT"/>
+              </a:rPr>
+              <a:t> </a:t>
+            </a:r>
+            <a:r>
+              <a:rPr lang="es-MX" altLang="es-MX" sz="1400" dirty="0" err="1">
+                <a:solidFill>
+                  <a:schemeClr val="bg2">
+                    <a:lumMod val="25000"/>
+                  </a:schemeClr>
+                </a:solidFill>
+                <a:latin typeface="ZapfHumnst BT"/>
+              </a:rPr>
+              <a:t>Keying</a:t>
+            </a:r>
+            <a:r>
+              <a:rPr lang="es-MX" altLang="es-MX" sz="1400" dirty="0">
+                <a:solidFill>
+                  <a:schemeClr val="bg2">
+                    <a:lumMod val="25000"/>
+                  </a:schemeClr>
+                </a:solidFill>
+                <a:latin typeface="ZapfHumnst BT"/>
+              </a:rPr>
+              <a:t> – Modulación por desplazamiento de fase)</a:t>
+            </a:r>
+          </a:p>
+        </p:txBody>
+      </p:sp>
+      <p:sp>
+        <p:nvSpPr>
+          <p:cNvPr id="2" name="Text Box 5">
+            <a:extLst>
+              <a:ext uri="{FF2B5EF4-FFF2-40B4-BE49-F238E27FC236}">
+                <a16:creationId xmlns:a16="http://schemas.microsoft.com/office/drawing/2014/main" id="{70BF1A5C-C5E7-14F5-5178-C5CC6EB291D8}"/>
+              </a:ext>
+            </a:extLst>
+          </p:cNvPr>
+          <p:cNvSpPr txBox="1">
+            <a:spLocks noChangeArrowheads="1"/>
+          </p:cNvSpPr>
+          <p:nvPr/>
+        </p:nvSpPr>
+        <p:spPr bwMode="auto">
+          <a:xfrm>
+            <a:off x="2015716" y="655191"/>
+            <a:ext cx="5112568" cy="568745"/>
+          </a:xfrm>
+          <a:prstGeom prst="rect">
+            <a:avLst/>
+          </a:prstGeom>
+          <a:noFill/>
+          <a:ln>
+            <a:noFill/>
+          </a:ln>
+          <a:extLst>
+            <a:ext uri="{909E8E84-426E-40DD-AFC4-6F175D3DCCD1}">
+              <a14:hiddenFill xmlns:a14="http://schemas.microsoft.com/office/drawing/2010/main">
+                <a:solidFill>
+                  <a:srgbClr val="FFFFFF"/>
+                </a:solidFill>
+              </a14:hiddenFill>
+            </a:ext>
+            <a:ext uri="{91240B29-F687-4F45-9708-019B960494DF}">
+              <a14:hiddenLine xmlns:a14="http://schemas.microsoft.com/office/drawing/2010/main" w="9525">
+                <a:solidFill>
+                  <a:srgbClr val="000000"/>
+                </a:solidFill>
+                <a:miter lim="800000"/>
+                <a:headEnd/>
+                <a:tailEnd/>
+              </a14:hiddenLine>
+            </a:ext>
+          </a:extLst>
+        </p:spPr>
+        <p:txBody>
+          <a:bodyPr wrap="square">
+            <a:spAutoFit/>
+          </a:bodyPr>
+          <a:lstStyle>
+            <a:lvl1pPr eaLnBrk="0" hangingPunct="0">
+              <a:defRPr sz="2400">
+                <a:solidFill>
+                  <a:schemeClr val="tx1"/>
+                </a:solidFill>
+                <a:latin typeface="Times New Roman" pitchFamily="18" charset="0"/>
+              </a:defRPr>
+            </a:lvl1pPr>
+            <a:lvl2pPr marL="742950" indent="-285750" eaLnBrk="0" hangingPunct="0">
+              <a:defRPr sz="2400">
+                <a:solidFill>
+                  <a:schemeClr val="tx1"/>
+                </a:solidFill>
+                <a:latin typeface="Times New Roman" pitchFamily="18" charset="0"/>
+              </a:defRPr>
+            </a:lvl2pPr>
+            <a:lvl3pPr marL="1143000" indent="-228600" eaLnBrk="0" hangingPunct="0">
+              <a:defRPr sz="2400">
+                <a:solidFill>
+                  <a:schemeClr val="tx1"/>
+                </a:solidFill>
+                <a:latin typeface="Times New Roman" pitchFamily="18" charset="0"/>
+              </a:defRPr>
+            </a:lvl3pPr>
+            <a:lvl4pPr marL="1600200" indent="-228600" eaLnBrk="0" hangingPunct="0">
+              <a:defRPr sz="2400">
+                <a:solidFill>
+                  <a:schemeClr val="tx1"/>
+                </a:solidFill>
+                <a:latin typeface="Times New Roman" pitchFamily="18" charset="0"/>
+              </a:defRPr>
+            </a:lvl4pPr>
+            <a:lvl5pPr marL="2057400" indent="-228600" eaLnBrk="0" hangingPunct="0">
+              <a:defRPr sz="2400">
+                <a:solidFill>
+                  <a:schemeClr val="tx1"/>
+                </a:solidFill>
+                <a:latin typeface="Times New Roman" pitchFamily="18" charset="0"/>
+              </a:defRPr>
+            </a:lvl5pPr>
+            <a:lvl6pPr marL="2514600" indent="-228600" eaLnBrk="0" fontAlgn="base" hangingPunct="0">
+              <a:spcBef>
+                <a:spcPct val="0"/>
+              </a:spcBef>
+              <a:spcAft>
+                <a:spcPct val="0"/>
+              </a:spcAft>
+              <a:defRPr sz="2400">
+                <a:solidFill>
+                  <a:schemeClr val="tx1"/>
+                </a:solidFill>
+                <a:latin typeface="Times New Roman" pitchFamily="18" charset="0"/>
+              </a:defRPr>
+            </a:lvl6pPr>
+            <a:lvl7pPr marL="2971800" indent="-228600" eaLnBrk="0" fontAlgn="base" hangingPunct="0">
+              <a:spcBef>
+                <a:spcPct val="0"/>
+              </a:spcBef>
+              <a:spcAft>
+                <a:spcPct val="0"/>
+              </a:spcAft>
+              <a:defRPr sz="2400">
+                <a:solidFill>
+                  <a:schemeClr val="tx1"/>
+                </a:solidFill>
+                <a:latin typeface="Times New Roman" pitchFamily="18" charset="0"/>
+              </a:defRPr>
+            </a:lvl7pPr>
+            <a:lvl8pPr marL="3429000" indent="-228600" eaLnBrk="0" fontAlgn="base" hangingPunct="0">
+              <a:spcBef>
+                <a:spcPct val="0"/>
+              </a:spcBef>
+              <a:spcAft>
+                <a:spcPct val="0"/>
+              </a:spcAft>
+              <a:defRPr sz="2400">
+                <a:solidFill>
+                  <a:schemeClr val="tx1"/>
+                </a:solidFill>
+                <a:latin typeface="Times New Roman" pitchFamily="18" charset="0"/>
+              </a:defRPr>
+            </a:lvl8pPr>
+            <a:lvl9pPr marL="3886200" indent="-228600" eaLnBrk="0" fontAlgn="base" hangingPunct="0">
+              <a:spcBef>
+                <a:spcPct val="0"/>
+              </a:spcBef>
+              <a:spcAft>
+                <a:spcPct val="0"/>
+              </a:spcAft>
+              <a:defRPr sz="2400">
+                <a:solidFill>
+                  <a:schemeClr val="tx1"/>
+                </a:solidFill>
+                <a:latin typeface="Times New Roman" pitchFamily="18" charset="0"/>
+              </a:defRPr>
+            </a:lvl9pPr>
+          </a:lstStyle>
+          <a:p>
+            <a:pPr algn="ctr">
+              <a:lnSpc>
+                <a:spcPct val="200000"/>
+              </a:lnSpc>
+              <a:spcBef>
+                <a:spcPct val="50000"/>
+              </a:spcBef>
+            </a:pPr>
+            <a:r>
+              <a:rPr lang="es-MX" sz="1800" b="1" dirty="0">
+                <a:solidFill>
+                  <a:schemeClr val="accent6">
+                    <a:lumMod val="75000"/>
+                  </a:schemeClr>
+                </a:solidFill>
+                <a:latin typeface="ZapfHumnst BT"/>
+              </a:rPr>
+              <a:t>Ondas Electromagnéticas</a:t>
+            </a:r>
+            <a:endParaRPr lang="es-MX" sz="1800" dirty="0">
+              <a:solidFill>
+                <a:schemeClr val="accent6">
+                  <a:lumMod val="75000"/>
+                </a:schemeClr>
+              </a:solidFill>
+              <a:latin typeface="ZapfHumnst BT"/>
+            </a:endParaRPr>
+          </a:p>
+        </p:txBody>
+      </p:sp>
+      <p:sp>
+        <p:nvSpPr>
+          <p:cNvPr id="3" name="Rectangle 2">
+            <a:extLst>
+              <a:ext uri="{FF2B5EF4-FFF2-40B4-BE49-F238E27FC236}">
+                <a16:creationId xmlns:a16="http://schemas.microsoft.com/office/drawing/2014/main" id="{9A4B25DC-6143-1BE4-25C1-BCA0EA3578FF}"/>
+              </a:ext>
+            </a:extLst>
+          </p:cNvPr>
+          <p:cNvSpPr txBox="1">
+            <a:spLocks noChangeArrowheads="1"/>
+          </p:cNvSpPr>
+          <p:nvPr/>
+        </p:nvSpPr>
+        <p:spPr>
+          <a:xfrm>
+            <a:off x="107504" y="-27384"/>
+            <a:ext cx="8964488" cy="1143000"/>
+          </a:xfrm>
+          <a:prstGeom prst="rect">
+            <a:avLst/>
+          </a:prstGeom>
+        </p:spPr>
+        <p:txBody>
+          <a:bodyPr vert="horz" lIns="92075" tIns="46038" rIns="92075" bIns="46038" rtlCol="0" anchor="ctr">
+            <a:noAutofit/>
+          </a:bodyPr>
+          <a:lstStyle>
+            <a:lvl1pPr algn="ctr" defTabSz="914400" rtl="0" eaLnBrk="1" latinLnBrk="0" hangingPunct="1">
+              <a:spcBef>
+                <a:spcPct val="0"/>
+              </a:spcBef>
+              <a:buNone/>
+              <a:defRPr sz="4400" kern="1200">
+                <a:solidFill>
+                  <a:schemeClr val="tx1"/>
+                </a:solidFill>
+                <a:latin typeface="+mj-lt"/>
+                <a:ea typeface="+mj-ea"/>
+                <a:cs typeface="+mj-cs"/>
+              </a:defRPr>
+            </a:lvl1pPr>
+          </a:lstStyle>
+          <a:p>
+            <a:pPr>
+              <a:defRPr/>
+            </a:pPr>
+            <a:r>
+              <a:rPr lang="es-ES_tradnl" sz="3200" dirty="0">
+                <a:solidFill>
+                  <a:srgbClr val="3333CC"/>
+                </a:solidFill>
+                <a:effectLst>
+                  <a:outerShdw blurRad="38100" dist="38100" dir="2700000" algn="tl">
+                    <a:srgbClr val="C0C0C0"/>
+                  </a:outerShdw>
+                </a:effectLst>
+                <a:latin typeface="Dom Casual" charset="0"/>
+              </a:rPr>
+              <a:t> </a:t>
+            </a:r>
+            <a:r>
+              <a:rPr lang="es-ES_tradnl" sz="3200" b="1" dirty="0">
+                <a:solidFill>
+                  <a:schemeClr val="accent4">
+                    <a:lumMod val="50000"/>
+                  </a:schemeClr>
+                </a:solidFill>
+                <a:effectLst>
+                  <a:outerShdw blurRad="38100" dist="38100" dir="2700000" algn="tl">
+                    <a:srgbClr val="C0C0C0"/>
+                  </a:outerShdw>
+                </a:effectLst>
+                <a:latin typeface="Dom Casual" charset="0"/>
+              </a:rPr>
+              <a:t>Medios inalámbricos</a:t>
+            </a:r>
+          </a:p>
+        </p:txBody>
+      </p:sp>
+      <p:sp>
+        <p:nvSpPr>
+          <p:cNvPr id="22" name="5 CuadroTexto">
+            <a:extLst>
+              <a:ext uri="{FF2B5EF4-FFF2-40B4-BE49-F238E27FC236}">
+                <a16:creationId xmlns:a16="http://schemas.microsoft.com/office/drawing/2014/main" id="{4B6E1899-8278-2CC4-5774-502617FB09C0}"/>
+              </a:ext>
+            </a:extLst>
+          </p:cNvPr>
+          <p:cNvSpPr txBox="1">
+            <a:spLocks noChangeArrowheads="1"/>
+          </p:cNvSpPr>
+          <p:nvPr/>
+        </p:nvSpPr>
+        <p:spPr bwMode="auto">
+          <a:xfrm>
+            <a:off x="576872" y="1259091"/>
+            <a:ext cx="7926217" cy="792781"/>
+          </a:xfrm>
+          <a:prstGeom prst="rect">
+            <a:avLst/>
+          </a:prstGeom>
+          <a:noFill/>
+          <a:ln>
+            <a:noFill/>
+          </a:ln>
+          <a:extLst>
+            <a:ext uri="{909E8E84-426E-40DD-AFC4-6F175D3DCCD1}">
+              <a14:hiddenFill xmlns:a14="http://schemas.microsoft.com/office/drawing/2010/main">
+                <a:solidFill>
+                  <a:srgbClr val="FFFFFF"/>
+                </a:solidFill>
+              </a14:hiddenFill>
+            </a:ext>
+            <a:ext uri="{91240B29-F687-4F45-9708-019B960494DF}">
+              <a14:hiddenLine xmlns:a14="http://schemas.microsoft.com/office/drawing/2010/main" w="9525">
+                <a:solidFill>
+                  <a:srgbClr val="000000"/>
+                </a:solidFill>
+                <a:miter lim="800000"/>
+                <a:headEnd/>
+                <a:tailEnd/>
+              </a14:hiddenLine>
+            </a:ext>
+          </a:extLst>
+        </p:spPr>
+        <p:txBody>
+          <a:bodyPr wrap="square">
+            <a:spAutoFit/>
+          </a:bodyPr>
+          <a:lstStyle>
+            <a:lvl1pPr eaLnBrk="0" hangingPunct="0">
+              <a:defRPr sz="2400">
+                <a:solidFill>
+                  <a:schemeClr val="tx1"/>
+                </a:solidFill>
+                <a:latin typeface="Times New Roman" pitchFamily="18" charset="0"/>
+              </a:defRPr>
+            </a:lvl1pPr>
+            <a:lvl2pPr marL="742950" indent="-285750" eaLnBrk="0" hangingPunct="0">
+              <a:defRPr sz="2400">
+                <a:solidFill>
+                  <a:schemeClr val="tx1"/>
+                </a:solidFill>
+                <a:latin typeface="Times New Roman" pitchFamily="18" charset="0"/>
+              </a:defRPr>
+            </a:lvl2pPr>
+            <a:lvl3pPr marL="1143000" indent="-228600" eaLnBrk="0" hangingPunct="0">
+              <a:defRPr sz="2400">
+                <a:solidFill>
+                  <a:schemeClr val="tx1"/>
+                </a:solidFill>
+                <a:latin typeface="Times New Roman" pitchFamily="18" charset="0"/>
+              </a:defRPr>
+            </a:lvl3pPr>
+            <a:lvl4pPr marL="1600200" indent="-228600" eaLnBrk="0" hangingPunct="0">
+              <a:defRPr sz="2400">
+                <a:solidFill>
+                  <a:schemeClr val="tx1"/>
+                </a:solidFill>
+                <a:latin typeface="Times New Roman" pitchFamily="18" charset="0"/>
+              </a:defRPr>
+            </a:lvl4pPr>
+            <a:lvl5pPr marL="2057400" indent="-228600" eaLnBrk="0" hangingPunct="0">
+              <a:defRPr sz="2400">
+                <a:solidFill>
+                  <a:schemeClr val="tx1"/>
+                </a:solidFill>
+                <a:latin typeface="Times New Roman" pitchFamily="18" charset="0"/>
+              </a:defRPr>
+            </a:lvl5pPr>
+            <a:lvl6pPr marL="2514600" indent="-228600" eaLnBrk="0" fontAlgn="base" hangingPunct="0">
+              <a:spcBef>
+                <a:spcPct val="0"/>
+              </a:spcBef>
+              <a:spcAft>
+                <a:spcPct val="0"/>
+              </a:spcAft>
+              <a:defRPr sz="2400">
+                <a:solidFill>
+                  <a:schemeClr val="tx1"/>
+                </a:solidFill>
+                <a:latin typeface="Times New Roman" pitchFamily="18" charset="0"/>
+              </a:defRPr>
+            </a:lvl6pPr>
+            <a:lvl7pPr marL="2971800" indent="-228600" eaLnBrk="0" fontAlgn="base" hangingPunct="0">
+              <a:spcBef>
+                <a:spcPct val="0"/>
+              </a:spcBef>
+              <a:spcAft>
+                <a:spcPct val="0"/>
+              </a:spcAft>
+              <a:defRPr sz="2400">
+                <a:solidFill>
+                  <a:schemeClr val="tx1"/>
+                </a:solidFill>
+                <a:latin typeface="Times New Roman" pitchFamily="18" charset="0"/>
+              </a:defRPr>
+            </a:lvl7pPr>
+            <a:lvl8pPr marL="3429000" indent="-228600" eaLnBrk="0" fontAlgn="base" hangingPunct="0">
+              <a:spcBef>
+                <a:spcPct val="0"/>
+              </a:spcBef>
+              <a:spcAft>
+                <a:spcPct val="0"/>
+              </a:spcAft>
+              <a:defRPr sz="2400">
+                <a:solidFill>
+                  <a:schemeClr val="tx1"/>
+                </a:solidFill>
+                <a:latin typeface="Times New Roman" pitchFamily="18" charset="0"/>
+              </a:defRPr>
+            </a:lvl8pPr>
+            <a:lvl9pPr marL="3886200" indent="-228600" eaLnBrk="0" fontAlgn="base" hangingPunct="0">
+              <a:spcBef>
+                <a:spcPct val="0"/>
+              </a:spcBef>
+              <a:spcAft>
+                <a:spcPct val="0"/>
+              </a:spcAft>
+              <a:defRPr sz="2400">
+                <a:solidFill>
+                  <a:schemeClr val="tx1"/>
+                </a:solidFill>
+                <a:latin typeface="Times New Roman" pitchFamily="18" charset="0"/>
+              </a:defRPr>
+            </a:lvl9pPr>
+          </a:lstStyle>
+          <a:p>
+            <a:pPr algn="just">
+              <a:lnSpc>
+                <a:spcPct val="150000"/>
+              </a:lnSpc>
+            </a:pPr>
+            <a:r>
+              <a:rPr lang="es-MX" altLang="es-MX" sz="1600" dirty="0">
+                <a:solidFill>
+                  <a:schemeClr val="bg2">
+                    <a:lumMod val="25000"/>
+                  </a:schemeClr>
+                </a:solidFill>
+                <a:latin typeface="ZapfHumnst BT"/>
+              </a:rPr>
+              <a:t>La </a:t>
+            </a:r>
+            <a:r>
+              <a:rPr lang="es-MX" altLang="es-MX" sz="1600" b="1" dirty="0">
+                <a:solidFill>
+                  <a:schemeClr val="bg2">
+                    <a:lumMod val="25000"/>
+                  </a:schemeClr>
+                </a:solidFill>
+                <a:latin typeface="ZapfHumnst BT"/>
+              </a:rPr>
+              <a:t>modulación</a:t>
+            </a:r>
+            <a:r>
+              <a:rPr lang="es-MX" altLang="es-MX" sz="1600" dirty="0">
+                <a:solidFill>
+                  <a:schemeClr val="bg2">
+                    <a:lumMod val="25000"/>
+                  </a:schemeClr>
+                </a:solidFill>
+                <a:latin typeface="ZapfHumnst BT"/>
+              </a:rPr>
+              <a:t> implica la modificación de uno o varios de los tres parámetros fundamentales que caracterizan a la señal portadora: la </a:t>
+            </a:r>
+            <a:r>
+              <a:rPr lang="es-MX" altLang="es-MX" sz="1600" b="1" dirty="0">
+                <a:solidFill>
+                  <a:schemeClr val="bg2">
+                    <a:lumMod val="25000"/>
+                  </a:schemeClr>
+                </a:solidFill>
+                <a:latin typeface="ZapfHumnst BT"/>
+              </a:rPr>
+              <a:t>amplitud</a:t>
+            </a:r>
+            <a:r>
+              <a:rPr lang="es-MX" altLang="es-MX" sz="1600" dirty="0">
+                <a:solidFill>
+                  <a:schemeClr val="bg2">
+                    <a:lumMod val="25000"/>
+                  </a:schemeClr>
+                </a:solidFill>
+                <a:latin typeface="ZapfHumnst BT"/>
+              </a:rPr>
+              <a:t>, la </a:t>
+            </a:r>
+            <a:r>
+              <a:rPr lang="es-MX" altLang="es-MX" sz="1600" b="1" dirty="0">
+                <a:solidFill>
+                  <a:schemeClr val="bg2">
+                    <a:lumMod val="25000"/>
+                  </a:schemeClr>
+                </a:solidFill>
+                <a:latin typeface="ZapfHumnst BT"/>
+              </a:rPr>
+              <a:t>frecuencia</a:t>
+            </a:r>
+            <a:r>
+              <a:rPr lang="es-MX" altLang="es-MX" sz="1600" dirty="0">
+                <a:solidFill>
+                  <a:schemeClr val="bg2">
+                    <a:lumMod val="25000"/>
+                  </a:schemeClr>
+                </a:solidFill>
+                <a:latin typeface="ZapfHumnst BT"/>
+              </a:rPr>
+              <a:t> o la </a:t>
+            </a:r>
+            <a:r>
+              <a:rPr lang="es-MX" altLang="es-MX" sz="1600" b="1" dirty="0">
+                <a:solidFill>
+                  <a:schemeClr val="bg2">
+                    <a:lumMod val="25000"/>
+                  </a:schemeClr>
+                </a:solidFill>
+                <a:latin typeface="ZapfHumnst BT"/>
+              </a:rPr>
+              <a:t>fase</a:t>
+            </a:r>
+            <a:r>
+              <a:rPr lang="es-MX" altLang="es-MX" sz="1600" dirty="0">
+                <a:solidFill>
+                  <a:schemeClr val="bg2">
+                    <a:lumMod val="25000"/>
+                  </a:schemeClr>
+                </a:solidFill>
+                <a:latin typeface="ZapfHumnst BT"/>
+              </a:rPr>
+              <a:t>. </a:t>
+            </a:r>
+            <a:endParaRPr lang="es-MX" altLang="es-MX" sz="1600" b="1" dirty="0">
+              <a:solidFill>
+                <a:schemeClr val="bg2">
+                  <a:lumMod val="25000"/>
+                </a:schemeClr>
+              </a:solidFill>
+              <a:latin typeface="ZapfHumnst BT"/>
+            </a:endParaRPr>
+          </a:p>
+        </p:txBody>
+      </p:sp>
+      <p:pic>
+        <p:nvPicPr>
+          <p:cNvPr id="24" name="Imagen 23">
+            <a:extLst>
+              <a:ext uri="{FF2B5EF4-FFF2-40B4-BE49-F238E27FC236}">
+                <a16:creationId xmlns:a16="http://schemas.microsoft.com/office/drawing/2014/main" id="{5BF52E59-DF93-DD71-71F0-C07330B3A6D2}"/>
+              </a:ext>
+            </a:extLst>
+          </p:cNvPr>
+          <p:cNvPicPr>
+            <a:picLocks noChangeAspect="1"/>
+          </p:cNvPicPr>
+          <p:nvPr/>
+        </p:nvPicPr>
+        <p:blipFill>
+          <a:blip r:embed="rId2"/>
+          <a:stretch>
+            <a:fillRect/>
+          </a:stretch>
+        </p:blipFill>
+        <p:spPr>
+          <a:xfrm>
+            <a:off x="4178282" y="3952838"/>
+            <a:ext cx="4495800" cy="2571750"/>
+          </a:xfrm>
+          <a:prstGeom prst="rect">
+            <a:avLst/>
+          </a:prstGeom>
+        </p:spPr>
+      </p:pic>
+    </p:spTree>
+    <p:extLst>
+      <p:ext uri="{BB962C8B-B14F-4D97-AF65-F5344CB8AC3E}">
+        <p14:creationId xmlns:p14="http://schemas.microsoft.com/office/powerpoint/2010/main" val="1082389925"/>
+      </p:ext>
+    </p:extLst>
+  </p:cSld>
+  <p:clrMapOvr>
+    <a:masterClrMapping/>
+  </p:clrMapOvr>
+  <p:timing>
+    <p:tnLst>
+      <p:par>
+        <p:cTn id="1" dur="indefinite" restart="never" nodeType="tmRoot">
+          <p:childTnLst>
+            <p:seq concurrent="1" nextAc="seek">
+              <p:cTn id="2" dur="indefinite" nodeType="mainSeq">
+                <p:childTnLst>
+                  <p:par>
+                    <p:cTn id="3" fill="hold" nodeType="clickPar">
+                      <p:stCondLst>
+                        <p:cond delay="indefinite"/>
+                      </p:stCondLst>
+                      <p:childTnLst>
+                        <p:par>
+                          <p:cTn id="4" fill="hold" nodeType="withGroup">
+                            <p:stCondLst>
+                              <p:cond delay="0"/>
+                            </p:stCondLst>
+                            <p:childTnLst>
+                              <p:par>
+                                <p:cTn id="5" presetID="5" presetClass="entr" presetSubtype="10" fill="hold" grpId="0" nodeType="clickEffect">
+                                  <p:stCondLst>
+                                    <p:cond delay="0"/>
+                                  </p:stCondLst>
+                                  <p:childTnLst>
+                                    <p:set>
+                                      <p:cBhvr>
+                                        <p:cTn id="6" dur="1" fill="hold">
+                                          <p:stCondLst>
+                                            <p:cond delay="0"/>
+                                          </p:stCondLst>
+                                        </p:cTn>
+                                        <p:tgtEl>
+                                          <p:spTgt spid="10245"/>
+                                        </p:tgtEl>
+                                        <p:attrNameLst>
+                                          <p:attrName>style.visibility</p:attrName>
+                                        </p:attrNameLst>
+                                      </p:cBhvr>
+                                      <p:to>
+                                        <p:strVal val="visible"/>
+                                      </p:to>
+                                    </p:set>
+                                    <p:animEffect transition="in" filter="checkerboard(across)">
+                                      <p:cBhvr>
+                                        <p:cTn id="7" dur="500"/>
+                                        <p:tgtEl>
+                                          <p:spTgt spid="10245"/>
+                                        </p:tgtEl>
+                                      </p:cBhvr>
+                                    </p:animEffect>
+                                  </p:childTnLst>
+                                </p:cTn>
+                              </p:par>
+                            </p:childTnLst>
+                          </p:cTn>
+                        </p:par>
+                      </p:childTnLst>
+                    </p:cTn>
+                  </p:par>
+                  <p:par>
+                    <p:cTn id="8" fill="hold" nodeType="clickPar">
+                      <p:stCondLst>
+                        <p:cond delay="indefinite"/>
+                      </p:stCondLst>
+                      <p:childTnLst>
+                        <p:par>
+                          <p:cTn id="9" fill="hold" nodeType="withGroup">
+                            <p:stCondLst>
+                              <p:cond delay="0"/>
+                            </p:stCondLst>
+                            <p:childTnLst>
+                              <p:par>
+                                <p:cTn id="10" presetID="4" presetClass="entr" presetSubtype="16" fill="hold" grpId="0" nodeType="clickEffect">
+                                  <p:stCondLst>
+                                    <p:cond delay="0"/>
+                                  </p:stCondLst>
+                                  <p:childTnLst>
+                                    <p:set>
+                                      <p:cBhvr>
+                                        <p:cTn id="11" dur="1" fill="hold">
+                                          <p:stCondLst>
+                                            <p:cond delay="0"/>
+                                          </p:stCondLst>
+                                        </p:cTn>
+                                        <p:tgtEl>
+                                          <p:spTgt spid="10246"/>
+                                        </p:tgtEl>
+                                        <p:attrNameLst>
+                                          <p:attrName>style.visibility</p:attrName>
+                                        </p:attrNameLst>
+                                      </p:cBhvr>
+                                      <p:to>
+                                        <p:strVal val="visible"/>
+                                      </p:to>
+                                    </p:set>
+                                    <p:animEffect transition="in" filter="box(in)">
+                                      <p:cBhvr>
+                                        <p:cTn id="12" dur="500"/>
+                                        <p:tgtEl>
+                                          <p:spTgt spid="10246"/>
+                                        </p:tgtEl>
+                                      </p:cBhvr>
+                                    </p:animEffect>
+                                  </p:childTnLst>
+                                </p:cTn>
+                              </p:par>
+                            </p:childTnLst>
+                          </p:cTn>
+                        </p:par>
+                      </p:childTnLst>
+                    </p:cTn>
+                  </p:par>
+                  <p:par>
+                    <p:cTn id="13" fill="hold" nodeType="clickPar">
+                      <p:stCondLst>
+                        <p:cond delay="indefinite"/>
+                      </p:stCondLst>
+                      <p:childTnLst>
+                        <p:par>
+                          <p:cTn id="14" fill="hold" nodeType="withGroup">
+                            <p:stCondLst>
+                              <p:cond delay="0"/>
+                            </p:stCondLst>
+                            <p:childTnLst>
+                              <p:par>
+                                <p:cTn id="15" presetID="4" presetClass="entr" presetSubtype="16" fill="hold" grpId="0" nodeType="clickEffect">
+                                  <p:stCondLst>
+                                    <p:cond delay="0"/>
+                                  </p:stCondLst>
+                                  <p:childTnLst>
+                                    <p:set>
+                                      <p:cBhvr>
+                                        <p:cTn id="16" dur="1" fill="hold">
+                                          <p:stCondLst>
+                                            <p:cond delay="0"/>
+                                          </p:stCondLst>
+                                        </p:cTn>
+                                        <p:tgtEl>
+                                          <p:spTgt spid="10247"/>
+                                        </p:tgtEl>
+                                        <p:attrNameLst>
+                                          <p:attrName>style.visibility</p:attrName>
+                                        </p:attrNameLst>
+                                      </p:cBhvr>
+                                      <p:to>
+                                        <p:strVal val="visible"/>
+                                      </p:to>
+                                    </p:set>
+                                    <p:animEffect transition="in" filter="box(in)">
+                                      <p:cBhvr>
+                                        <p:cTn id="17" dur="500"/>
+                                        <p:tgtEl>
+                                          <p:spTgt spid="10247"/>
+                                        </p:tgtEl>
+                                      </p:cBhvr>
+                                    </p:animEffect>
+                                  </p:childTnLst>
+                                </p:cTn>
+                              </p:par>
+                            </p:childTnLst>
+                          </p:cTn>
+                        </p:par>
+                      </p:childTnLst>
+                    </p:cTn>
+                  </p:par>
+                  <p:par>
+                    <p:cTn id="18" fill="hold" nodeType="clickPar">
+                      <p:stCondLst>
+                        <p:cond delay="indefinite"/>
+                      </p:stCondLst>
+                      <p:childTnLst>
+                        <p:par>
+                          <p:cTn id="19" fill="hold" nodeType="withGroup">
+                            <p:stCondLst>
+                              <p:cond delay="0"/>
+                            </p:stCondLst>
+                            <p:childTnLst>
+                              <p:par>
+                                <p:cTn id="20" presetID="4" presetClass="entr" presetSubtype="16" fill="hold" grpId="0" nodeType="clickEffect">
+                                  <p:stCondLst>
+                                    <p:cond delay="0"/>
+                                  </p:stCondLst>
+                                  <p:childTnLst>
+                                    <p:set>
+                                      <p:cBhvr>
+                                        <p:cTn id="21" dur="1" fill="hold">
+                                          <p:stCondLst>
+                                            <p:cond delay="0"/>
+                                          </p:stCondLst>
+                                        </p:cTn>
+                                        <p:tgtEl>
+                                          <p:spTgt spid="10248"/>
+                                        </p:tgtEl>
+                                        <p:attrNameLst>
+                                          <p:attrName>style.visibility</p:attrName>
+                                        </p:attrNameLst>
+                                      </p:cBhvr>
+                                      <p:to>
+                                        <p:strVal val="visible"/>
+                                      </p:to>
+                                    </p:set>
+                                    <p:animEffect transition="in" filter="box(in)">
+                                      <p:cBhvr>
+                                        <p:cTn id="22" dur="500"/>
+                                        <p:tgtEl>
+                                          <p:spTgt spid="10248"/>
+                                        </p:tgtEl>
+                                      </p:cBhvr>
+                                    </p:animEffect>
+                                  </p:childTnLst>
+                                </p:cTn>
+                              </p:par>
+                            </p:childTnLst>
+                          </p:cTn>
+                        </p:par>
+                      </p:childTnLst>
+                    </p:cTn>
+                  </p:par>
+                  <p:par>
+                    <p:cTn id="23" fill="hold">
+                      <p:stCondLst>
+                        <p:cond delay="indefinite"/>
+                      </p:stCondLst>
+                      <p:childTnLst>
+                        <p:par>
+                          <p:cTn id="24" fill="hold">
+                            <p:stCondLst>
+                              <p:cond delay="0"/>
+                            </p:stCondLst>
+                            <p:childTnLst>
+                              <p:par>
+                                <p:cTn id="25" presetID="1" presetClass="entr" presetSubtype="0" fill="hold" grpId="0" nodeType="clickEffect">
+                                  <p:stCondLst>
+                                    <p:cond delay="0"/>
+                                  </p:stCondLst>
+                                  <p:childTnLst>
+                                    <p:set>
+                                      <p:cBhvr>
+                                        <p:cTn id="26" dur="1" fill="hold">
+                                          <p:stCondLst>
+                                            <p:cond delay="0"/>
+                                          </p:stCondLst>
+                                        </p:cTn>
+                                        <p:tgtEl>
+                                          <p:spTgt spid="2"/>
+                                        </p:tgtEl>
+                                        <p:attrNameLst>
+                                          <p:attrName>style.visibility</p:attrName>
+                                        </p:attrNameLst>
+                                      </p:cBhvr>
+                                      <p:to>
+                                        <p:strVal val="visible"/>
+                                      </p:to>
+                                    </p:set>
+                                  </p:childTnLst>
+                                </p:cTn>
+                              </p:par>
+                            </p:childTnLst>
+                          </p:cTn>
+                        </p:par>
+                      </p:childTnLst>
+                    </p:cTn>
+                  </p:par>
+                  <p:par>
+                    <p:cTn id="27" fill="hold">
+                      <p:stCondLst>
+                        <p:cond delay="indefinite"/>
+                      </p:stCondLst>
+                      <p:childTnLst>
+                        <p:par>
+                          <p:cTn id="28" fill="hold">
+                            <p:stCondLst>
+                              <p:cond delay="0"/>
+                            </p:stCondLst>
+                            <p:childTnLst>
+                              <p:par>
+                                <p:cTn id="29" presetID="4" presetClass="entr" presetSubtype="16" fill="hold" grpId="0" nodeType="clickEffect">
+                                  <p:stCondLst>
+                                    <p:cond delay="0"/>
+                                  </p:stCondLst>
+                                  <p:childTnLst>
+                                    <p:set>
+                                      <p:cBhvr>
+                                        <p:cTn id="30" dur="1" fill="hold">
+                                          <p:stCondLst>
+                                            <p:cond delay="0"/>
+                                          </p:stCondLst>
+                                        </p:cTn>
+                                        <p:tgtEl>
+                                          <p:spTgt spid="22"/>
+                                        </p:tgtEl>
+                                        <p:attrNameLst>
+                                          <p:attrName>style.visibility</p:attrName>
+                                        </p:attrNameLst>
+                                      </p:cBhvr>
+                                      <p:to>
+                                        <p:strVal val="visible"/>
+                                      </p:to>
+                                    </p:set>
+                                    <p:animEffect transition="in" filter="box(in)">
+                                      <p:cBhvr>
+                                        <p:cTn id="31" dur="500"/>
+                                        <p:tgtEl>
+                                          <p:spTgt spid="22"/>
+                                        </p:tgtEl>
+                                      </p:cBhvr>
+                                    </p:animEffect>
+                                  </p:childTnLst>
+                                </p:cTn>
+                              </p:par>
+                            </p:childTnLst>
+                          </p:cTn>
+                        </p:par>
+                      </p:childTnLst>
+                    </p:cTn>
+                  </p:par>
+                </p:childTnLst>
+              </p:cTn>
+              <p:prevCondLst>
+                <p:cond evt="onPrev" delay="0">
+                  <p:tgtEl>
+                    <p:sldTgt/>
+                  </p:tgtEl>
+                </p:cond>
+              </p:prevCondLst>
+              <p:nextCondLst>
+                <p:cond evt="onNext" delay="0">
+                  <p:tgtEl>
+                    <p:sldTgt/>
+                  </p:tgtEl>
+                </p:cond>
+              </p:nextCondLst>
+            </p:seq>
+          </p:childTnLst>
+        </p:cTn>
+      </p:par>
+    </p:tnLst>
+    <p:bldLst>
+      <p:bldP spid="10245" grpId="0"/>
+      <p:bldP spid="10246" grpId="0"/>
+      <p:bldP spid="10247" grpId="0"/>
+      <p:bldP spid="10248" grpId="0"/>
+      <p:bldP spid="2" grpId="0"/>
+      <p:bldP spid="22" grpId="0"/>
+    </p:bldLst>
+  </p:timing>
+</p:sld>
+</file>
+
+<file path=ppt/slides/slide21.xml><?xml version="1.0" encoding="utf-8"?>
+<p:sld xmlns:a="http://schemas.openxmlformats.org/drawingml/2006/main" xmlns:r="http://schemas.openxmlformats.org/officeDocument/2006/relationships" xmlns:p="http://schemas.openxmlformats.org/presentationml/2006/main">
+  <p:cSld>
+    <p:spTree>
+      <p:nvGrpSpPr>
+        <p:cNvPr id="1" name=""/>
+        <p:cNvGrpSpPr/>
+        <p:nvPr/>
+      </p:nvGrpSpPr>
+      <p:grpSpPr>
+        <a:xfrm>
+          <a:off x="0" y="0"/>
+          <a:ext cx="0" cy="0"/>
+          <a:chOff x="0" y="0"/>
+          <a:chExt cx="0" cy="0"/>
+        </a:xfrm>
+      </p:grpSpPr>
+      <p:sp>
+        <p:nvSpPr>
+          <p:cNvPr id="10243" name="Rectangle 8"/>
+          <p:cNvSpPr>
+            <a:spLocks noChangeArrowheads="1"/>
+          </p:cNvSpPr>
+          <p:nvPr/>
+        </p:nvSpPr>
+        <p:spPr bwMode="auto">
+          <a:xfrm>
+            <a:off x="0" y="0"/>
+            <a:ext cx="9144000" cy="0"/>
+          </a:xfrm>
+          <a:prstGeom prst="rect">
+            <a:avLst/>
+          </a:prstGeom>
+          <a:noFill/>
+          <a:ln>
+            <a:noFill/>
+          </a:ln>
+          <a:extLst>
+            <a:ext uri="{909E8E84-426E-40DD-AFC4-6F175D3DCCD1}">
+              <a14:hiddenFill xmlns:a14="http://schemas.microsoft.com/office/drawing/2010/main">
+                <a:solidFill>
+                  <a:srgbClr val="FFFFFF"/>
+                </a:solidFill>
+              </a14:hiddenFill>
+            </a:ext>
+            <a:ext uri="{91240B29-F687-4F45-9708-019B960494DF}">
+              <a14:hiddenLine xmlns:a14="http://schemas.microsoft.com/office/drawing/2010/main" w="9525">
+                <a:solidFill>
+                  <a:srgbClr val="000000"/>
+                </a:solidFill>
+                <a:miter lim="800000"/>
+                <a:headEnd/>
+                <a:tailEnd/>
+              </a14:hiddenLine>
+            </a:ext>
+          </a:extLst>
+        </p:spPr>
+        <p:txBody>
+          <a:bodyPr wrap="none" anchor="ctr">
+            <a:spAutoFit/>
+          </a:bodyPr>
+          <a:lstStyle>
+            <a:lvl1pPr eaLnBrk="0" hangingPunct="0">
+              <a:defRPr sz="2400">
+                <a:solidFill>
+                  <a:schemeClr val="tx1"/>
+                </a:solidFill>
+                <a:latin typeface="Times New Roman" pitchFamily="18" charset="0"/>
+              </a:defRPr>
+            </a:lvl1pPr>
+            <a:lvl2pPr marL="742950" indent="-285750" eaLnBrk="0" hangingPunct="0">
+              <a:defRPr sz="2400">
+                <a:solidFill>
+                  <a:schemeClr val="tx1"/>
+                </a:solidFill>
+                <a:latin typeface="Times New Roman" pitchFamily="18" charset="0"/>
+              </a:defRPr>
+            </a:lvl2pPr>
+            <a:lvl3pPr marL="1143000" indent="-228600" eaLnBrk="0" hangingPunct="0">
+              <a:defRPr sz="2400">
+                <a:solidFill>
+                  <a:schemeClr val="tx1"/>
+                </a:solidFill>
+                <a:latin typeface="Times New Roman" pitchFamily="18" charset="0"/>
+              </a:defRPr>
+            </a:lvl3pPr>
+            <a:lvl4pPr marL="1600200" indent="-228600" eaLnBrk="0" hangingPunct="0">
+              <a:defRPr sz="2400">
+                <a:solidFill>
+                  <a:schemeClr val="tx1"/>
+                </a:solidFill>
+                <a:latin typeface="Times New Roman" pitchFamily="18" charset="0"/>
+              </a:defRPr>
+            </a:lvl4pPr>
+            <a:lvl5pPr marL="2057400" indent="-228600" eaLnBrk="0" hangingPunct="0">
+              <a:defRPr sz="2400">
+                <a:solidFill>
+                  <a:schemeClr val="tx1"/>
+                </a:solidFill>
+                <a:latin typeface="Times New Roman" pitchFamily="18" charset="0"/>
+              </a:defRPr>
+            </a:lvl5pPr>
+            <a:lvl6pPr marL="2514600" indent="-228600" eaLnBrk="0" fontAlgn="base" hangingPunct="0">
+              <a:spcBef>
+                <a:spcPct val="0"/>
+              </a:spcBef>
+              <a:spcAft>
+                <a:spcPct val="0"/>
+              </a:spcAft>
+              <a:defRPr sz="2400">
+                <a:solidFill>
+                  <a:schemeClr val="tx1"/>
+                </a:solidFill>
+                <a:latin typeface="Times New Roman" pitchFamily="18" charset="0"/>
+              </a:defRPr>
+            </a:lvl6pPr>
+            <a:lvl7pPr marL="2971800" indent="-228600" eaLnBrk="0" fontAlgn="base" hangingPunct="0">
+              <a:spcBef>
+                <a:spcPct val="0"/>
+              </a:spcBef>
+              <a:spcAft>
+                <a:spcPct val="0"/>
+              </a:spcAft>
+              <a:defRPr sz="2400">
+                <a:solidFill>
+                  <a:schemeClr val="tx1"/>
+                </a:solidFill>
+                <a:latin typeface="Times New Roman" pitchFamily="18" charset="0"/>
+              </a:defRPr>
+            </a:lvl7pPr>
+            <a:lvl8pPr marL="3429000" indent="-228600" eaLnBrk="0" fontAlgn="base" hangingPunct="0">
+              <a:spcBef>
+                <a:spcPct val="0"/>
+              </a:spcBef>
+              <a:spcAft>
+                <a:spcPct val="0"/>
+              </a:spcAft>
+              <a:defRPr sz="2400">
+                <a:solidFill>
+                  <a:schemeClr val="tx1"/>
+                </a:solidFill>
+                <a:latin typeface="Times New Roman" pitchFamily="18" charset="0"/>
+              </a:defRPr>
+            </a:lvl8pPr>
+            <a:lvl9pPr marL="3886200" indent="-228600" eaLnBrk="0" fontAlgn="base" hangingPunct="0">
+              <a:spcBef>
+                <a:spcPct val="0"/>
+              </a:spcBef>
+              <a:spcAft>
+                <a:spcPct val="0"/>
+              </a:spcAft>
+              <a:defRPr sz="2400">
+                <a:solidFill>
+                  <a:schemeClr val="tx1"/>
+                </a:solidFill>
+                <a:latin typeface="Times New Roman" pitchFamily="18" charset="0"/>
+              </a:defRPr>
+            </a:lvl9pPr>
+          </a:lstStyle>
+          <a:p>
+            <a:endParaRPr lang="es-MX" altLang="es-MX"/>
+          </a:p>
+        </p:txBody>
+      </p:sp>
+      <p:sp>
+        <p:nvSpPr>
+          <p:cNvPr id="10244" name="7 CuadroTexto"/>
+          <p:cNvSpPr txBox="1">
+            <a:spLocks noChangeArrowheads="1"/>
+          </p:cNvSpPr>
+          <p:nvPr/>
+        </p:nvSpPr>
+        <p:spPr bwMode="auto">
+          <a:xfrm>
+            <a:off x="467544" y="1134910"/>
+            <a:ext cx="7429500" cy="508000"/>
+          </a:xfrm>
+          <a:prstGeom prst="rect">
+            <a:avLst/>
+          </a:prstGeom>
+          <a:noFill/>
+          <a:ln>
+            <a:noFill/>
+          </a:ln>
+          <a:extLst>
+            <a:ext uri="{909E8E84-426E-40DD-AFC4-6F175D3DCCD1}">
+              <a14:hiddenFill xmlns:a14="http://schemas.microsoft.com/office/drawing/2010/main">
+                <a:solidFill>
+                  <a:srgbClr val="FFFFFF"/>
+                </a:solidFill>
+              </a14:hiddenFill>
+            </a:ext>
+            <a:ext uri="{91240B29-F687-4F45-9708-019B960494DF}">
+              <a14:hiddenLine xmlns:a14="http://schemas.microsoft.com/office/drawing/2010/main" w="9525">
+                <a:solidFill>
+                  <a:srgbClr val="000000"/>
+                </a:solidFill>
+                <a:miter lim="800000"/>
+                <a:headEnd/>
+                <a:tailEnd/>
+              </a14:hiddenLine>
+            </a:ext>
+          </a:extLst>
+        </p:spPr>
+        <p:txBody>
+          <a:bodyPr>
+            <a:spAutoFit/>
+          </a:bodyPr>
+          <a:lstStyle>
+            <a:lvl1pPr eaLnBrk="0" hangingPunct="0">
+              <a:defRPr sz="2400">
+                <a:solidFill>
+                  <a:schemeClr val="tx1"/>
+                </a:solidFill>
+                <a:latin typeface="Times New Roman" pitchFamily="18" charset="0"/>
+              </a:defRPr>
+            </a:lvl1pPr>
+            <a:lvl2pPr marL="742950" indent="-285750" eaLnBrk="0" hangingPunct="0">
+              <a:defRPr sz="2400">
+                <a:solidFill>
+                  <a:schemeClr val="tx1"/>
+                </a:solidFill>
+                <a:latin typeface="Times New Roman" pitchFamily="18" charset="0"/>
+              </a:defRPr>
+            </a:lvl2pPr>
+            <a:lvl3pPr marL="1143000" indent="-228600" eaLnBrk="0" hangingPunct="0">
+              <a:defRPr sz="2400">
+                <a:solidFill>
+                  <a:schemeClr val="tx1"/>
+                </a:solidFill>
+                <a:latin typeface="Times New Roman" pitchFamily="18" charset="0"/>
+              </a:defRPr>
+            </a:lvl3pPr>
+            <a:lvl4pPr marL="1600200" indent="-228600" eaLnBrk="0" hangingPunct="0">
+              <a:defRPr sz="2400">
+                <a:solidFill>
+                  <a:schemeClr val="tx1"/>
+                </a:solidFill>
+                <a:latin typeface="Times New Roman" pitchFamily="18" charset="0"/>
+              </a:defRPr>
+            </a:lvl4pPr>
+            <a:lvl5pPr marL="2057400" indent="-228600" eaLnBrk="0" hangingPunct="0">
+              <a:defRPr sz="2400">
+                <a:solidFill>
+                  <a:schemeClr val="tx1"/>
+                </a:solidFill>
+                <a:latin typeface="Times New Roman" pitchFamily="18" charset="0"/>
+              </a:defRPr>
+            </a:lvl5pPr>
+            <a:lvl6pPr marL="2514600" indent="-228600" eaLnBrk="0" fontAlgn="base" hangingPunct="0">
+              <a:spcBef>
+                <a:spcPct val="0"/>
+              </a:spcBef>
+              <a:spcAft>
+                <a:spcPct val="0"/>
+              </a:spcAft>
+              <a:defRPr sz="2400">
+                <a:solidFill>
+                  <a:schemeClr val="tx1"/>
+                </a:solidFill>
+                <a:latin typeface="Times New Roman" pitchFamily="18" charset="0"/>
+              </a:defRPr>
+            </a:lvl6pPr>
+            <a:lvl7pPr marL="2971800" indent="-228600" eaLnBrk="0" fontAlgn="base" hangingPunct="0">
+              <a:spcBef>
+                <a:spcPct val="0"/>
+              </a:spcBef>
+              <a:spcAft>
+                <a:spcPct val="0"/>
+              </a:spcAft>
+              <a:defRPr sz="2400">
+                <a:solidFill>
+                  <a:schemeClr val="tx1"/>
+                </a:solidFill>
+                <a:latin typeface="Times New Roman" pitchFamily="18" charset="0"/>
+              </a:defRPr>
+            </a:lvl7pPr>
+            <a:lvl8pPr marL="3429000" indent="-228600" eaLnBrk="0" fontAlgn="base" hangingPunct="0">
+              <a:spcBef>
+                <a:spcPct val="0"/>
+              </a:spcBef>
+              <a:spcAft>
+                <a:spcPct val="0"/>
+              </a:spcAft>
+              <a:defRPr sz="2400">
+                <a:solidFill>
+                  <a:schemeClr val="tx1"/>
+                </a:solidFill>
+                <a:latin typeface="Times New Roman" pitchFamily="18" charset="0"/>
+              </a:defRPr>
+            </a:lvl8pPr>
+            <a:lvl9pPr marL="3886200" indent="-228600" eaLnBrk="0" fontAlgn="base" hangingPunct="0">
+              <a:spcBef>
+                <a:spcPct val="0"/>
+              </a:spcBef>
+              <a:spcAft>
+                <a:spcPct val="0"/>
+              </a:spcAft>
+              <a:defRPr sz="2400">
+                <a:solidFill>
+                  <a:schemeClr val="tx1"/>
+                </a:solidFill>
+                <a:latin typeface="Times New Roman" pitchFamily="18" charset="0"/>
+              </a:defRPr>
+            </a:lvl9pPr>
+          </a:lstStyle>
+          <a:p>
+            <a:pPr algn="just">
+              <a:lnSpc>
+                <a:spcPct val="150000"/>
+              </a:lnSpc>
+            </a:pPr>
+            <a:r>
+              <a:rPr lang="es-MX" altLang="es-MX" sz="2000" b="1" dirty="0">
+                <a:solidFill>
+                  <a:schemeClr val="accent5">
+                    <a:lumMod val="75000"/>
+                  </a:schemeClr>
+                </a:solidFill>
+                <a:latin typeface="ZapfHumnst BT"/>
+              </a:rPr>
+              <a:t> </a:t>
+            </a:r>
+            <a:r>
+              <a:rPr lang="es-MX" altLang="es-MX" sz="1800" b="1" dirty="0">
+                <a:solidFill>
+                  <a:schemeClr val="accent5">
+                    <a:lumMod val="75000"/>
+                  </a:schemeClr>
+                </a:solidFill>
+                <a:latin typeface="ZapfHumnst BT"/>
+              </a:rPr>
+              <a:t>ASK</a:t>
+            </a:r>
+            <a:r>
+              <a:rPr lang="es-MX" altLang="es-MX" sz="1800" dirty="0">
+                <a:solidFill>
+                  <a:schemeClr val="accent5">
+                    <a:lumMod val="75000"/>
+                  </a:schemeClr>
+                </a:solidFill>
+                <a:latin typeface="ZapfHumnst BT"/>
+              </a:rPr>
+              <a:t> (Modulación por desplazamiento de amplitud)</a:t>
+            </a:r>
+          </a:p>
+        </p:txBody>
+      </p:sp>
+      <p:sp>
+        <p:nvSpPr>
+          <p:cNvPr id="11269" name="16 Rectángulo"/>
+          <p:cNvSpPr>
+            <a:spLocks noChangeArrowheads="1"/>
+          </p:cNvSpPr>
+          <p:nvPr/>
+        </p:nvSpPr>
+        <p:spPr bwMode="auto">
+          <a:xfrm>
+            <a:off x="539552" y="1642910"/>
+            <a:ext cx="7715250" cy="1027269"/>
+          </a:xfrm>
+          <a:prstGeom prst="rect">
+            <a:avLst/>
+          </a:prstGeom>
+          <a:noFill/>
+          <a:ln>
+            <a:noFill/>
+          </a:ln>
+          <a:extLst>
+            <a:ext uri="{909E8E84-426E-40DD-AFC4-6F175D3DCCD1}">
+              <a14:hiddenFill xmlns:a14="http://schemas.microsoft.com/office/drawing/2010/main">
+                <a:solidFill>
+                  <a:srgbClr val="FFFFFF"/>
+                </a:solidFill>
+              </a14:hiddenFill>
+            </a:ext>
+            <a:ext uri="{91240B29-F687-4F45-9708-019B960494DF}">
+              <a14:hiddenLine xmlns:a14="http://schemas.microsoft.com/office/drawing/2010/main" w="9525">
+                <a:solidFill>
+                  <a:srgbClr val="000000"/>
+                </a:solidFill>
+                <a:miter lim="800000"/>
+                <a:headEnd/>
+                <a:tailEnd/>
+              </a14:hiddenLine>
+            </a:ext>
+          </a:extLst>
+        </p:spPr>
+        <p:txBody>
+          <a:bodyPr>
+            <a:spAutoFit/>
+          </a:bodyPr>
+          <a:lstStyle>
+            <a:lvl1pPr eaLnBrk="0" hangingPunct="0">
+              <a:defRPr sz="2400">
+                <a:solidFill>
+                  <a:schemeClr val="tx1"/>
+                </a:solidFill>
+                <a:latin typeface="Times New Roman" pitchFamily="18" charset="0"/>
+              </a:defRPr>
+            </a:lvl1pPr>
+            <a:lvl2pPr marL="742950" indent="-285750" eaLnBrk="0" hangingPunct="0">
+              <a:defRPr sz="2400">
+                <a:solidFill>
+                  <a:schemeClr val="tx1"/>
+                </a:solidFill>
+                <a:latin typeface="Times New Roman" pitchFamily="18" charset="0"/>
+              </a:defRPr>
+            </a:lvl2pPr>
+            <a:lvl3pPr marL="1143000" indent="-228600" eaLnBrk="0" hangingPunct="0">
+              <a:defRPr sz="2400">
+                <a:solidFill>
+                  <a:schemeClr val="tx1"/>
+                </a:solidFill>
+                <a:latin typeface="Times New Roman" pitchFamily="18" charset="0"/>
+              </a:defRPr>
+            </a:lvl3pPr>
+            <a:lvl4pPr marL="1600200" indent="-228600" eaLnBrk="0" hangingPunct="0">
+              <a:defRPr sz="2400">
+                <a:solidFill>
+                  <a:schemeClr val="tx1"/>
+                </a:solidFill>
+                <a:latin typeface="Times New Roman" pitchFamily="18" charset="0"/>
+              </a:defRPr>
+            </a:lvl4pPr>
+            <a:lvl5pPr marL="2057400" indent="-228600" eaLnBrk="0" hangingPunct="0">
+              <a:defRPr sz="2400">
+                <a:solidFill>
+                  <a:schemeClr val="tx1"/>
+                </a:solidFill>
+                <a:latin typeface="Times New Roman" pitchFamily="18" charset="0"/>
+              </a:defRPr>
+            </a:lvl5pPr>
+            <a:lvl6pPr marL="2514600" indent="-228600" eaLnBrk="0" fontAlgn="base" hangingPunct="0">
+              <a:spcBef>
+                <a:spcPct val="0"/>
+              </a:spcBef>
+              <a:spcAft>
+                <a:spcPct val="0"/>
+              </a:spcAft>
+              <a:defRPr sz="2400">
+                <a:solidFill>
+                  <a:schemeClr val="tx1"/>
+                </a:solidFill>
+                <a:latin typeface="Times New Roman" pitchFamily="18" charset="0"/>
+              </a:defRPr>
+            </a:lvl6pPr>
+            <a:lvl7pPr marL="2971800" indent="-228600" eaLnBrk="0" fontAlgn="base" hangingPunct="0">
+              <a:spcBef>
+                <a:spcPct val="0"/>
+              </a:spcBef>
+              <a:spcAft>
+                <a:spcPct val="0"/>
+              </a:spcAft>
+              <a:defRPr sz="2400">
+                <a:solidFill>
+                  <a:schemeClr val="tx1"/>
+                </a:solidFill>
+                <a:latin typeface="Times New Roman" pitchFamily="18" charset="0"/>
+              </a:defRPr>
+            </a:lvl7pPr>
+            <a:lvl8pPr marL="3429000" indent="-228600" eaLnBrk="0" fontAlgn="base" hangingPunct="0">
+              <a:spcBef>
+                <a:spcPct val="0"/>
+              </a:spcBef>
+              <a:spcAft>
+                <a:spcPct val="0"/>
+              </a:spcAft>
+              <a:defRPr sz="2400">
+                <a:solidFill>
+                  <a:schemeClr val="tx1"/>
+                </a:solidFill>
+                <a:latin typeface="Times New Roman" pitchFamily="18" charset="0"/>
+              </a:defRPr>
+            </a:lvl8pPr>
+            <a:lvl9pPr marL="3886200" indent="-228600" eaLnBrk="0" fontAlgn="base" hangingPunct="0">
+              <a:spcBef>
+                <a:spcPct val="0"/>
+              </a:spcBef>
+              <a:spcAft>
+                <a:spcPct val="0"/>
+              </a:spcAft>
+              <a:defRPr sz="2400">
+                <a:solidFill>
+                  <a:schemeClr val="tx1"/>
+                </a:solidFill>
+                <a:latin typeface="Times New Roman" pitchFamily="18" charset="0"/>
+              </a:defRPr>
+            </a:lvl9pPr>
+          </a:lstStyle>
+          <a:p>
+            <a:pPr algn="just">
+              <a:lnSpc>
+                <a:spcPct val="150000"/>
+              </a:lnSpc>
+            </a:pPr>
+            <a:r>
+              <a:rPr lang="es-MX" altLang="es-MX" sz="1400" dirty="0">
+                <a:solidFill>
+                  <a:schemeClr val="bg2">
+                    <a:lumMod val="25000"/>
+                  </a:schemeClr>
+                </a:solidFill>
+                <a:latin typeface="ZapfHumnst BT"/>
+              </a:rPr>
+              <a:t>Es una forma de modulación en la cual se representan los </a:t>
+            </a:r>
+            <a:r>
+              <a:rPr lang="es-MX" altLang="es-MX" sz="1400" b="1" dirty="0">
+                <a:solidFill>
+                  <a:schemeClr val="bg2">
+                    <a:lumMod val="25000"/>
+                  </a:schemeClr>
+                </a:solidFill>
+                <a:latin typeface="ZapfHumnst BT"/>
+              </a:rPr>
+              <a:t>datos digitales </a:t>
+            </a:r>
+            <a:r>
+              <a:rPr lang="es-MX" altLang="es-MX" sz="1400" dirty="0">
+                <a:solidFill>
+                  <a:schemeClr val="bg2">
+                    <a:lumMod val="25000"/>
+                  </a:schemeClr>
+                </a:solidFill>
+                <a:latin typeface="ZapfHumnst BT"/>
+              </a:rPr>
+              <a:t>como variaciones de </a:t>
+            </a:r>
+            <a:r>
+              <a:rPr lang="es-MX" altLang="es-MX" sz="1400" b="1" dirty="0">
+                <a:solidFill>
+                  <a:schemeClr val="bg2">
+                    <a:lumMod val="25000"/>
+                  </a:schemeClr>
+                </a:solidFill>
+                <a:latin typeface="ZapfHumnst BT"/>
+              </a:rPr>
+              <a:t>amplitud </a:t>
+            </a:r>
+            <a:r>
+              <a:rPr lang="es-MX" altLang="es-MX" sz="1400" dirty="0">
+                <a:solidFill>
+                  <a:schemeClr val="bg2">
+                    <a:lumMod val="25000"/>
+                  </a:schemeClr>
+                </a:solidFill>
+                <a:latin typeface="ZapfHumnst BT"/>
+              </a:rPr>
+              <a:t>de la </a:t>
+            </a:r>
+            <a:r>
+              <a:rPr lang="es-MX" altLang="es-MX" sz="1400" b="1" dirty="0">
+                <a:solidFill>
+                  <a:schemeClr val="bg2">
+                    <a:lumMod val="25000"/>
+                  </a:schemeClr>
+                </a:solidFill>
+                <a:latin typeface="ZapfHumnst BT"/>
+              </a:rPr>
+              <a:t>señal portadora</a:t>
+            </a:r>
+            <a:r>
+              <a:rPr lang="es-ES" altLang="es-MX" sz="1400" dirty="0">
+                <a:solidFill>
+                  <a:schemeClr val="bg2">
+                    <a:lumMod val="25000"/>
+                  </a:schemeClr>
+                </a:solidFill>
+                <a:latin typeface="ZapfHumnst BT"/>
+              </a:rPr>
+              <a:t>, manteniendo la </a:t>
+            </a:r>
+            <a:r>
+              <a:rPr lang="es-ES" altLang="es-MX" sz="1400" b="1" dirty="0">
+                <a:solidFill>
+                  <a:schemeClr val="bg2">
+                    <a:lumMod val="25000"/>
+                  </a:schemeClr>
+                </a:solidFill>
+                <a:latin typeface="ZapfHumnst BT"/>
+              </a:rPr>
+              <a:t>frecuencia</a:t>
+            </a:r>
+            <a:r>
+              <a:rPr lang="es-ES" altLang="es-MX" sz="1400" dirty="0">
+                <a:solidFill>
+                  <a:schemeClr val="bg2">
+                    <a:lumMod val="25000"/>
+                  </a:schemeClr>
+                </a:solidFill>
+                <a:latin typeface="ZapfHumnst BT"/>
+              </a:rPr>
+              <a:t> y la </a:t>
+            </a:r>
+            <a:r>
+              <a:rPr lang="es-ES" altLang="es-MX" sz="1400" b="1" dirty="0">
+                <a:solidFill>
+                  <a:schemeClr val="bg2">
+                    <a:lumMod val="25000"/>
+                  </a:schemeClr>
+                </a:solidFill>
+                <a:latin typeface="ZapfHumnst BT"/>
+              </a:rPr>
+              <a:t>fase</a:t>
+            </a:r>
+            <a:r>
+              <a:rPr lang="es-ES" altLang="es-MX" sz="1400" dirty="0">
+                <a:solidFill>
+                  <a:schemeClr val="bg2">
+                    <a:lumMod val="25000"/>
+                  </a:schemeClr>
+                </a:solidFill>
+                <a:latin typeface="ZapfHumnst BT"/>
+              </a:rPr>
+              <a:t> constante. El nivel de amplitud puede ser usado para representar los valores binarios 0s y 1s. </a:t>
+            </a:r>
+            <a:endParaRPr lang="es-MX" altLang="es-MX" sz="1400" dirty="0">
+              <a:solidFill>
+                <a:schemeClr val="bg2">
+                  <a:lumMod val="25000"/>
+                </a:schemeClr>
+              </a:solidFill>
+            </a:endParaRPr>
+          </a:p>
+        </p:txBody>
+      </p:sp>
+      <p:pic>
+        <p:nvPicPr>
+          <p:cNvPr id="10247" name="Picture 11"/>
+          <p:cNvPicPr>
+            <a:picLocks noChangeAspect="1" noChangeArrowheads="1"/>
+          </p:cNvPicPr>
+          <p:nvPr/>
+        </p:nvPicPr>
+        <p:blipFill>
+          <a:blip r:embed="rId2">
+            <a:extLst>
+              <a:ext uri="{28A0092B-C50C-407E-A947-70E740481C1C}">
+                <a14:useLocalDpi xmlns:a14="http://schemas.microsoft.com/office/drawing/2010/main" val="0"/>
+              </a:ext>
+            </a:extLst>
+          </a:blip>
+          <a:srcRect/>
+          <a:stretch>
+            <a:fillRect/>
+          </a:stretch>
+        </p:blipFill>
+        <p:spPr bwMode="auto">
+          <a:xfrm>
+            <a:off x="1462533" y="4664366"/>
+            <a:ext cx="3001963" cy="1997075"/>
+          </a:xfrm>
+          <a:prstGeom prst="rect">
+            <a:avLst/>
+          </a:prstGeom>
+          <a:noFill/>
+          <a:ln>
+            <a:noFill/>
+          </a:ln>
+          <a:extLst>
+            <a:ext uri="{909E8E84-426E-40DD-AFC4-6F175D3DCCD1}">
+              <a14:hiddenFill xmlns:a14="http://schemas.microsoft.com/office/drawing/2010/main">
+                <a:solidFill>
+                  <a:srgbClr val="FFFFFF"/>
+                </a:solidFill>
+              </a14:hiddenFill>
+            </a:ext>
+            <a:ext uri="{91240B29-F687-4F45-9708-019B960494DF}">
+              <a14:hiddenLine xmlns:a14="http://schemas.microsoft.com/office/drawing/2010/main" w="9525">
+                <a:solidFill>
+                  <a:srgbClr val="000000"/>
+                </a:solidFill>
+                <a:miter lim="800000"/>
+                <a:headEnd/>
+                <a:tailEnd/>
+              </a14:hiddenLine>
+            </a:ext>
+          </a:extLst>
+        </p:spPr>
+      </p:pic>
+      <p:pic>
+        <p:nvPicPr>
+          <p:cNvPr id="10248" name="Picture 12"/>
+          <p:cNvPicPr>
+            <a:picLocks noChangeAspect="1" noChangeArrowheads="1"/>
+          </p:cNvPicPr>
+          <p:nvPr/>
+        </p:nvPicPr>
+        <p:blipFill>
+          <a:blip r:embed="rId3">
+            <a:extLst>
+              <a:ext uri="{28A0092B-C50C-407E-A947-70E740481C1C}">
+                <a14:useLocalDpi xmlns:a14="http://schemas.microsoft.com/office/drawing/2010/main" val="0"/>
+              </a:ext>
+            </a:extLst>
+          </a:blip>
+          <a:srcRect/>
+          <a:stretch>
+            <a:fillRect/>
+          </a:stretch>
+        </p:blipFill>
+        <p:spPr bwMode="auto">
+          <a:xfrm>
+            <a:off x="1511323" y="2729204"/>
+            <a:ext cx="5737225" cy="1935162"/>
+          </a:xfrm>
+          <a:prstGeom prst="rect">
+            <a:avLst/>
+          </a:prstGeom>
+          <a:noFill/>
+          <a:ln>
+            <a:noFill/>
+          </a:ln>
+          <a:extLst>
+            <a:ext uri="{909E8E84-426E-40DD-AFC4-6F175D3DCCD1}">
+              <a14:hiddenFill xmlns:a14="http://schemas.microsoft.com/office/drawing/2010/main">
+                <a:solidFill>
+                  <a:srgbClr val="FFFFFF"/>
+                </a:solidFill>
+              </a14:hiddenFill>
+            </a:ext>
+            <a:ext uri="{91240B29-F687-4F45-9708-019B960494DF}">
+              <a14:hiddenLine xmlns:a14="http://schemas.microsoft.com/office/drawing/2010/main" w="9525">
+                <a:solidFill>
+                  <a:srgbClr val="000000"/>
+                </a:solidFill>
+                <a:miter lim="800000"/>
+                <a:headEnd/>
+                <a:tailEnd/>
+              </a14:hiddenLine>
+            </a:ext>
+          </a:extLst>
+        </p:spPr>
+      </p:pic>
+      <p:sp>
+        <p:nvSpPr>
+          <p:cNvPr id="2" name="Text Box 5">
+            <a:extLst>
+              <a:ext uri="{FF2B5EF4-FFF2-40B4-BE49-F238E27FC236}">
+                <a16:creationId xmlns:a16="http://schemas.microsoft.com/office/drawing/2014/main" id="{407EBD79-48BE-BC8E-74C1-8E074B8DEEE5}"/>
+              </a:ext>
+            </a:extLst>
+          </p:cNvPr>
+          <p:cNvSpPr txBox="1">
+            <a:spLocks noChangeArrowheads="1"/>
+          </p:cNvSpPr>
+          <p:nvPr/>
+        </p:nvSpPr>
+        <p:spPr bwMode="auto">
+          <a:xfrm>
+            <a:off x="1908212" y="545382"/>
+            <a:ext cx="5112568" cy="568745"/>
+          </a:xfrm>
+          <a:prstGeom prst="rect">
+            <a:avLst/>
+          </a:prstGeom>
+          <a:noFill/>
+          <a:ln>
+            <a:noFill/>
+          </a:ln>
+          <a:extLst>
+            <a:ext uri="{909E8E84-426E-40DD-AFC4-6F175D3DCCD1}">
+              <a14:hiddenFill xmlns:a14="http://schemas.microsoft.com/office/drawing/2010/main">
+                <a:solidFill>
+                  <a:srgbClr val="FFFFFF"/>
+                </a:solidFill>
+              </a14:hiddenFill>
+            </a:ext>
+            <a:ext uri="{91240B29-F687-4F45-9708-019B960494DF}">
+              <a14:hiddenLine xmlns:a14="http://schemas.microsoft.com/office/drawing/2010/main" w="9525">
+                <a:solidFill>
+                  <a:srgbClr val="000000"/>
+                </a:solidFill>
+                <a:miter lim="800000"/>
+                <a:headEnd/>
+                <a:tailEnd/>
+              </a14:hiddenLine>
+            </a:ext>
+          </a:extLst>
+        </p:spPr>
+        <p:txBody>
+          <a:bodyPr wrap="square">
+            <a:spAutoFit/>
+          </a:bodyPr>
+          <a:lstStyle>
+            <a:lvl1pPr eaLnBrk="0" hangingPunct="0">
+              <a:defRPr sz="2400">
+                <a:solidFill>
+                  <a:schemeClr val="tx1"/>
+                </a:solidFill>
+                <a:latin typeface="Times New Roman" pitchFamily="18" charset="0"/>
+              </a:defRPr>
+            </a:lvl1pPr>
+            <a:lvl2pPr marL="742950" indent="-285750" eaLnBrk="0" hangingPunct="0">
+              <a:defRPr sz="2400">
+                <a:solidFill>
+                  <a:schemeClr val="tx1"/>
+                </a:solidFill>
+                <a:latin typeface="Times New Roman" pitchFamily="18" charset="0"/>
+              </a:defRPr>
+            </a:lvl2pPr>
+            <a:lvl3pPr marL="1143000" indent="-228600" eaLnBrk="0" hangingPunct="0">
+              <a:defRPr sz="2400">
+                <a:solidFill>
+                  <a:schemeClr val="tx1"/>
+                </a:solidFill>
+                <a:latin typeface="Times New Roman" pitchFamily="18" charset="0"/>
+              </a:defRPr>
+            </a:lvl3pPr>
+            <a:lvl4pPr marL="1600200" indent="-228600" eaLnBrk="0" hangingPunct="0">
+              <a:defRPr sz="2400">
+                <a:solidFill>
+                  <a:schemeClr val="tx1"/>
+                </a:solidFill>
+                <a:latin typeface="Times New Roman" pitchFamily="18" charset="0"/>
+              </a:defRPr>
+            </a:lvl4pPr>
+            <a:lvl5pPr marL="2057400" indent="-228600" eaLnBrk="0" hangingPunct="0">
+              <a:defRPr sz="2400">
+                <a:solidFill>
+                  <a:schemeClr val="tx1"/>
+                </a:solidFill>
+                <a:latin typeface="Times New Roman" pitchFamily="18" charset="0"/>
+              </a:defRPr>
+            </a:lvl5pPr>
+            <a:lvl6pPr marL="2514600" indent="-228600" eaLnBrk="0" fontAlgn="base" hangingPunct="0">
+              <a:spcBef>
+                <a:spcPct val="0"/>
+              </a:spcBef>
+              <a:spcAft>
+                <a:spcPct val="0"/>
+              </a:spcAft>
+              <a:defRPr sz="2400">
+                <a:solidFill>
+                  <a:schemeClr val="tx1"/>
+                </a:solidFill>
+                <a:latin typeface="Times New Roman" pitchFamily="18" charset="0"/>
+              </a:defRPr>
+            </a:lvl6pPr>
+            <a:lvl7pPr marL="2971800" indent="-228600" eaLnBrk="0" fontAlgn="base" hangingPunct="0">
+              <a:spcBef>
+                <a:spcPct val="0"/>
+              </a:spcBef>
+              <a:spcAft>
+                <a:spcPct val="0"/>
+              </a:spcAft>
+              <a:defRPr sz="2400">
+                <a:solidFill>
+                  <a:schemeClr val="tx1"/>
+                </a:solidFill>
+                <a:latin typeface="Times New Roman" pitchFamily="18" charset="0"/>
+              </a:defRPr>
+            </a:lvl7pPr>
+            <a:lvl8pPr marL="3429000" indent="-228600" eaLnBrk="0" fontAlgn="base" hangingPunct="0">
+              <a:spcBef>
+                <a:spcPct val="0"/>
+              </a:spcBef>
+              <a:spcAft>
+                <a:spcPct val="0"/>
+              </a:spcAft>
+              <a:defRPr sz="2400">
+                <a:solidFill>
+                  <a:schemeClr val="tx1"/>
+                </a:solidFill>
+                <a:latin typeface="Times New Roman" pitchFamily="18" charset="0"/>
+              </a:defRPr>
+            </a:lvl8pPr>
+            <a:lvl9pPr marL="3886200" indent="-228600" eaLnBrk="0" fontAlgn="base" hangingPunct="0">
+              <a:spcBef>
+                <a:spcPct val="0"/>
+              </a:spcBef>
+              <a:spcAft>
+                <a:spcPct val="0"/>
+              </a:spcAft>
+              <a:defRPr sz="2400">
+                <a:solidFill>
+                  <a:schemeClr val="tx1"/>
+                </a:solidFill>
+                <a:latin typeface="Times New Roman" pitchFamily="18" charset="0"/>
+              </a:defRPr>
+            </a:lvl9pPr>
+          </a:lstStyle>
+          <a:p>
+            <a:pPr algn="ctr">
+              <a:lnSpc>
+                <a:spcPct val="200000"/>
+              </a:lnSpc>
+              <a:spcBef>
+                <a:spcPct val="50000"/>
+              </a:spcBef>
+            </a:pPr>
+            <a:r>
+              <a:rPr lang="es-MX" sz="1800" b="1" dirty="0">
+                <a:solidFill>
+                  <a:schemeClr val="accent6">
+                    <a:lumMod val="75000"/>
+                  </a:schemeClr>
+                </a:solidFill>
+                <a:latin typeface="ZapfHumnst BT"/>
+              </a:rPr>
+              <a:t>Ondas Electromagnéticas</a:t>
+            </a:r>
+            <a:endParaRPr lang="es-MX" sz="1800" dirty="0">
+              <a:solidFill>
+                <a:schemeClr val="accent6">
+                  <a:lumMod val="75000"/>
+                </a:schemeClr>
+              </a:solidFill>
+              <a:latin typeface="ZapfHumnst BT"/>
+            </a:endParaRPr>
+          </a:p>
+        </p:txBody>
+      </p:sp>
+      <p:sp>
+        <p:nvSpPr>
+          <p:cNvPr id="3" name="Rectangle 2">
+            <a:extLst>
+              <a:ext uri="{FF2B5EF4-FFF2-40B4-BE49-F238E27FC236}">
+                <a16:creationId xmlns:a16="http://schemas.microsoft.com/office/drawing/2014/main" id="{41DE9DCD-04B8-4914-0032-4EFFA1E404B7}"/>
+              </a:ext>
+            </a:extLst>
+          </p:cNvPr>
+          <p:cNvSpPr txBox="1">
+            <a:spLocks noChangeArrowheads="1"/>
+          </p:cNvSpPr>
+          <p:nvPr/>
+        </p:nvSpPr>
+        <p:spPr>
+          <a:xfrm>
+            <a:off x="0" y="-137193"/>
+            <a:ext cx="8964488" cy="1143000"/>
+          </a:xfrm>
+          <a:prstGeom prst="rect">
+            <a:avLst/>
+          </a:prstGeom>
+        </p:spPr>
+        <p:txBody>
+          <a:bodyPr vert="horz" lIns="92075" tIns="46038" rIns="92075" bIns="46038" rtlCol="0" anchor="ctr">
+            <a:noAutofit/>
+          </a:bodyPr>
+          <a:lstStyle>
+            <a:lvl1pPr algn="ctr" defTabSz="914400" rtl="0" eaLnBrk="1" latinLnBrk="0" hangingPunct="1">
+              <a:spcBef>
+                <a:spcPct val="0"/>
+              </a:spcBef>
+              <a:buNone/>
+              <a:defRPr sz="4400" kern="1200">
+                <a:solidFill>
+                  <a:schemeClr val="tx1"/>
+                </a:solidFill>
+                <a:latin typeface="+mj-lt"/>
+                <a:ea typeface="+mj-ea"/>
+                <a:cs typeface="+mj-cs"/>
+              </a:defRPr>
+            </a:lvl1pPr>
+          </a:lstStyle>
+          <a:p>
+            <a:pPr>
+              <a:defRPr/>
+            </a:pPr>
+            <a:r>
+              <a:rPr lang="es-ES_tradnl" sz="3200" dirty="0">
+                <a:solidFill>
+                  <a:srgbClr val="3333CC"/>
+                </a:solidFill>
+                <a:effectLst>
+                  <a:outerShdw blurRad="38100" dist="38100" dir="2700000" algn="tl">
+                    <a:srgbClr val="C0C0C0"/>
+                  </a:outerShdw>
+                </a:effectLst>
+                <a:latin typeface="Dom Casual" charset="0"/>
+              </a:rPr>
+              <a:t> </a:t>
+            </a:r>
+            <a:r>
+              <a:rPr lang="es-ES_tradnl" sz="3200" b="1" dirty="0">
+                <a:solidFill>
+                  <a:schemeClr val="accent4">
+                    <a:lumMod val="50000"/>
+                  </a:schemeClr>
+                </a:solidFill>
+                <a:effectLst>
+                  <a:outerShdw blurRad="38100" dist="38100" dir="2700000" algn="tl">
+                    <a:srgbClr val="C0C0C0"/>
+                  </a:outerShdw>
+                </a:effectLst>
+                <a:latin typeface="Dom Casual" charset="0"/>
+              </a:rPr>
+              <a:t>Medios inalámbricos</a:t>
+            </a:r>
+          </a:p>
+        </p:txBody>
+      </p:sp>
+    </p:spTree>
+    <p:extLst>
+      <p:ext uri="{BB962C8B-B14F-4D97-AF65-F5344CB8AC3E}">
+        <p14:creationId xmlns:p14="http://schemas.microsoft.com/office/powerpoint/2010/main" val="2387749180"/>
+      </p:ext>
+    </p:extLst>
+  </p:cSld>
+  <p:clrMapOvr>
+    <a:masterClrMapping/>
+  </p:clrMapOvr>
+  <p:timing>
+    <p:tnLst>
+      <p:par>
+        <p:cTn id="1" dur="indefinite" restart="never" nodeType="tmRoot">
+          <p:childTnLst>
+            <p:seq concurrent="1" nextAc="seek">
+              <p:cTn id="2" dur="indefinite" nodeType="mainSeq">
+                <p:childTnLst>
+                  <p:par>
+                    <p:cTn id="3" fill="hold" nodeType="clickPar">
+                      <p:stCondLst>
+                        <p:cond delay="indefinite"/>
+                      </p:stCondLst>
+                      <p:childTnLst>
+                        <p:par>
+                          <p:cTn id="4" fill="hold" nodeType="withGroup">
+                            <p:stCondLst>
+                              <p:cond delay="0"/>
+                            </p:stCondLst>
+                            <p:childTnLst>
+                              <p:par>
+                                <p:cTn id="5" presetID="4" presetClass="entr" presetSubtype="16" fill="hold" grpId="0" nodeType="clickEffect">
+                                  <p:stCondLst>
+                                    <p:cond delay="0"/>
+                                  </p:stCondLst>
+                                  <p:childTnLst>
+                                    <p:set>
+                                      <p:cBhvr>
+                                        <p:cTn id="6" dur="1" fill="hold">
+                                          <p:stCondLst>
+                                            <p:cond delay="0"/>
+                                          </p:stCondLst>
+                                        </p:cTn>
+                                        <p:tgtEl>
+                                          <p:spTgt spid="11269"/>
+                                        </p:tgtEl>
+                                        <p:attrNameLst>
+                                          <p:attrName>style.visibility</p:attrName>
+                                        </p:attrNameLst>
+                                      </p:cBhvr>
+                                      <p:to>
+                                        <p:strVal val="visible"/>
+                                      </p:to>
+                                    </p:set>
+                                    <p:animEffect transition="in" filter="box(in)">
+                                      <p:cBhvr>
+                                        <p:cTn id="7" dur="500"/>
+                                        <p:tgtEl>
+                                          <p:spTgt spid="11269"/>
+                                        </p:tgtEl>
+                                      </p:cBhvr>
+                                    </p:animEffect>
+                                  </p:childTnLst>
+                                </p:cTn>
+                              </p:par>
+                            </p:childTnLst>
+                          </p:cTn>
+                        </p:par>
+                      </p:childTnLst>
+                    </p:cTn>
+                  </p:par>
+                  <p:par>
+                    <p:cTn id="8" fill="hold">
+                      <p:stCondLst>
+                        <p:cond delay="indefinite"/>
+                      </p:stCondLst>
+                      <p:childTnLst>
+                        <p:par>
+                          <p:cTn id="9" fill="hold">
+                            <p:stCondLst>
+                              <p:cond delay="0"/>
+                            </p:stCondLst>
+                            <p:childTnLst>
+                              <p:par>
+                                <p:cTn id="10" presetID="1" presetClass="entr" presetSubtype="0" fill="hold" grpId="0" nodeType="clickEffect">
+                                  <p:stCondLst>
+                                    <p:cond delay="0"/>
+                                  </p:stCondLst>
+                                  <p:childTnLst>
+                                    <p:set>
+                                      <p:cBhvr>
+                                        <p:cTn id="11" dur="1" fill="hold">
+                                          <p:stCondLst>
+                                            <p:cond delay="0"/>
+                                          </p:stCondLst>
+                                        </p:cTn>
+                                        <p:tgtEl>
+                                          <p:spTgt spid="2"/>
+                                        </p:tgtEl>
+                                        <p:attrNameLst>
+                                          <p:attrName>style.visibility</p:attrName>
+                                        </p:attrNameLst>
+                                      </p:cBhvr>
+                                      <p:to>
+                                        <p:strVal val="visible"/>
+                                      </p:to>
+                                    </p:set>
+                                  </p:childTnLst>
+                                </p:cTn>
+                              </p:par>
+                            </p:childTnLst>
+                          </p:cTn>
+                        </p:par>
+                      </p:childTnLst>
+                    </p:cTn>
+                  </p:par>
+                </p:childTnLst>
+              </p:cTn>
+              <p:prevCondLst>
+                <p:cond evt="onPrev" delay="0">
+                  <p:tgtEl>
+                    <p:sldTgt/>
+                  </p:tgtEl>
+                </p:cond>
+              </p:prevCondLst>
+              <p:nextCondLst>
+                <p:cond evt="onNext" delay="0">
+                  <p:tgtEl>
+                    <p:sldTgt/>
+                  </p:tgtEl>
+                </p:cond>
+              </p:nextCondLst>
+            </p:seq>
+          </p:childTnLst>
+        </p:cTn>
+      </p:par>
+    </p:tnLst>
+    <p:bldLst>
+      <p:bldP spid="11269" grpId="0"/>
+      <p:bldP spid="2" grpId="0"/>
+    </p:bldLst>
+  </p:timing>
+</p:sld>
+</file>
+
+<file path=ppt/slides/slide22.xml><?xml version="1.0" encoding="utf-8"?>
+<p:sld xmlns:a="http://schemas.openxmlformats.org/drawingml/2006/main" xmlns:r="http://schemas.openxmlformats.org/officeDocument/2006/relationships" xmlns:p="http://schemas.openxmlformats.org/presentationml/2006/main">
+  <p:cSld>
+    <p:spTree>
+      <p:nvGrpSpPr>
+        <p:cNvPr id="1" name=""/>
+        <p:cNvGrpSpPr/>
+        <p:nvPr/>
+      </p:nvGrpSpPr>
+      <p:grpSpPr>
+        <a:xfrm>
+          <a:off x="0" y="0"/>
+          <a:ext cx="0" cy="0"/>
+          <a:chOff x="0" y="0"/>
+          <a:chExt cx="0" cy="0"/>
+        </a:xfrm>
+      </p:grpSpPr>
+      <p:sp>
+        <p:nvSpPr>
+          <p:cNvPr id="13315" name="Rectangle 8"/>
+          <p:cNvSpPr>
+            <a:spLocks noChangeArrowheads="1"/>
+          </p:cNvSpPr>
+          <p:nvPr/>
+        </p:nvSpPr>
+        <p:spPr bwMode="auto">
+          <a:xfrm>
+            <a:off x="0" y="0"/>
+            <a:ext cx="9144000" cy="0"/>
+          </a:xfrm>
+          <a:prstGeom prst="rect">
+            <a:avLst/>
+          </a:prstGeom>
+          <a:noFill/>
+          <a:ln>
+            <a:noFill/>
+          </a:ln>
+          <a:extLst>
+            <a:ext uri="{909E8E84-426E-40DD-AFC4-6F175D3DCCD1}">
+              <a14:hiddenFill xmlns:a14="http://schemas.microsoft.com/office/drawing/2010/main">
+                <a:solidFill>
+                  <a:srgbClr val="FFFFFF"/>
+                </a:solidFill>
+              </a14:hiddenFill>
+            </a:ext>
+            <a:ext uri="{91240B29-F687-4F45-9708-019B960494DF}">
+              <a14:hiddenLine xmlns:a14="http://schemas.microsoft.com/office/drawing/2010/main" w="9525">
+                <a:solidFill>
+                  <a:srgbClr val="000000"/>
+                </a:solidFill>
+                <a:miter lim="800000"/>
+                <a:headEnd/>
+                <a:tailEnd/>
+              </a14:hiddenLine>
+            </a:ext>
+          </a:extLst>
+        </p:spPr>
+        <p:txBody>
+          <a:bodyPr wrap="none" anchor="ctr">
+            <a:spAutoFit/>
+          </a:bodyPr>
+          <a:lstStyle>
+            <a:lvl1pPr eaLnBrk="0" hangingPunct="0">
+              <a:defRPr sz="2400">
+                <a:solidFill>
+                  <a:schemeClr val="tx1"/>
+                </a:solidFill>
+                <a:latin typeface="Times New Roman" pitchFamily="18" charset="0"/>
+              </a:defRPr>
+            </a:lvl1pPr>
+            <a:lvl2pPr marL="742950" indent="-285750" eaLnBrk="0" hangingPunct="0">
+              <a:defRPr sz="2400">
+                <a:solidFill>
+                  <a:schemeClr val="tx1"/>
+                </a:solidFill>
+                <a:latin typeface="Times New Roman" pitchFamily="18" charset="0"/>
+              </a:defRPr>
+            </a:lvl2pPr>
+            <a:lvl3pPr marL="1143000" indent="-228600" eaLnBrk="0" hangingPunct="0">
+              <a:defRPr sz="2400">
+                <a:solidFill>
+                  <a:schemeClr val="tx1"/>
+                </a:solidFill>
+                <a:latin typeface="Times New Roman" pitchFamily="18" charset="0"/>
+              </a:defRPr>
+            </a:lvl3pPr>
+            <a:lvl4pPr marL="1600200" indent="-228600" eaLnBrk="0" hangingPunct="0">
+              <a:defRPr sz="2400">
+                <a:solidFill>
+                  <a:schemeClr val="tx1"/>
+                </a:solidFill>
+                <a:latin typeface="Times New Roman" pitchFamily="18" charset="0"/>
+              </a:defRPr>
+            </a:lvl4pPr>
+            <a:lvl5pPr marL="2057400" indent="-228600" eaLnBrk="0" hangingPunct="0">
+              <a:defRPr sz="2400">
+                <a:solidFill>
+                  <a:schemeClr val="tx1"/>
+                </a:solidFill>
+                <a:latin typeface="Times New Roman" pitchFamily="18" charset="0"/>
+              </a:defRPr>
+            </a:lvl5pPr>
+            <a:lvl6pPr marL="2514600" indent="-228600" eaLnBrk="0" fontAlgn="base" hangingPunct="0">
+              <a:spcBef>
+                <a:spcPct val="0"/>
+              </a:spcBef>
+              <a:spcAft>
+                <a:spcPct val="0"/>
+              </a:spcAft>
+              <a:defRPr sz="2400">
+                <a:solidFill>
+                  <a:schemeClr val="tx1"/>
+                </a:solidFill>
+                <a:latin typeface="Times New Roman" pitchFamily="18" charset="0"/>
+              </a:defRPr>
+            </a:lvl6pPr>
+            <a:lvl7pPr marL="2971800" indent="-228600" eaLnBrk="0" fontAlgn="base" hangingPunct="0">
+              <a:spcBef>
+                <a:spcPct val="0"/>
+              </a:spcBef>
+              <a:spcAft>
+                <a:spcPct val="0"/>
+              </a:spcAft>
+              <a:defRPr sz="2400">
+                <a:solidFill>
+                  <a:schemeClr val="tx1"/>
+                </a:solidFill>
+                <a:latin typeface="Times New Roman" pitchFamily="18" charset="0"/>
+              </a:defRPr>
+            </a:lvl7pPr>
+            <a:lvl8pPr marL="3429000" indent="-228600" eaLnBrk="0" fontAlgn="base" hangingPunct="0">
+              <a:spcBef>
+                <a:spcPct val="0"/>
+              </a:spcBef>
+              <a:spcAft>
+                <a:spcPct val="0"/>
+              </a:spcAft>
+              <a:defRPr sz="2400">
+                <a:solidFill>
+                  <a:schemeClr val="tx1"/>
+                </a:solidFill>
+                <a:latin typeface="Times New Roman" pitchFamily="18" charset="0"/>
+              </a:defRPr>
+            </a:lvl8pPr>
+            <a:lvl9pPr marL="3886200" indent="-228600" eaLnBrk="0" fontAlgn="base" hangingPunct="0">
+              <a:spcBef>
+                <a:spcPct val="0"/>
+              </a:spcBef>
+              <a:spcAft>
+                <a:spcPct val="0"/>
+              </a:spcAft>
+              <a:defRPr sz="2400">
+                <a:solidFill>
+                  <a:schemeClr val="tx1"/>
+                </a:solidFill>
+                <a:latin typeface="Times New Roman" pitchFamily="18" charset="0"/>
+              </a:defRPr>
+            </a:lvl9pPr>
+          </a:lstStyle>
+          <a:p>
+            <a:endParaRPr lang="es-MX" altLang="es-MX"/>
+          </a:p>
+        </p:txBody>
+      </p:sp>
+      <p:sp>
+        <p:nvSpPr>
+          <p:cNvPr id="13316" name="7 CuadroTexto"/>
+          <p:cNvSpPr txBox="1">
+            <a:spLocks noChangeArrowheads="1"/>
+          </p:cNvSpPr>
+          <p:nvPr/>
+        </p:nvSpPr>
+        <p:spPr bwMode="auto">
+          <a:xfrm>
+            <a:off x="500062" y="1183145"/>
+            <a:ext cx="6286500" cy="506292"/>
+          </a:xfrm>
+          <a:prstGeom prst="rect">
+            <a:avLst/>
+          </a:prstGeom>
+          <a:noFill/>
+          <a:ln>
+            <a:noFill/>
+          </a:ln>
+          <a:extLst>
+            <a:ext uri="{909E8E84-426E-40DD-AFC4-6F175D3DCCD1}">
+              <a14:hiddenFill xmlns:a14="http://schemas.microsoft.com/office/drawing/2010/main">
+                <a:solidFill>
+                  <a:srgbClr val="FFFFFF"/>
+                </a:solidFill>
+              </a14:hiddenFill>
+            </a:ext>
+            <a:ext uri="{91240B29-F687-4F45-9708-019B960494DF}">
+              <a14:hiddenLine xmlns:a14="http://schemas.microsoft.com/office/drawing/2010/main" w="9525">
+                <a:solidFill>
+                  <a:srgbClr val="000000"/>
+                </a:solidFill>
+                <a:miter lim="800000"/>
+                <a:headEnd/>
+                <a:tailEnd/>
+              </a14:hiddenLine>
+            </a:ext>
+          </a:extLst>
+        </p:spPr>
+        <p:txBody>
+          <a:bodyPr>
+            <a:spAutoFit/>
+          </a:bodyPr>
+          <a:lstStyle>
+            <a:lvl1pPr eaLnBrk="0" hangingPunct="0">
+              <a:defRPr sz="2400">
+                <a:solidFill>
+                  <a:schemeClr val="tx1"/>
+                </a:solidFill>
+                <a:latin typeface="Times New Roman" pitchFamily="18" charset="0"/>
+              </a:defRPr>
+            </a:lvl1pPr>
+            <a:lvl2pPr marL="742950" indent="-285750" eaLnBrk="0" hangingPunct="0">
+              <a:defRPr sz="2400">
+                <a:solidFill>
+                  <a:schemeClr val="tx1"/>
+                </a:solidFill>
+                <a:latin typeface="Times New Roman" pitchFamily="18" charset="0"/>
+              </a:defRPr>
+            </a:lvl2pPr>
+            <a:lvl3pPr marL="1143000" indent="-228600" eaLnBrk="0" hangingPunct="0">
+              <a:defRPr sz="2400">
+                <a:solidFill>
+                  <a:schemeClr val="tx1"/>
+                </a:solidFill>
+                <a:latin typeface="Times New Roman" pitchFamily="18" charset="0"/>
+              </a:defRPr>
+            </a:lvl3pPr>
+            <a:lvl4pPr marL="1600200" indent="-228600" eaLnBrk="0" hangingPunct="0">
+              <a:defRPr sz="2400">
+                <a:solidFill>
+                  <a:schemeClr val="tx1"/>
+                </a:solidFill>
+                <a:latin typeface="Times New Roman" pitchFamily="18" charset="0"/>
+              </a:defRPr>
+            </a:lvl4pPr>
+            <a:lvl5pPr marL="2057400" indent="-228600" eaLnBrk="0" hangingPunct="0">
+              <a:defRPr sz="2400">
+                <a:solidFill>
+                  <a:schemeClr val="tx1"/>
+                </a:solidFill>
+                <a:latin typeface="Times New Roman" pitchFamily="18" charset="0"/>
+              </a:defRPr>
+            </a:lvl5pPr>
+            <a:lvl6pPr marL="2514600" indent="-228600" eaLnBrk="0" fontAlgn="base" hangingPunct="0">
+              <a:spcBef>
+                <a:spcPct val="0"/>
+              </a:spcBef>
+              <a:spcAft>
+                <a:spcPct val="0"/>
+              </a:spcAft>
+              <a:defRPr sz="2400">
+                <a:solidFill>
+                  <a:schemeClr val="tx1"/>
+                </a:solidFill>
+                <a:latin typeface="Times New Roman" pitchFamily="18" charset="0"/>
+              </a:defRPr>
+            </a:lvl6pPr>
+            <a:lvl7pPr marL="2971800" indent="-228600" eaLnBrk="0" fontAlgn="base" hangingPunct="0">
+              <a:spcBef>
+                <a:spcPct val="0"/>
+              </a:spcBef>
+              <a:spcAft>
+                <a:spcPct val="0"/>
+              </a:spcAft>
+              <a:defRPr sz="2400">
+                <a:solidFill>
+                  <a:schemeClr val="tx1"/>
+                </a:solidFill>
+                <a:latin typeface="Times New Roman" pitchFamily="18" charset="0"/>
+              </a:defRPr>
+            </a:lvl7pPr>
+            <a:lvl8pPr marL="3429000" indent="-228600" eaLnBrk="0" fontAlgn="base" hangingPunct="0">
+              <a:spcBef>
+                <a:spcPct val="0"/>
+              </a:spcBef>
+              <a:spcAft>
+                <a:spcPct val="0"/>
+              </a:spcAft>
+              <a:defRPr sz="2400">
+                <a:solidFill>
+                  <a:schemeClr val="tx1"/>
+                </a:solidFill>
+                <a:latin typeface="Times New Roman" pitchFamily="18" charset="0"/>
+              </a:defRPr>
+            </a:lvl8pPr>
+            <a:lvl9pPr marL="3886200" indent="-228600" eaLnBrk="0" fontAlgn="base" hangingPunct="0">
+              <a:spcBef>
+                <a:spcPct val="0"/>
+              </a:spcBef>
+              <a:spcAft>
+                <a:spcPct val="0"/>
+              </a:spcAft>
+              <a:defRPr sz="2400">
+                <a:solidFill>
+                  <a:schemeClr val="tx1"/>
+                </a:solidFill>
+                <a:latin typeface="Times New Roman" pitchFamily="18" charset="0"/>
+              </a:defRPr>
+            </a:lvl9pPr>
+          </a:lstStyle>
+          <a:p>
+            <a:pPr algn="just">
+              <a:lnSpc>
+                <a:spcPct val="150000"/>
+              </a:lnSpc>
+            </a:pPr>
+            <a:r>
+              <a:rPr lang="es-MX" altLang="es-MX" sz="2000" b="1" dirty="0">
+                <a:solidFill>
+                  <a:schemeClr val="accent5">
+                    <a:lumMod val="75000"/>
+                  </a:schemeClr>
+                </a:solidFill>
+                <a:latin typeface="ZapfHumnst BT"/>
+              </a:rPr>
+              <a:t> </a:t>
+            </a:r>
+            <a:r>
+              <a:rPr lang="es-MX" altLang="es-MX" sz="1800" b="1" dirty="0">
+                <a:solidFill>
+                  <a:schemeClr val="accent5">
+                    <a:lumMod val="75000"/>
+                  </a:schemeClr>
+                </a:solidFill>
+                <a:latin typeface="ZapfHumnst BT"/>
+              </a:rPr>
+              <a:t>FSK</a:t>
+            </a:r>
+            <a:r>
+              <a:rPr lang="es-MX" altLang="es-MX" sz="1800" dirty="0">
+                <a:solidFill>
+                  <a:schemeClr val="accent5">
+                    <a:lumMod val="75000"/>
+                  </a:schemeClr>
+                </a:solidFill>
+                <a:latin typeface="ZapfHumnst BT"/>
+              </a:rPr>
+              <a:t> (Modulación por desplazamiento de frecuencia)</a:t>
+            </a:r>
+          </a:p>
+        </p:txBody>
+      </p:sp>
+      <p:sp>
+        <p:nvSpPr>
+          <p:cNvPr id="13317" name="16 Rectángulo"/>
+          <p:cNvSpPr>
+            <a:spLocks noChangeArrowheads="1"/>
+          </p:cNvSpPr>
+          <p:nvPr/>
+        </p:nvSpPr>
+        <p:spPr bwMode="auto">
+          <a:xfrm>
+            <a:off x="539552" y="1659783"/>
+            <a:ext cx="7786688" cy="786497"/>
+          </a:xfrm>
+          <a:prstGeom prst="rect">
+            <a:avLst/>
+          </a:prstGeom>
+          <a:noFill/>
+          <a:ln>
+            <a:noFill/>
+          </a:ln>
+          <a:extLst>
+            <a:ext uri="{909E8E84-426E-40DD-AFC4-6F175D3DCCD1}">
+              <a14:hiddenFill xmlns:a14="http://schemas.microsoft.com/office/drawing/2010/main">
+                <a:solidFill>
+                  <a:srgbClr val="FFFFFF"/>
+                </a:solidFill>
+              </a14:hiddenFill>
+            </a:ext>
+            <a:ext uri="{91240B29-F687-4F45-9708-019B960494DF}">
+              <a14:hiddenLine xmlns:a14="http://schemas.microsoft.com/office/drawing/2010/main" w="9525">
+                <a:solidFill>
+                  <a:srgbClr val="000000"/>
+                </a:solidFill>
+                <a:miter lim="800000"/>
+                <a:headEnd/>
+                <a:tailEnd/>
+              </a14:hiddenLine>
+            </a:ext>
+          </a:extLst>
+        </p:spPr>
+        <p:txBody>
+          <a:bodyPr>
+            <a:spAutoFit/>
+          </a:bodyPr>
+          <a:lstStyle>
+            <a:lvl1pPr eaLnBrk="0" hangingPunct="0">
+              <a:defRPr sz="2400">
+                <a:solidFill>
+                  <a:schemeClr val="tx1"/>
+                </a:solidFill>
+                <a:latin typeface="Times New Roman" pitchFamily="18" charset="0"/>
+              </a:defRPr>
+            </a:lvl1pPr>
+            <a:lvl2pPr marL="742950" indent="-285750" eaLnBrk="0" hangingPunct="0">
+              <a:defRPr sz="2400">
+                <a:solidFill>
+                  <a:schemeClr val="tx1"/>
+                </a:solidFill>
+                <a:latin typeface="Times New Roman" pitchFamily="18" charset="0"/>
+              </a:defRPr>
+            </a:lvl2pPr>
+            <a:lvl3pPr marL="1143000" indent="-228600" eaLnBrk="0" hangingPunct="0">
+              <a:defRPr sz="2400">
+                <a:solidFill>
+                  <a:schemeClr val="tx1"/>
+                </a:solidFill>
+                <a:latin typeface="Times New Roman" pitchFamily="18" charset="0"/>
+              </a:defRPr>
+            </a:lvl3pPr>
+            <a:lvl4pPr marL="1600200" indent="-228600" eaLnBrk="0" hangingPunct="0">
+              <a:defRPr sz="2400">
+                <a:solidFill>
+                  <a:schemeClr val="tx1"/>
+                </a:solidFill>
+                <a:latin typeface="Times New Roman" pitchFamily="18" charset="0"/>
+              </a:defRPr>
+            </a:lvl4pPr>
+            <a:lvl5pPr marL="2057400" indent="-228600" eaLnBrk="0" hangingPunct="0">
+              <a:defRPr sz="2400">
+                <a:solidFill>
+                  <a:schemeClr val="tx1"/>
+                </a:solidFill>
+                <a:latin typeface="Times New Roman" pitchFamily="18" charset="0"/>
+              </a:defRPr>
+            </a:lvl5pPr>
+            <a:lvl6pPr marL="2514600" indent="-228600" eaLnBrk="0" fontAlgn="base" hangingPunct="0">
+              <a:spcBef>
+                <a:spcPct val="0"/>
+              </a:spcBef>
+              <a:spcAft>
+                <a:spcPct val="0"/>
+              </a:spcAft>
+              <a:defRPr sz="2400">
+                <a:solidFill>
+                  <a:schemeClr val="tx1"/>
+                </a:solidFill>
+                <a:latin typeface="Times New Roman" pitchFamily="18" charset="0"/>
+              </a:defRPr>
+            </a:lvl6pPr>
+            <a:lvl7pPr marL="2971800" indent="-228600" eaLnBrk="0" fontAlgn="base" hangingPunct="0">
+              <a:spcBef>
+                <a:spcPct val="0"/>
+              </a:spcBef>
+              <a:spcAft>
+                <a:spcPct val="0"/>
+              </a:spcAft>
+              <a:defRPr sz="2400">
+                <a:solidFill>
+                  <a:schemeClr val="tx1"/>
+                </a:solidFill>
+                <a:latin typeface="Times New Roman" pitchFamily="18" charset="0"/>
+              </a:defRPr>
+            </a:lvl7pPr>
+            <a:lvl8pPr marL="3429000" indent="-228600" eaLnBrk="0" fontAlgn="base" hangingPunct="0">
+              <a:spcBef>
+                <a:spcPct val="0"/>
+              </a:spcBef>
+              <a:spcAft>
+                <a:spcPct val="0"/>
+              </a:spcAft>
+              <a:defRPr sz="2400">
+                <a:solidFill>
+                  <a:schemeClr val="tx1"/>
+                </a:solidFill>
+                <a:latin typeface="Times New Roman" pitchFamily="18" charset="0"/>
+              </a:defRPr>
+            </a:lvl8pPr>
+            <a:lvl9pPr marL="3886200" indent="-228600" eaLnBrk="0" fontAlgn="base" hangingPunct="0">
+              <a:spcBef>
+                <a:spcPct val="0"/>
+              </a:spcBef>
+              <a:spcAft>
+                <a:spcPct val="0"/>
+              </a:spcAft>
+              <a:defRPr sz="2400">
+                <a:solidFill>
+                  <a:schemeClr val="tx1"/>
+                </a:solidFill>
+                <a:latin typeface="Times New Roman" pitchFamily="18" charset="0"/>
+              </a:defRPr>
+            </a:lvl9pPr>
+          </a:lstStyle>
+          <a:p>
+            <a:pPr algn="just">
+              <a:lnSpc>
+                <a:spcPct val="150000"/>
+              </a:lnSpc>
+            </a:pPr>
+            <a:r>
+              <a:rPr lang="es-MX" altLang="es-MX" sz="1600" dirty="0">
+                <a:solidFill>
+                  <a:schemeClr val="bg2">
+                    <a:lumMod val="25000"/>
+                  </a:schemeClr>
+                </a:solidFill>
+                <a:latin typeface="ZapfHumnst BT"/>
+              </a:rPr>
+              <a:t>Es una modulación en la cual se representan los </a:t>
+            </a:r>
+            <a:r>
+              <a:rPr lang="es-MX" altLang="es-MX" sz="1600" b="1" dirty="0">
+                <a:solidFill>
+                  <a:schemeClr val="bg2">
+                    <a:lumMod val="25000"/>
+                  </a:schemeClr>
+                </a:solidFill>
+                <a:latin typeface="ZapfHumnst BT"/>
+              </a:rPr>
+              <a:t>datos digitales </a:t>
+            </a:r>
+            <a:r>
+              <a:rPr lang="es-MX" altLang="es-MX" sz="1600" dirty="0">
+                <a:solidFill>
+                  <a:schemeClr val="bg2">
+                    <a:lumMod val="25000"/>
+                  </a:schemeClr>
+                </a:solidFill>
+                <a:latin typeface="ZapfHumnst BT"/>
+              </a:rPr>
+              <a:t>como variaciones de </a:t>
+            </a:r>
+            <a:r>
+              <a:rPr lang="es-MX" altLang="es-MX" sz="1600" b="1" dirty="0">
+                <a:solidFill>
+                  <a:schemeClr val="bg2">
+                    <a:lumMod val="25000"/>
+                  </a:schemeClr>
+                </a:solidFill>
+                <a:latin typeface="ZapfHumnst BT"/>
+              </a:rPr>
+              <a:t>frecuencia </a:t>
+            </a:r>
+            <a:r>
+              <a:rPr lang="es-MX" altLang="es-MX" sz="1600" dirty="0">
+                <a:solidFill>
+                  <a:schemeClr val="bg2">
+                    <a:lumMod val="25000"/>
+                  </a:schemeClr>
+                </a:solidFill>
+                <a:latin typeface="ZapfHumnst BT"/>
+              </a:rPr>
+              <a:t>de la </a:t>
+            </a:r>
+            <a:r>
+              <a:rPr lang="es-MX" altLang="es-MX" sz="1600" b="1" dirty="0">
+                <a:solidFill>
+                  <a:schemeClr val="bg2">
+                    <a:lumMod val="25000"/>
+                  </a:schemeClr>
+                </a:solidFill>
+                <a:latin typeface="ZapfHumnst BT"/>
+              </a:rPr>
+              <a:t>portadora</a:t>
+            </a:r>
+            <a:r>
+              <a:rPr lang="es-MX" altLang="es-MX" sz="1600" dirty="0">
+                <a:solidFill>
+                  <a:schemeClr val="bg2">
+                    <a:lumMod val="25000"/>
+                  </a:schemeClr>
+                </a:solidFill>
+                <a:latin typeface="ZapfHumnst BT"/>
+              </a:rPr>
+              <a:t>,</a:t>
+            </a:r>
+            <a:r>
+              <a:rPr lang="es-ES" altLang="es-MX" sz="1600" dirty="0">
+                <a:solidFill>
+                  <a:schemeClr val="bg2">
+                    <a:lumMod val="25000"/>
+                  </a:schemeClr>
+                </a:solidFill>
+                <a:latin typeface="ZapfHumnst BT"/>
+              </a:rPr>
+              <a:t> manteniendo la </a:t>
+            </a:r>
+            <a:r>
+              <a:rPr lang="es-ES" altLang="es-MX" sz="1600" b="1" dirty="0">
+                <a:solidFill>
+                  <a:schemeClr val="bg2">
+                    <a:lumMod val="25000"/>
+                  </a:schemeClr>
+                </a:solidFill>
+                <a:latin typeface="ZapfHumnst BT"/>
+              </a:rPr>
+              <a:t>amplitud</a:t>
+            </a:r>
+            <a:r>
+              <a:rPr lang="es-ES" altLang="es-MX" sz="1600" dirty="0">
+                <a:solidFill>
+                  <a:schemeClr val="bg2">
+                    <a:lumMod val="25000"/>
+                  </a:schemeClr>
+                </a:solidFill>
+                <a:latin typeface="ZapfHumnst BT"/>
+              </a:rPr>
+              <a:t> y la </a:t>
+            </a:r>
+            <a:r>
+              <a:rPr lang="es-ES" altLang="es-MX" sz="1600" b="1" dirty="0">
+                <a:solidFill>
+                  <a:schemeClr val="bg2">
+                    <a:lumMod val="25000"/>
+                  </a:schemeClr>
+                </a:solidFill>
+                <a:latin typeface="ZapfHumnst BT"/>
+              </a:rPr>
+              <a:t>fase </a:t>
+            </a:r>
+            <a:r>
+              <a:rPr lang="es-ES" altLang="es-MX" sz="1600" dirty="0">
+                <a:solidFill>
+                  <a:schemeClr val="bg2">
+                    <a:lumMod val="25000"/>
+                  </a:schemeClr>
+                </a:solidFill>
+                <a:latin typeface="ZapfHumnst BT"/>
+              </a:rPr>
+              <a:t>constantes. </a:t>
+            </a:r>
+            <a:endParaRPr lang="es-MX" altLang="es-MX" dirty="0">
+              <a:solidFill>
+                <a:schemeClr val="bg2">
+                  <a:lumMod val="25000"/>
+                </a:schemeClr>
+              </a:solidFill>
+            </a:endParaRPr>
+          </a:p>
+        </p:txBody>
+      </p:sp>
+      <p:pic>
+        <p:nvPicPr>
+          <p:cNvPr id="13319" name="Picture 2"/>
+          <p:cNvPicPr>
+            <a:picLocks noChangeAspect="1" noChangeArrowheads="1"/>
+          </p:cNvPicPr>
+          <p:nvPr/>
+        </p:nvPicPr>
+        <p:blipFill>
+          <a:blip r:embed="rId2">
+            <a:extLst>
+              <a:ext uri="{28A0092B-C50C-407E-A947-70E740481C1C}">
+                <a14:useLocalDpi xmlns:a14="http://schemas.microsoft.com/office/drawing/2010/main" val="0"/>
+              </a:ext>
+            </a:extLst>
+          </a:blip>
+          <a:srcRect/>
+          <a:stretch>
+            <a:fillRect/>
+          </a:stretch>
+        </p:blipFill>
+        <p:spPr bwMode="auto">
+          <a:xfrm>
+            <a:off x="1327150" y="2643188"/>
+            <a:ext cx="5745163" cy="1965325"/>
+          </a:xfrm>
+          <a:prstGeom prst="rect">
+            <a:avLst/>
+          </a:prstGeom>
+          <a:noFill/>
+          <a:ln>
+            <a:noFill/>
+          </a:ln>
+          <a:extLst>
+            <a:ext uri="{909E8E84-426E-40DD-AFC4-6F175D3DCCD1}">
+              <a14:hiddenFill xmlns:a14="http://schemas.microsoft.com/office/drawing/2010/main">
+                <a:solidFill>
+                  <a:srgbClr val="FFFFFF"/>
+                </a:solidFill>
+              </a14:hiddenFill>
+            </a:ext>
+            <a:ext uri="{91240B29-F687-4F45-9708-019B960494DF}">
+              <a14:hiddenLine xmlns:a14="http://schemas.microsoft.com/office/drawing/2010/main" w="9525">
+                <a:solidFill>
+                  <a:srgbClr val="000000"/>
+                </a:solidFill>
+                <a:miter lim="800000"/>
+                <a:headEnd/>
+                <a:tailEnd/>
+              </a14:hiddenLine>
+            </a:ext>
+          </a:extLst>
+        </p:spPr>
+      </p:pic>
+      <p:pic>
+        <p:nvPicPr>
+          <p:cNvPr id="13320" name="Picture 3"/>
+          <p:cNvPicPr>
+            <a:picLocks noChangeAspect="1" noChangeArrowheads="1"/>
+          </p:cNvPicPr>
+          <p:nvPr/>
+        </p:nvPicPr>
+        <p:blipFill>
+          <a:blip r:embed="rId3">
+            <a:extLst>
+              <a:ext uri="{28A0092B-C50C-407E-A947-70E740481C1C}">
+                <a14:useLocalDpi xmlns:a14="http://schemas.microsoft.com/office/drawing/2010/main" val="0"/>
+              </a:ext>
+            </a:extLst>
+          </a:blip>
+          <a:srcRect/>
+          <a:stretch>
+            <a:fillRect/>
+          </a:stretch>
+        </p:blipFill>
+        <p:spPr bwMode="auto">
+          <a:xfrm>
+            <a:off x="969963" y="4497388"/>
+            <a:ext cx="3208337" cy="2003425"/>
+          </a:xfrm>
+          <a:prstGeom prst="rect">
+            <a:avLst/>
+          </a:prstGeom>
+          <a:noFill/>
+          <a:ln>
+            <a:noFill/>
+          </a:ln>
+          <a:extLst>
+            <a:ext uri="{909E8E84-426E-40DD-AFC4-6F175D3DCCD1}">
+              <a14:hiddenFill xmlns:a14="http://schemas.microsoft.com/office/drawing/2010/main">
+                <a:solidFill>
+                  <a:srgbClr val="FFFFFF"/>
+                </a:solidFill>
+              </a14:hiddenFill>
+            </a:ext>
+            <a:ext uri="{91240B29-F687-4F45-9708-019B960494DF}">
+              <a14:hiddenLine xmlns:a14="http://schemas.microsoft.com/office/drawing/2010/main" w="9525">
+                <a:solidFill>
+                  <a:srgbClr val="000000"/>
+                </a:solidFill>
+                <a:miter lim="800000"/>
+                <a:headEnd/>
+                <a:tailEnd/>
+              </a14:hiddenLine>
+            </a:ext>
+          </a:extLst>
+        </p:spPr>
+      </p:pic>
+      <p:sp>
+        <p:nvSpPr>
+          <p:cNvPr id="2" name="Text Box 5">
+            <a:extLst>
+              <a:ext uri="{FF2B5EF4-FFF2-40B4-BE49-F238E27FC236}">
+                <a16:creationId xmlns:a16="http://schemas.microsoft.com/office/drawing/2014/main" id="{CE4CCE16-CAFC-DA73-4A7A-DEFE0EA0D240}"/>
+              </a:ext>
+            </a:extLst>
+          </p:cNvPr>
+          <p:cNvSpPr txBox="1">
+            <a:spLocks noChangeArrowheads="1"/>
+          </p:cNvSpPr>
+          <p:nvPr/>
+        </p:nvSpPr>
+        <p:spPr bwMode="auto">
+          <a:xfrm>
+            <a:off x="2015716" y="655191"/>
+            <a:ext cx="5112568" cy="568745"/>
+          </a:xfrm>
+          <a:prstGeom prst="rect">
+            <a:avLst/>
+          </a:prstGeom>
+          <a:noFill/>
+          <a:ln>
+            <a:noFill/>
+          </a:ln>
+          <a:extLst>
+            <a:ext uri="{909E8E84-426E-40DD-AFC4-6F175D3DCCD1}">
+              <a14:hiddenFill xmlns:a14="http://schemas.microsoft.com/office/drawing/2010/main">
+                <a:solidFill>
+                  <a:srgbClr val="FFFFFF"/>
+                </a:solidFill>
+              </a14:hiddenFill>
+            </a:ext>
+            <a:ext uri="{91240B29-F687-4F45-9708-019B960494DF}">
+              <a14:hiddenLine xmlns:a14="http://schemas.microsoft.com/office/drawing/2010/main" w="9525">
+                <a:solidFill>
+                  <a:srgbClr val="000000"/>
+                </a:solidFill>
+                <a:miter lim="800000"/>
+                <a:headEnd/>
+                <a:tailEnd/>
+              </a14:hiddenLine>
+            </a:ext>
+          </a:extLst>
+        </p:spPr>
+        <p:txBody>
+          <a:bodyPr wrap="square">
+            <a:spAutoFit/>
+          </a:bodyPr>
+          <a:lstStyle>
+            <a:lvl1pPr eaLnBrk="0" hangingPunct="0">
+              <a:defRPr sz="2400">
+                <a:solidFill>
+                  <a:schemeClr val="tx1"/>
+                </a:solidFill>
+                <a:latin typeface="Times New Roman" pitchFamily="18" charset="0"/>
+              </a:defRPr>
+            </a:lvl1pPr>
+            <a:lvl2pPr marL="742950" indent="-285750" eaLnBrk="0" hangingPunct="0">
+              <a:defRPr sz="2400">
+                <a:solidFill>
+                  <a:schemeClr val="tx1"/>
+                </a:solidFill>
+                <a:latin typeface="Times New Roman" pitchFamily="18" charset="0"/>
+              </a:defRPr>
+            </a:lvl2pPr>
+            <a:lvl3pPr marL="1143000" indent="-228600" eaLnBrk="0" hangingPunct="0">
+              <a:defRPr sz="2400">
+                <a:solidFill>
+                  <a:schemeClr val="tx1"/>
+                </a:solidFill>
+                <a:latin typeface="Times New Roman" pitchFamily="18" charset="0"/>
+              </a:defRPr>
+            </a:lvl3pPr>
+            <a:lvl4pPr marL="1600200" indent="-228600" eaLnBrk="0" hangingPunct="0">
+              <a:defRPr sz="2400">
+                <a:solidFill>
+                  <a:schemeClr val="tx1"/>
+                </a:solidFill>
+                <a:latin typeface="Times New Roman" pitchFamily="18" charset="0"/>
+              </a:defRPr>
+            </a:lvl4pPr>
+            <a:lvl5pPr marL="2057400" indent="-228600" eaLnBrk="0" hangingPunct="0">
+              <a:defRPr sz="2400">
+                <a:solidFill>
+                  <a:schemeClr val="tx1"/>
+                </a:solidFill>
+                <a:latin typeface="Times New Roman" pitchFamily="18" charset="0"/>
+              </a:defRPr>
+            </a:lvl5pPr>
+            <a:lvl6pPr marL="2514600" indent="-228600" eaLnBrk="0" fontAlgn="base" hangingPunct="0">
+              <a:spcBef>
+                <a:spcPct val="0"/>
+              </a:spcBef>
+              <a:spcAft>
+                <a:spcPct val="0"/>
+              </a:spcAft>
+              <a:defRPr sz="2400">
+                <a:solidFill>
+                  <a:schemeClr val="tx1"/>
+                </a:solidFill>
+                <a:latin typeface="Times New Roman" pitchFamily="18" charset="0"/>
+              </a:defRPr>
+            </a:lvl6pPr>
+            <a:lvl7pPr marL="2971800" indent="-228600" eaLnBrk="0" fontAlgn="base" hangingPunct="0">
+              <a:spcBef>
+                <a:spcPct val="0"/>
+              </a:spcBef>
+              <a:spcAft>
+                <a:spcPct val="0"/>
+              </a:spcAft>
+              <a:defRPr sz="2400">
+                <a:solidFill>
+                  <a:schemeClr val="tx1"/>
+                </a:solidFill>
+                <a:latin typeface="Times New Roman" pitchFamily="18" charset="0"/>
+              </a:defRPr>
+            </a:lvl7pPr>
+            <a:lvl8pPr marL="3429000" indent="-228600" eaLnBrk="0" fontAlgn="base" hangingPunct="0">
+              <a:spcBef>
+                <a:spcPct val="0"/>
+              </a:spcBef>
+              <a:spcAft>
+                <a:spcPct val="0"/>
+              </a:spcAft>
+              <a:defRPr sz="2400">
+                <a:solidFill>
+                  <a:schemeClr val="tx1"/>
+                </a:solidFill>
+                <a:latin typeface="Times New Roman" pitchFamily="18" charset="0"/>
+              </a:defRPr>
+            </a:lvl8pPr>
+            <a:lvl9pPr marL="3886200" indent="-228600" eaLnBrk="0" fontAlgn="base" hangingPunct="0">
+              <a:spcBef>
+                <a:spcPct val="0"/>
+              </a:spcBef>
+              <a:spcAft>
+                <a:spcPct val="0"/>
+              </a:spcAft>
+              <a:defRPr sz="2400">
+                <a:solidFill>
+                  <a:schemeClr val="tx1"/>
+                </a:solidFill>
+                <a:latin typeface="Times New Roman" pitchFamily="18" charset="0"/>
+              </a:defRPr>
+            </a:lvl9pPr>
+          </a:lstStyle>
+          <a:p>
+            <a:pPr algn="ctr">
+              <a:lnSpc>
+                <a:spcPct val="200000"/>
+              </a:lnSpc>
+              <a:spcBef>
+                <a:spcPct val="50000"/>
+              </a:spcBef>
+            </a:pPr>
+            <a:r>
+              <a:rPr lang="es-MX" sz="1800" b="1" dirty="0">
+                <a:solidFill>
+                  <a:schemeClr val="accent6">
+                    <a:lumMod val="75000"/>
+                  </a:schemeClr>
+                </a:solidFill>
+                <a:latin typeface="ZapfHumnst BT"/>
+              </a:rPr>
+              <a:t>Ondas Electromagnéticas</a:t>
+            </a:r>
+            <a:endParaRPr lang="es-MX" sz="1800" dirty="0">
+              <a:solidFill>
+                <a:schemeClr val="accent6">
+                  <a:lumMod val="75000"/>
+                </a:schemeClr>
+              </a:solidFill>
+              <a:latin typeface="ZapfHumnst BT"/>
+            </a:endParaRPr>
+          </a:p>
+        </p:txBody>
+      </p:sp>
+      <p:sp>
+        <p:nvSpPr>
+          <p:cNvPr id="3" name="Rectangle 2">
+            <a:extLst>
+              <a:ext uri="{FF2B5EF4-FFF2-40B4-BE49-F238E27FC236}">
+                <a16:creationId xmlns:a16="http://schemas.microsoft.com/office/drawing/2014/main" id="{CDC29C7D-7A92-42B2-8352-C43DF6994386}"/>
+              </a:ext>
+            </a:extLst>
+          </p:cNvPr>
+          <p:cNvSpPr txBox="1">
+            <a:spLocks noChangeArrowheads="1"/>
+          </p:cNvSpPr>
+          <p:nvPr/>
+        </p:nvSpPr>
+        <p:spPr>
+          <a:xfrm>
+            <a:off x="107504" y="-27384"/>
+            <a:ext cx="8964488" cy="1143000"/>
+          </a:xfrm>
+          <a:prstGeom prst="rect">
+            <a:avLst/>
+          </a:prstGeom>
+        </p:spPr>
+        <p:txBody>
+          <a:bodyPr vert="horz" lIns="92075" tIns="46038" rIns="92075" bIns="46038" rtlCol="0" anchor="ctr">
+            <a:noAutofit/>
+          </a:bodyPr>
+          <a:lstStyle>
+            <a:lvl1pPr algn="ctr" defTabSz="914400" rtl="0" eaLnBrk="1" latinLnBrk="0" hangingPunct="1">
+              <a:spcBef>
+                <a:spcPct val="0"/>
+              </a:spcBef>
+              <a:buNone/>
+              <a:defRPr sz="4400" kern="1200">
+                <a:solidFill>
+                  <a:schemeClr val="tx1"/>
+                </a:solidFill>
+                <a:latin typeface="+mj-lt"/>
+                <a:ea typeface="+mj-ea"/>
+                <a:cs typeface="+mj-cs"/>
+              </a:defRPr>
+            </a:lvl1pPr>
+          </a:lstStyle>
+          <a:p>
+            <a:pPr>
+              <a:defRPr/>
+            </a:pPr>
+            <a:r>
+              <a:rPr lang="es-ES_tradnl" sz="3200" dirty="0">
+                <a:solidFill>
+                  <a:srgbClr val="3333CC"/>
+                </a:solidFill>
+                <a:effectLst>
+                  <a:outerShdw blurRad="38100" dist="38100" dir="2700000" algn="tl">
+                    <a:srgbClr val="C0C0C0"/>
+                  </a:outerShdw>
+                </a:effectLst>
+                <a:latin typeface="Dom Casual" charset="0"/>
+              </a:rPr>
+              <a:t> </a:t>
+            </a:r>
+            <a:r>
+              <a:rPr lang="es-ES_tradnl" sz="3200" b="1" dirty="0">
+                <a:solidFill>
+                  <a:schemeClr val="accent4">
+                    <a:lumMod val="50000"/>
+                  </a:schemeClr>
+                </a:solidFill>
+                <a:effectLst>
+                  <a:outerShdw blurRad="38100" dist="38100" dir="2700000" algn="tl">
+                    <a:srgbClr val="C0C0C0"/>
+                  </a:outerShdw>
+                </a:effectLst>
+                <a:latin typeface="Dom Casual" charset="0"/>
+              </a:rPr>
+              <a:t>Medios inalámbricos</a:t>
+            </a:r>
+          </a:p>
+        </p:txBody>
+      </p:sp>
+    </p:spTree>
+    <p:extLst>
+      <p:ext uri="{BB962C8B-B14F-4D97-AF65-F5344CB8AC3E}">
+        <p14:creationId xmlns:p14="http://schemas.microsoft.com/office/powerpoint/2010/main" val="1734762807"/>
+      </p:ext>
+    </p:extLst>
+  </p:cSld>
+  <p:clrMapOvr>
+    <a:masterClrMapping/>
+  </p:clrMapOvr>
+  <p:timing>
+    <p:tnLst>
+      <p:par>
+        <p:cTn id="1" dur="indefinite" restart="never" nodeType="tmRoot">
+          <p:childTnLst>
+            <p:seq concurrent="1" nextAc="seek">
+              <p:cTn id="2" dur="indefinite" nodeType="mainSeq">
+                <p:childTnLst>
+                  <p:par>
+                    <p:cTn id="3" fill="hold" nodeType="clickPar">
+                      <p:stCondLst>
+                        <p:cond delay="indefinite"/>
+                      </p:stCondLst>
+                      <p:childTnLst>
+                        <p:par>
+                          <p:cTn id="4" fill="hold" nodeType="withGroup">
+                            <p:stCondLst>
+                              <p:cond delay="0"/>
+                            </p:stCondLst>
+                            <p:childTnLst>
+                              <p:par>
+                                <p:cTn id="5" presetID="4" presetClass="entr" presetSubtype="16" fill="hold" grpId="0" nodeType="clickEffect">
+                                  <p:stCondLst>
+                                    <p:cond delay="0"/>
+                                  </p:stCondLst>
+                                  <p:childTnLst>
+                                    <p:set>
+                                      <p:cBhvr>
+                                        <p:cTn id="6" dur="1" fill="hold">
+                                          <p:stCondLst>
+                                            <p:cond delay="0"/>
+                                          </p:stCondLst>
+                                        </p:cTn>
+                                        <p:tgtEl>
+                                          <p:spTgt spid="13317"/>
+                                        </p:tgtEl>
+                                        <p:attrNameLst>
+                                          <p:attrName>style.visibility</p:attrName>
+                                        </p:attrNameLst>
+                                      </p:cBhvr>
+                                      <p:to>
+                                        <p:strVal val="visible"/>
+                                      </p:to>
+                                    </p:set>
+                                    <p:animEffect transition="in" filter="box(in)">
+                                      <p:cBhvr>
+                                        <p:cTn id="7" dur="500"/>
+                                        <p:tgtEl>
+                                          <p:spTgt spid="13317"/>
+                                        </p:tgtEl>
+                                      </p:cBhvr>
+                                    </p:animEffect>
+                                  </p:childTnLst>
+                                </p:cTn>
+                              </p:par>
+                            </p:childTnLst>
+                          </p:cTn>
+                        </p:par>
+                      </p:childTnLst>
+                    </p:cTn>
+                  </p:par>
+                  <p:par>
+                    <p:cTn id="8" fill="hold">
+                      <p:stCondLst>
+                        <p:cond delay="indefinite"/>
+                      </p:stCondLst>
+                      <p:childTnLst>
+                        <p:par>
+                          <p:cTn id="9" fill="hold">
+                            <p:stCondLst>
+                              <p:cond delay="0"/>
+                            </p:stCondLst>
+                            <p:childTnLst>
+                              <p:par>
+                                <p:cTn id="10" presetID="1" presetClass="entr" presetSubtype="0" fill="hold" grpId="0" nodeType="clickEffect">
+                                  <p:stCondLst>
+                                    <p:cond delay="0"/>
+                                  </p:stCondLst>
+                                  <p:childTnLst>
+                                    <p:set>
+                                      <p:cBhvr>
+                                        <p:cTn id="11" dur="1" fill="hold">
+                                          <p:stCondLst>
+                                            <p:cond delay="0"/>
+                                          </p:stCondLst>
+                                        </p:cTn>
+                                        <p:tgtEl>
+                                          <p:spTgt spid="2"/>
+                                        </p:tgtEl>
+                                        <p:attrNameLst>
+                                          <p:attrName>style.visibility</p:attrName>
+                                        </p:attrNameLst>
+                                      </p:cBhvr>
+                                      <p:to>
+                                        <p:strVal val="visible"/>
+                                      </p:to>
+                                    </p:set>
+                                  </p:childTnLst>
+                                </p:cTn>
+                              </p:par>
+                            </p:childTnLst>
+                          </p:cTn>
+                        </p:par>
+                      </p:childTnLst>
+                    </p:cTn>
+                  </p:par>
+                </p:childTnLst>
+              </p:cTn>
+              <p:prevCondLst>
+                <p:cond evt="onPrev" delay="0">
+                  <p:tgtEl>
+                    <p:sldTgt/>
+                  </p:tgtEl>
+                </p:cond>
+              </p:prevCondLst>
+              <p:nextCondLst>
+                <p:cond evt="onNext" delay="0">
+                  <p:tgtEl>
+                    <p:sldTgt/>
+                  </p:tgtEl>
+                </p:cond>
+              </p:nextCondLst>
+            </p:seq>
+          </p:childTnLst>
+        </p:cTn>
+      </p:par>
+    </p:tnLst>
+    <p:bldLst>
+      <p:bldP spid="13317" grpId="0"/>
+      <p:bldP spid="2" grpId="0"/>
+    </p:bldLst>
+  </p:timing>
+</p:sld>
+</file>
+
+<file path=ppt/slides/slide23.xml><?xml version="1.0" encoding="utf-8"?>
+<p:sld xmlns:a="http://schemas.openxmlformats.org/drawingml/2006/main" xmlns:r="http://schemas.openxmlformats.org/officeDocument/2006/relationships" xmlns:p="http://schemas.openxmlformats.org/presentationml/2006/main">
+  <p:cSld>
+    <p:spTree>
+      <p:nvGrpSpPr>
+        <p:cNvPr id="1" name=""/>
+        <p:cNvGrpSpPr/>
+        <p:nvPr/>
+      </p:nvGrpSpPr>
+      <p:grpSpPr>
+        <a:xfrm>
+          <a:off x="0" y="0"/>
+          <a:ext cx="0" cy="0"/>
+          <a:chOff x="0" y="0"/>
+          <a:chExt cx="0" cy="0"/>
+        </a:xfrm>
+      </p:grpSpPr>
+      <p:sp>
+        <p:nvSpPr>
+          <p:cNvPr id="15363" name="Rectangle 8"/>
+          <p:cNvSpPr>
+            <a:spLocks noChangeArrowheads="1"/>
+          </p:cNvSpPr>
+          <p:nvPr/>
+        </p:nvSpPr>
+        <p:spPr bwMode="auto">
+          <a:xfrm>
+            <a:off x="0" y="0"/>
+            <a:ext cx="9144000" cy="0"/>
+          </a:xfrm>
+          <a:prstGeom prst="rect">
+            <a:avLst/>
+          </a:prstGeom>
+          <a:noFill/>
+          <a:ln>
+            <a:noFill/>
+          </a:ln>
+          <a:extLst>
+            <a:ext uri="{909E8E84-426E-40DD-AFC4-6F175D3DCCD1}">
+              <a14:hiddenFill xmlns:a14="http://schemas.microsoft.com/office/drawing/2010/main">
+                <a:solidFill>
+                  <a:srgbClr val="FFFFFF"/>
+                </a:solidFill>
+              </a14:hiddenFill>
+            </a:ext>
+            <a:ext uri="{91240B29-F687-4F45-9708-019B960494DF}">
+              <a14:hiddenLine xmlns:a14="http://schemas.microsoft.com/office/drawing/2010/main" w="9525">
+                <a:solidFill>
+                  <a:srgbClr val="000000"/>
+                </a:solidFill>
+                <a:miter lim="800000"/>
+                <a:headEnd/>
+                <a:tailEnd/>
+              </a14:hiddenLine>
+            </a:ext>
+          </a:extLst>
+        </p:spPr>
+        <p:txBody>
+          <a:bodyPr wrap="none" anchor="ctr">
+            <a:spAutoFit/>
+          </a:bodyPr>
+          <a:lstStyle>
+            <a:lvl1pPr eaLnBrk="0" hangingPunct="0">
+              <a:defRPr sz="2400">
+                <a:solidFill>
+                  <a:schemeClr val="tx1"/>
+                </a:solidFill>
+                <a:latin typeface="Times New Roman" pitchFamily="18" charset="0"/>
+              </a:defRPr>
+            </a:lvl1pPr>
+            <a:lvl2pPr marL="742950" indent="-285750" eaLnBrk="0" hangingPunct="0">
+              <a:defRPr sz="2400">
+                <a:solidFill>
+                  <a:schemeClr val="tx1"/>
+                </a:solidFill>
+                <a:latin typeface="Times New Roman" pitchFamily="18" charset="0"/>
+              </a:defRPr>
+            </a:lvl2pPr>
+            <a:lvl3pPr marL="1143000" indent="-228600" eaLnBrk="0" hangingPunct="0">
+              <a:defRPr sz="2400">
+                <a:solidFill>
+                  <a:schemeClr val="tx1"/>
+                </a:solidFill>
+                <a:latin typeface="Times New Roman" pitchFamily="18" charset="0"/>
+              </a:defRPr>
+            </a:lvl3pPr>
+            <a:lvl4pPr marL="1600200" indent="-228600" eaLnBrk="0" hangingPunct="0">
+              <a:defRPr sz="2400">
+                <a:solidFill>
+                  <a:schemeClr val="tx1"/>
+                </a:solidFill>
+                <a:latin typeface="Times New Roman" pitchFamily="18" charset="0"/>
+              </a:defRPr>
+            </a:lvl4pPr>
+            <a:lvl5pPr marL="2057400" indent="-228600" eaLnBrk="0" hangingPunct="0">
+              <a:defRPr sz="2400">
+                <a:solidFill>
+                  <a:schemeClr val="tx1"/>
+                </a:solidFill>
+                <a:latin typeface="Times New Roman" pitchFamily="18" charset="0"/>
+              </a:defRPr>
+            </a:lvl5pPr>
+            <a:lvl6pPr marL="2514600" indent="-228600" eaLnBrk="0" fontAlgn="base" hangingPunct="0">
+              <a:spcBef>
+                <a:spcPct val="0"/>
+              </a:spcBef>
+              <a:spcAft>
+                <a:spcPct val="0"/>
+              </a:spcAft>
+              <a:defRPr sz="2400">
+                <a:solidFill>
+                  <a:schemeClr val="tx1"/>
+                </a:solidFill>
+                <a:latin typeface="Times New Roman" pitchFamily="18" charset="0"/>
+              </a:defRPr>
+            </a:lvl6pPr>
+            <a:lvl7pPr marL="2971800" indent="-228600" eaLnBrk="0" fontAlgn="base" hangingPunct="0">
+              <a:spcBef>
+                <a:spcPct val="0"/>
+              </a:spcBef>
+              <a:spcAft>
+                <a:spcPct val="0"/>
+              </a:spcAft>
+              <a:defRPr sz="2400">
+                <a:solidFill>
+                  <a:schemeClr val="tx1"/>
+                </a:solidFill>
+                <a:latin typeface="Times New Roman" pitchFamily="18" charset="0"/>
+              </a:defRPr>
+            </a:lvl7pPr>
+            <a:lvl8pPr marL="3429000" indent="-228600" eaLnBrk="0" fontAlgn="base" hangingPunct="0">
+              <a:spcBef>
+                <a:spcPct val="0"/>
+              </a:spcBef>
+              <a:spcAft>
+                <a:spcPct val="0"/>
+              </a:spcAft>
+              <a:defRPr sz="2400">
+                <a:solidFill>
+                  <a:schemeClr val="tx1"/>
+                </a:solidFill>
+                <a:latin typeface="Times New Roman" pitchFamily="18" charset="0"/>
+              </a:defRPr>
+            </a:lvl8pPr>
+            <a:lvl9pPr marL="3886200" indent="-228600" eaLnBrk="0" fontAlgn="base" hangingPunct="0">
+              <a:spcBef>
+                <a:spcPct val="0"/>
+              </a:spcBef>
+              <a:spcAft>
+                <a:spcPct val="0"/>
+              </a:spcAft>
+              <a:defRPr sz="2400">
+                <a:solidFill>
+                  <a:schemeClr val="tx1"/>
+                </a:solidFill>
+                <a:latin typeface="Times New Roman" pitchFamily="18" charset="0"/>
+              </a:defRPr>
+            </a:lvl9pPr>
+          </a:lstStyle>
+          <a:p>
+            <a:endParaRPr lang="es-MX" altLang="es-MX"/>
+          </a:p>
+        </p:txBody>
+      </p:sp>
+      <p:sp>
+        <p:nvSpPr>
+          <p:cNvPr id="15364" name="7 CuadroTexto"/>
+          <p:cNvSpPr txBox="1">
+            <a:spLocks noChangeArrowheads="1"/>
+          </p:cNvSpPr>
+          <p:nvPr/>
+        </p:nvSpPr>
+        <p:spPr bwMode="auto">
+          <a:xfrm>
+            <a:off x="611560" y="1293914"/>
+            <a:ext cx="7429500" cy="464871"/>
+          </a:xfrm>
+          <a:prstGeom prst="rect">
+            <a:avLst/>
+          </a:prstGeom>
+          <a:noFill/>
+          <a:ln>
+            <a:noFill/>
+          </a:ln>
+          <a:extLst>
+            <a:ext uri="{909E8E84-426E-40DD-AFC4-6F175D3DCCD1}">
+              <a14:hiddenFill xmlns:a14="http://schemas.microsoft.com/office/drawing/2010/main">
+                <a:solidFill>
+                  <a:srgbClr val="FFFFFF"/>
+                </a:solidFill>
+              </a14:hiddenFill>
+            </a:ext>
+            <a:ext uri="{91240B29-F687-4F45-9708-019B960494DF}">
+              <a14:hiddenLine xmlns:a14="http://schemas.microsoft.com/office/drawing/2010/main" w="9525">
+                <a:solidFill>
+                  <a:srgbClr val="000000"/>
+                </a:solidFill>
+                <a:miter lim="800000"/>
+                <a:headEnd/>
+                <a:tailEnd/>
+              </a14:hiddenLine>
+            </a:ext>
+          </a:extLst>
+        </p:spPr>
+        <p:txBody>
+          <a:bodyPr>
+            <a:spAutoFit/>
+          </a:bodyPr>
+          <a:lstStyle>
+            <a:lvl1pPr eaLnBrk="0" hangingPunct="0">
+              <a:defRPr sz="2400">
+                <a:solidFill>
+                  <a:schemeClr val="tx1"/>
+                </a:solidFill>
+                <a:latin typeface="Times New Roman" pitchFamily="18" charset="0"/>
+              </a:defRPr>
+            </a:lvl1pPr>
+            <a:lvl2pPr marL="742950" indent="-285750" eaLnBrk="0" hangingPunct="0">
+              <a:defRPr sz="2400">
+                <a:solidFill>
+                  <a:schemeClr val="tx1"/>
+                </a:solidFill>
+                <a:latin typeface="Times New Roman" pitchFamily="18" charset="0"/>
+              </a:defRPr>
+            </a:lvl2pPr>
+            <a:lvl3pPr marL="1143000" indent="-228600" eaLnBrk="0" hangingPunct="0">
+              <a:defRPr sz="2400">
+                <a:solidFill>
+                  <a:schemeClr val="tx1"/>
+                </a:solidFill>
+                <a:latin typeface="Times New Roman" pitchFamily="18" charset="0"/>
+              </a:defRPr>
+            </a:lvl3pPr>
+            <a:lvl4pPr marL="1600200" indent="-228600" eaLnBrk="0" hangingPunct="0">
+              <a:defRPr sz="2400">
+                <a:solidFill>
+                  <a:schemeClr val="tx1"/>
+                </a:solidFill>
+                <a:latin typeface="Times New Roman" pitchFamily="18" charset="0"/>
+              </a:defRPr>
+            </a:lvl4pPr>
+            <a:lvl5pPr marL="2057400" indent="-228600" eaLnBrk="0" hangingPunct="0">
+              <a:defRPr sz="2400">
+                <a:solidFill>
+                  <a:schemeClr val="tx1"/>
+                </a:solidFill>
+                <a:latin typeface="Times New Roman" pitchFamily="18" charset="0"/>
+              </a:defRPr>
+            </a:lvl5pPr>
+            <a:lvl6pPr marL="2514600" indent="-228600" eaLnBrk="0" fontAlgn="base" hangingPunct="0">
+              <a:spcBef>
+                <a:spcPct val="0"/>
+              </a:spcBef>
+              <a:spcAft>
+                <a:spcPct val="0"/>
+              </a:spcAft>
+              <a:defRPr sz="2400">
+                <a:solidFill>
+                  <a:schemeClr val="tx1"/>
+                </a:solidFill>
+                <a:latin typeface="Times New Roman" pitchFamily="18" charset="0"/>
+              </a:defRPr>
+            </a:lvl6pPr>
+            <a:lvl7pPr marL="2971800" indent="-228600" eaLnBrk="0" fontAlgn="base" hangingPunct="0">
+              <a:spcBef>
+                <a:spcPct val="0"/>
+              </a:spcBef>
+              <a:spcAft>
+                <a:spcPct val="0"/>
+              </a:spcAft>
+              <a:defRPr sz="2400">
+                <a:solidFill>
+                  <a:schemeClr val="tx1"/>
+                </a:solidFill>
+                <a:latin typeface="Times New Roman" pitchFamily="18" charset="0"/>
+              </a:defRPr>
+            </a:lvl7pPr>
+            <a:lvl8pPr marL="3429000" indent="-228600" eaLnBrk="0" fontAlgn="base" hangingPunct="0">
+              <a:spcBef>
+                <a:spcPct val="0"/>
+              </a:spcBef>
+              <a:spcAft>
+                <a:spcPct val="0"/>
+              </a:spcAft>
+              <a:defRPr sz="2400">
+                <a:solidFill>
+                  <a:schemeClr val="tx1"/>
+                </a:solidFill>
+                <a:latin typeface="Times New Roman" pitchFamily="18" charset="0"/>
+              </a:defRPr>
+            </a:lvl8pPr>
+            <a:lvl9pPr marL="3886200" indent="-228600" eaLnBrk="0" fontAlgn="base" hangingPunct="0">
+              <a:spcBef>
+                <a:spcPct val="0"/>
+              </a:spcBef>
+              <a:spcAft>
+                <a:spcPct val="0"/>
+              </a:spcAft>
+              <a:defRPr sz="2400">
+                <a:solidFill>
+                  <a:schemeClr val="tx1"/>
+                </a:solidFill>
+                <a:latin typeface="Times New Roman" pitchFamily="18" charset="0"/>
+              </a:defRPr>
+            </a:lvl9pPr>
+          </a:lstStyle>
+          <a:p>
+            <a:pPr algn="just">
+              <a:lnSpc>
+                <a:spcPct val="150000"/>
+              </a:lnSpc>
+            </a:pPr>
+            <a:r>
+              <a:rPr lang="es-MX" altLang="es-MX" sz="1800" b="1" dirty="0">
+                <a:solidFill>
+                  <a:schemeClr val="accent5">
+                    <a:lumMod val="75000"/>
+                  </a:schemeClr>
+                </a:solidFill>
+                <a:latin typeface="ZapfHumnst BT"/>
+              </a:rPr>
+              <a:t>PSK</a:t>
+            </a:r>
+            <a:r>
+              <a:rPr lang="es-MX" altLang="es-MX" sz="1800" dirty="0">
+                <a:solidFill>
+                  <a:schemeClr val="accent5">
+                    <a:lumMod val="75000"/>
+                  </a:schemeClr>
+                </a:solidFill>
+                <a:latin typeface="ZapfHumnst BT"/>
+              </a:rPr>
+              <a:t> (Modulación por desplazamiento de fase)</a:t>
+            </a:r>
+          </a:p>
+        </p:txBody>
+      </p:sp>
+      <p:sp>
+        <p:nvSpPr>
+          <p:cNvPr id="15365" name="16 Rectángulo"/>
+          <p:cNvSpPr>
+            <a:spLocks noChangeArrowheads="1"/>
+          </p:cNvSpPr>
+          <p:nvPr/>
+        </p:nvSpPr>
+        <p:spPr bwMode="auto">
+          <a:xfrm>
+            <a:off x="587118" y="1774479"/>
+            <a:ext cx="7929563" cy="792781"/>
+          </a:xfrm>
+          <a:prstGeom prst="rect">
+            <a:avLst/>
+          </a:prstGeom>
+          <a:noFill/>
+          <a:ln>
+            <a:noFill/>
+          </a:ln>
+          <a:extLst>
+            <a:ext uri="{909E8E84-426E-40DD-AFC4-6F175D3DCCD1}">
+              <a14:hiddenFill xmlns:a14="http://schemas.microsoft.com/office/drawing/2010/main">
+                <a:solidFill>
+                  <a:srgbClr val="FFFFFF"/>
+                </a:solidFill>
+              </a14:hiddenFill>
+            </a:ext>
+            <a:ext uri="{91240B29-F687-4F45-9708-019B960494DF}">
+              <a14:hiddenLine xmlns:a14="http://schemas.microsoft.com/office/drawing/2010/main" w="9525">
+                <a:solidFill>
+                  <a:srgbClr val="000000"/>
+                </a:solidFill>
+                <a:miter lim="800000"/>
+                <a:headEnd/>
+                <a:tailEnd/>
+              </a14:hiddenLine>
+            </a:ext>
+          </a:extLst>
+        </p:spPr>
+        <p:txBody>
+          <a:bodyPr wrap="square">
+            <a:spAutoFit/>
+          </a:bodyPr>
+          <a:lstStyle>
+            <a:lvl1pPr eaLnBrk="0" hangingPunct="0">
+              <a:defRPr sz="2400">
+                <a:solidFill>
+                  <a:schemeClr val="tx1"/>
+                </a:solidFill>
+                <a:latin typeface="Times New Roman" pitchFamily="18" charset="0"/>
+              </a:defRPr>
+            </a:lvl1pPr>
+            <a:lvl2pPr marL="742950" indent="-285750" eaLnBrk="0" hangingPunct="0">
+              <a:defRPr sz="2400">
+                <a:solidFill>
+                  <a:schemeClr val="tx1"/>
+                </a:solidFill>
+                <a:latin typeface="Times New Roman" pitchFamily="18" charset="0"/>
+              </a:defRPr>
+            </a:lvl2pPr>
+            <a:lvl3pPr marL="1143000" indent="-228600" eaLnBrk="0" hangingPunct="0">
+              <a:defRPr sz="2400">
+                <a:solidFill>
+                  <a:schemeClr val="tx1"/>
+                </a:solidFill>
+                <a:latin typeface="Times New Roman" pitchFamily="18" charset="0"/>
+              </a:defRPr>
+            </a:lvl3pPr>
+            <a:lvl4pPr marL="1600200" indent="-228600" eaLnBrk="0" hangingPunct="0">
+              <a:defRPr sz="2400">
+                <a:solidFill>
+                  <a:schemeClr val="tx1"/>
+                </a:solidFill>
+                <a:latin typeface="Times New Roman" pitchFamily="18" charset="0"/>
+              </a:defRPr>
+            </a:lvl4pPr>
+            <a:lvl5pPr marL="2057400" indent="-228600" eaLnBrk="0" hangingPunct="0">
+              <a:defRPr sz="2400">
+                <a:solidFill>
+                  <a:schemeClr val="tx1"/>
+                </a:solidFill>
+                <a:latin typeface="Times New Roman" pitchFamily="18" charset="0"/>
+              </a:defRPr>
+            </a:lvl5pPr>
+            <a:lvl6pPr marL="2514600" indent="-228600" eaLnBrk="0" fontAlgn="base" hangingPunct="0">
+              <a:spcBef>
+                <a:spcPct val="0"/>
+              </a:spcBef>
+              <a:spcAft>
+                <a:spcPct val="0"/>
+              </a:spcAft>
+              <a:defRPr sz="2400">
+                <a:solidFill>
+                  <a:schemeClr val="tx1"/>
+                </a:solidFill>
+                <a:latin typeface="Times New Roman" pitchFamily="18" charset="0"/>
+              </a:defRPr>
+            </a:lvl6pPr>
+            <a:lvl7pPr marL="2971800" indent="-228600" eaLnBrk="0" fontAlgn="base" hangingPunct="0">
+              <a:spcBef>
+                <a:spcPct val="0"/>
+              </a:spcBef>
+              <a:spcAft>
+                <a:spcPct val="0"/>
+              </a:spcAft>
+              <a:defRPr sz="2400">
+                <a:solidFill>
+                  <a:schemeClr val="tx1"/>
+                </a:solidFill>
+                <a:latin typeface="Times New Roman" pitchFamily="18" charset="0"/>
+              </a:defRPr>
+            </a:lvl7pPr>
+            <a:lvl8pPr marL="3429000" indent="-228600" eaLnBrk="0" fontAlgn="base" hangingPunct="0">
+              <a:spcBef>
+                <a:spcPct val="0"/>
+              </a:spcBef>
+              <a:spcAft>
+                <a:spcPct val="0"/>
+              </a:spcAft>
+              <a:defRPr sz="2400">
+                <a:solidFill>
+                  <a:schemeClr val="tx1"/>
+                </a:solidFill>
+                <a:latin typeface="Times New Roman" pitchFamily="18" charset="0"/>
+              </a:defRPr>
+            </a:lvl8pPr>
+            <a:lvl9pPr marL="3886200" indent="-228600" eaLnBrk="0" fontAlgn="base" hangingPunct="0">
+              <a:spcBef>
+                <a:spcPct val="0"/>
+              </a:spcBef>
+              <a:spcAft>
+                <a:spcPct val="0"/>
+              </a:spcAft>
+              <a:defRPr sz="2400">
+                <a:solidFill>
+                  <a:schemeClr val="tx1"/>
+                </a:solidFill>
+                <a:latin typeface="Times New Roman" pitchFamily="18" charset="0"/>
+              </a:defRPr>
+            </a:lvl9pPr>
+          </a:lstStyle>
+          <a:p>
+            <a:pPr algn="just">
+              <a:lnSpc>
+                <a:spcPct val="150000"/>
+              </a:lnSpc>
+            </a:pPr>
+            <a:r>
+              <a:rPr lang="es-MX" altLang="es-MX" sz="1600" dirty="0">
+                <a:solidFill>
+                  <a:schemeClr val="bg2">
+                    <a:lumMod val="25000"/>
+                  </a:schemeClr>
+                </a:solidFill>
+                <a:latin typeface="ZapfHumnst BT"/>
+              </a:rPr>
+              <a:t>Es una forma de modulación consistente en hacer variar la </a:t>
+            </a:r>
+            <a:r>
+              <a:rPr lang="es-MX" altLang="es-MX" sz="1600" b="1" dirty="0">
+                <a:solidFill>
+                  <a:schemeClr val="bg2">
+                    <a:lumMod val="25000"/>
+                  </a:schemeClr>
+                </a:solidFill>
+                <a:latin typeface="ZapfHumnst BT"/>
+              </a:rPr>
+              <a:t>fase</a:t>
+            </a:r>
+            <a:r>
+              <a:rPr lang="es-MX" altLang="es-MX" sz="1600" dirty="0">
+                <a:solidFill>
+                  <a:schemeClr val="bg2">
+                    <a:lumMod val="25000"/>
+                  </a:schemeClr>
+                </a:solidFill>
+                <a:latin typeface="ZapfHumnst BT"/>
+              </a:rPr>
+              <a:t> de la portadora. La fase de la señal portadora </a:t>
+            </a:r>
+            <a:r>
+              <a:rPr lang="es-ES" altLang="es-MX" sz="1600" dirty="0">
+                <a:solidFill>
+                  <a:schemeClr val="bg2">
+                    <a:lumMod val="25000"/>
+                  </a:schemeClr>
+                </a:solidFill>
+                <a:latin typeface="ZapfHumnst BT"/>
+              </a:rPr>
+              <a:t>varía, manteniendo la </a:t>
+            </a:r>
+            <a:r>
+              <a:rPr lang="es-ES" altLang="es-MX" sz="1600" b="1" dirty="0">
+                <a:solidFill>
+                  <a:schemeClr val="bg2">
+                    <a:lumMod val="25000"/>
+                  </a:schemeClr>
+                </a:solidFill>
+                <a:latin typeface="ZapfHumnst BT"/>
+              </a:rPr>
+              <a:t>amplitud</a:t>
+            </a:r>
+            <a:r>
+              <a:rPr lang="es-ES" altLang="es-MX" sz="1600" dirty="0">
+                <a:solidFill>
+                  <a:schemeClr val="bg2">
+                    <a:lumMod val="25000"/>
+                  </a:schemeClr>
+                </a:solidFill>
+                <a:latin typeface="ZapfHumnst BT"/>
+              </a:rPr>
+              <a:t> y la </a:t>
+            </a:r>
+            <a:r>
+              <a:rPr lang="es-ES" altLang="es-MX" sz="1600" b="1" dirty="0">
+                <a:solidFill>
+                  <a:schemeClr val="bg2">
+                    <a:lumMod val="25000"/>
+                  </a:schemeClr>
+                </a:solidFill>
+                <a:latin typeface="ZapfHumnst BT"/>
+              </a:rPr>
+              <a:t>frecuencia</a:t>
+            </a:r>
+            <a:r>
+              <a:rPr lang="es-ES" altLang="es-MX" sz="1600" dirty="0">
+                <a:solidFill>
+                  <a:schemeClr val="bg2">
+                    <a:lumMod val="25000"/>
+                  </a:schemeClr>
+                </a:solidFill>
+                <a:latin typeface="ZapfHumnst BT"/>
+              </a:rPr>
+              <a:t> constantes. </a:t>
+            </a:r>
+            <a:endParaRPr lang="es-MX" altLang="es-MX" sz="1600" dirty="0">
+              <a:solidFill>
+                <a:schemeClr val="bg2">
+                  <a:lumMod val="25000"/>
+                </a:schemeClr>
+              </a:solidFill>
+              <a:latin typeface="ZapfHumnst BT"/>
+            </a:endParaRPr>
+          </a:p>
+        </p:txBody>
+      </p:sp>
+      <p:pic>
+        <p:nvPicPr>
+          <p:cNvPr id="15366" name="Picture 2"/>
+          <p:cNvPicPr>
+            <a:picLocks noChangeAspect="1" noChangeArrowheads="1"/>
+          </p:cNvPicPr>
+          <p:nvPr/>
+        </p:nvPicPr>
+        <p:blipFill>
+          <a:blip r:embed="rId3">
+            <a:extLst>
+              <a:ext uri="{28A0092B-C50C-407E-A947-70E740481C1C}">
+                <a14:useLocalDpi xmlns:a14="http://schemas.microsoft.com/office/drawing/2010/main" val="0"/>
+              </a:ext>
+            </a:extLst>
+          </a:blip>
+          <a:srcRect/>
+          <a:stretch>
+            <a:fillRect/>
+          </a:stretch>
+        </p:blipFill>
+        <p:spPr bwMode="auto">
+          <a:xfrm>
+            <a:off x="1327150" y="2892425"/>
+            <a:ext cx="5745163" cy="1965325"/>
+          </a:xfrm>
+          <a:prstGeom prst="rect">
+            <a:avLst/>
+          </a:prstGeom>
+          <a:noFill/>
+          <a:ln>
+            <a:noFill/>
+          </a:ln>
+          <a:extLst>
+            <a:ext uri="{909E8E84-426E-40DD-AFC4-6F175D3DCCD1}">
+              <a14:hiddenFill xmlns:a14="http://schemas.microsoft.com/office/drawing/2010/main">
+                <a:solidFill>
+                  <a:srgbClr val="FFFFFF"/>
+                </a:solidFill>
+              </a14:hiddenFill>
+            </a:ext>
+            <a:ext uri="{91240B29-F687-4F45-9708-019B960494DF}">
+              <a14:hiddenLine xmlns:a14="http://schemas.microsoft.com/office/drawing/2010/main" w="9525">
+                <a:solidFill>
+                  <a:srgbClr val="000000"/>
+                </a:solidFill>
+                <a:miter lim="800000"/>
+                <a:headEnd/>
+                <a:tailEnd/>
+              </a14:hiddenLine>
+            </a:ext>
+          </a:extLst>
+        </p:spPr>
+      </p:pic>
+      <p:pic>
+        <p:nvPicPr>
+          <p:cNvPr id="15367" name="Picture 10"/>
+          <p:cNvPicPr>
+            <a:picLocks noChangeAspect="1" noChangeArrowheads="1"/>
+          </p:cNvPicPr>
+          <p:nvPr/>
+        </p:nvPicPr>
+        <p:blipFill>
+          <a:blip r:embed="rId4">
+            <a:extLst>
+              <a:ext uri="{28A0092B-C50C-407E-A947-70E740481C1C}">
+                <a14:useLocalDpi xmlns:a14="http://schemas.microsoft.com/office/drawing/2010/main" val="0"/>
+              </a:ext>
+            </a:extLst>
+          </a:blip>
+          <a:srcRect/>
+          <a:stretch>
+            <a:fillRect/>
+          </a:stretch>
+        </p:blipFill>
+        <p:spPr bwMode="auto">
+          <a:xfrm>
+            <a:off x="1320800" y="4651375"/>
+            <a:ext cx="2751138" cy="1920875"/>
+          </a:xfrm>
+          <a:prstGeom prst="rect">
+            <a:avLst/>
+          </a:prstGeom>
+          <a:noFill/>
+          <a:ln>
+            <a:noFill/>
+          </a:ln>
+          <a:extLst>
+            <a:ext uri="{909E8E84-426E-40DD-AFC4-6F175D3DCCD1}">
+              <a14:hiddenFill xmlns:a14="http://schemas.microsoft.com/office/drawing/2010/main">
+                <a:solidFill>
+                  <a:srgbClr val="FFFFFF"/>
+                </a:solidFill>
+              </a14:hiddenFill>
+            </a:ext>
+            <a:ext uri="{91240B29-F687-4F45-9708-019B960494DF}">
+              <a14:hiddenLine xmlns:a14="http://schemas.microsoft.com/office/drawing/2010/main" w="9525">
+                <a:solidFill>
+                  <a:srgbClr val="000000"/>
+                </a:solidFill>
+                <a:miter lim="800000"/>
+                <a:headEnd/>
+                <a:tailEnd/>
+              </a14:hiddenLine>
+            </a:ext>
+          </a:extLst>
+        </p:spPr>
+      </p:pic>
+      <p:sp>
+        <p:nvSpPr>
+          <p:cNvPr id="2" name="Text Box 5">
+            <a:extLst>
+              <a:ext uri="{FF2B5EF4-FFF2-40B4-BE49-F238E27FC236}">
+                <a16:creationId xmlns:a16="http://schemas.microsoft.com/office/drawing/2014/main" id="{7A04161C-F0F4-99B4-B489-CC2AC9F9AEED}"/>
+              </a:ext>
+            </a:extLst>
+          </p:cNvPr>
+          <p:cNvSpPr txBox="1">
+            <a:spLocks noChangeArrowheads="1"/>
+          </p:cNvSpPr>
+          <p:nvPr/>
+        </p:nvSpPr>
+        <p:spPr bwMode="auto">
+          <a:xfrm>
+            <a:off x="2015716" y="655191"/>
+            <a:ext cx="5112568" cy="568745"/>
+          </a:xfrm>
+          <a:prstGeom prst="rect">
+            <a:avLst/>
+          </a:prstGeom>
+          <a:noFill/>
+          <a:ln>
+            <a:noFill/>
+          </a:ln>
+          <a:extLst>
+            <a:ext uri="{909E8E84-426E-40DD-AFC4-6F175D3DCCD1}">
+              <a14:hiddenFill xmlns:a14="http://schemas.microsoft.com/office/drawing/2010/main">
+                <a:solidFill>
+                  <a:srgbClr val="FFFFFF"/>
+                </a:solidFill>
+              </a14:hiddenFill>
+            </a:ext>
+            <a:ext uri="{91240B29-F687-4F45-9708-019B960494DF}">
+              <a14:hiddenLine xmlns:a14="http://schemas.microsoft.com/office/drawing/2010/main" w="9525">
+                <a:solidFill>
+                  <a:srgbClr val="000000"/>
+                </a:solidFill>
+                <a:miter lim="800000"/>
+                <a:headEnd/>
+                <a:tailEnd/>
+              </a14:hiddenLine>
+            </a:ext>
+          </a:extLst>
+        </p:spPr>
+        <p:txBody>
+          <a:bodyPr wrap="square">
+            <a:spAutoFit/>
+          </a:bodyPr>
+          <a:lstStyle>
+            <a:lvl1pPr eaLnBrk="0" hangingPunct="0">
+              <a:defRPr sz="2400">
+                <a:solidFill>
+                  <a:schemeClr val="tx1"/>
+                </a:solidFill>
+                <a:latin typeface="Times New Roman" pitchFamily="18" charset="0"/>
+              </a:defRPr>
+            </a:lvl1pPr>
+            <a:lvl2pPr marL="742950" indent="-285750" eaLnBrk="0" hangingPunct="0">
+              <a:defRPr sz="2400">
+                <a:solidFill>
+                  <a:schemeClr val="tx1"/>
+                </a:solidFill>
+                <a:latin typeface="Times New Roman" pitchFamily="18" charset="0"/>
+              </a:defRPr>
+            </a:lvl2pPr>
+            <a:lvl3pPr marL="1143000" indent="-228600" eaLnBrk="0" hangingPunct="0">
+              <a:defRPr sz="2400">
+                <a:solidFill>
+                  <a:schemeClr val="tx1"/>
+                </a:solidFill>
+                <a:latin typeface="Times New Roman" pitchFamily="18" charset="0"/>
+              </a:defRPr>
+            </a:lvl3pPr>
+            <a:lvl4pPr marL="1600200" indent="-228600" eaLnBrk="0" hangingPunct="0">
+              <a:defRPr sz="2400">
+                <a:solidFill>
+                  <a:schemeClr val="tx1"/>
+                </a:solidFill>
+                <a:latin typeface="Times New Roman" pitchFamily="18" charset="0"/>
+              </a:defRPr>
+            </a:lvl4pPr>
+            <a:lvl5pPr marL="2057400" indent="-228600" eaLnBrk="0" hangingPunct="0">
+              <a:defRPr sz="2400">
+                <a:solidFill>
+                  <a:schemeClr val="tx1"/>
+                </a:solidFill>
+                <a:latin typeface="Times New Roman" pitchFamily="18" charset="0"/>
+              </a:defRPr>
+            </a:lvl5pPr>
+            <a:lvl6pPr marL="2514600" indent="-228600" eaLnBrk="0" fontAlgn="base" hangingPunct="0">
+              <a:spcBef>
+                <a:spcPct val="0"/>
+              </a:spcBef>
+              <a:spcAft>
+                <a:spcPct val="0"/>
+              </a:spcAft>
+              <a:defRPr sz="2400">
+                <a:solidFill>
+                  <a:schemeClr val="tx1"/>
+                </a:solidFill>
+                <a:latin typeface="Times New Roman" pitchFamily="18" charset="0"/>
+              </a:defRPr>
+            </a:lvl6pPr>
+            <a:lvl7pPr marL="2971800" indent="-228600" eaLnBrk="0" fontAlgn="base" hangingPunct="0">
+              <a:spcBef>
+                <a:spcPct val="0"/>
+              </a:spcBef>
+              <a:spcAft>
+                <a:spcPct val="0"/>
+              </a:spcAft>
+              <a:defRPr sz="2400">
+                <a:solidFill>
+                  <a:schemeClr val="tx1"/>
+                </a:solidFill>
+                <a:latin typeface="Times New Roman" pitchFamily="18" charset="0"/>
+              </a:defRPr>
+            </a:lvl7pPr>
+            <a:lvl8pPr marL="3429000" indent="-228600" eaLnBrk="0" fontAlgn="base" hangingPunct="0">
+              <a:spcBef>
+                <a:spcPct val="0"/>
+              </a:spcBef>
+              <a:spcAft>
+                <a:spcPct val="0"/>
+              </a:spcAft>
+              <a:defRPr sz="2400">
+                <a:solidFill>
+                  <a:schemeClr val="tx1"/>
+                </a:solidFill>
+                <a:latin typeface="Times New Roman" pitchFamily="18" charset="0"/>
+              </a:defRPr>
+            </a:lvl8pPr>
+            <a:lvl9pPr marL="3886200" indent="-228600" eaLnBrk="0" fontAlgn="base" hangingPunct="0">
+              <a:spcBef>
+                <a:spcPct val="0"/>
+              </a:spcBef>
+              <a:spcAft>
+                <a:spcPct val="0"/>
+              </a:spcAft>
+              <a:defRPr sz="2400">
+                <a:solidFill>
+                  <a:schemeClr val="tx1"/>
+                </a:solidFill>
+                <a:latin typeface="Times New Roman" pitchFamily="18" charset="0"/>
+              </a:defRPr>
+            </a:lvl9pPr>
+          </a:lstStyle>
+          <a:p>
+            <a:pPr algn="ctr">
+              <a:lnSpc>
+                <a:spcPct val="200000"/>
+              </a:lnSpc>
+              <a:spcBef>
+                <a:spcPct val="50000"/>
+              </a:spcBef>
+            </a:pPr>
+            <a:r>
+              <a:rPr lang="es-MX" sz="1800" b="1" dirty="0">
+                <a:solidFill>
+                  <a:schemeClr val="accent6">
+                    <a:lumMod val="75000"/>
+                  </a:schemeClr>
+                </a:solidFill>
+                <a:latin typeface="ZapfHumnst BT"/>
+              </a:rPr>
+              <a:t>Ondas Electromagnéticas</a:t>
+            </a:r>
+            <a:endParaRPr lang="es-MX" sz="1800" dirty="0">
+              <a:solidFill>
+                <a:schemeClr val="accent6">
+                  <a:lumMod val="75000"/>
+                </a:schemeClr>
+              </a:solidFill>
+              <a:latin typeface="ZapfHumnst BT"/>
+            </a:endParaRPr>
+          </a:p>
+        </p:txBody>
+      </p:sp>
+      <p:sp>
+        <p:nvSpPr>
+          <p:cNvPr id="3" name="Rectangle 2">
+            <a:extLst>
+              <a:ext uri="{FF2B5EF4-FFF2-40B4-BE49-F238E27FC236}">
+                <a16:creationId xmlns:a16="http://schemas.microsoft.com/office/drawing/2014/main" id="{5EABDBB6-361C-12DF-1021-2C1192F0B7A4}"/>
+              </a:ext>
+            </a:extLst>
+          </p:cNvPr>
+          <p:cNvSpPr txBox="1">
+            <a:spLocks noChangeArrowheads="1"/>
+          </p:cNvSpPr>
+          <p:nvPr/>
+        </p:nvSpPr>
+        <p:spPr>
+          <a:xfrm>
+            <a:off x="107504" y="-27384"/>
+            <a:ext cx="8964488" cy="1143000"/>
+          </a:xfrm>
+          <a:prstGeom prst="rect">
+            <a:avLst/>
+          </a:prstGeom>
+        </p:spPr>
+        <p:txBody>
+          <a:bodyPr vert="horz" lIns="92075" tIns="46038" rIns="92075" bIns="46038" rtlCol="0" anchor="ctr">
+            <a:noAutofit/>
+          </a:bodyPr>
+          <a:lstStyle>
+            <a:lvl1pPr algn="ctr" defTabSz="914400" rtl="0" eaLnBrk="1" latinLnBrk="0" hangingPunct="1">
+              <a:spcBef>
+                <a:spcPct val="0"/>
+              </a:spcBef>
+              <a:buNone/>
+              <a:defRPr sz="4400" kern="1200">
+                <a:solidFill>
+                  <a:schemeClr val="tx1"/>
+                </a:solidFill>
+                <a:latin typeface="+mj-lt"/>
+                <a:ea typeface="+mj-ea"/>
+                <a:cs typeface="+mj-cs"/>
+              </a:defRPr>
+            </a:lvl1pPr>
+          </a:lstStyle>
+          <a:p>
+            <a:pPr>
+              <a:defRPr/>
+            </a:pPr>
+            <a:r>
+              <a:rPr lang="es-ES_tradnl" sz="3200" dirty="0">
+                <a:solidFill>
+                  <a:srgbClr val="3333CC"/>
+                </a:solidFill>
+                <a:effectLst>
+                  <a:outerShdw blurRad="38100" dist="38100" dir="2700000" algn="tl">
+                    <a:srgbClr val="C0C0C0"/>
+                  </a:outerShdw>
+                </a:effectLst>
+                <a:latin typeface="Dom Casual" charset="0"/>
+              </a:rPr>
+              <a:t> </a:t>
+            </a:r>
+            <a:r>
+              <a:rPr lang="es-ES_tradnl" sz="3200" b="1" dirty="0">
+                <a:solidFill>
+                  <a:schemeClr val="accent4">
+                    <a:lumMod val="50000"/>
+                  </a:schemeClr>
+                </a:solidFill>
+                <a:effectLst>
+                  <a:outerShdw blurRad="38100" dist="38100" dir="2700000" algn="tl">
+                    <a:srgbClr val="C0C0C0"/>
+                  </a:outerShdw>
+                </a:effectLst>
+                <a:latin typeface="Dom Casual" charset="0"/>
+              </a:rPr>
+              <a:t>Medios inalámbricos</a:t>
+            </a:r>
+          </a:p>
+        </p:txBody>
+      </p:sp>
+    </p:spTree>
+    <p:extLst>
+      <p:ext uri="{BB962C8B-B14F-4D97-AF65-F5344CB8AC3E}">
+        <p14:creationId xmlns:p14="http://schemas.microsoft.com/office/powerpoint/2010/main" val="3173294487"/>
+      </p:ext>
+    </p:extLst>
+  </p:cSld>
+  <p:clrMapOvr>
+    <a:masterClrMapping/>
+  </p:clrMapOvr>
+  <p:timing>
+    <p:tnLst>
+      <p:par>
+        <p:cTn id="1" dur="indefinite" restart="never" nodeType="tmRoot">
+          <p:childTnLst>
+            <p:seq concurrent="1" nextAc="seek">
+              <p:cTn id="2" dur="indefinite" nodeType="mainSeq">
+                <p:childTnLst>
+                  <p:par>
+                    <p:cTn id="3" fill="hold" nodeType="clickPar">
+                      <p:stCondLst>
+                        <p:cond delay="indefinite"/>
+                      </p:stCondLst>
+                      <p:childTnLst>
+                        <p:par>
+                          <p:cTn id="4" fill="hold" nodeType="withGroup">
+                            <p:stCondLst>
+                              <p:cond delay="0"/>
+                            </p:stCondLst>
+                            <p:childTnLst>
+                              <p:par>
+                                <p:cTn id="5" presetID="4" presetClass="entr" presetSubtype="16" fill="hold" grpId="0" nodeType="clickEffect">
+                                  <p:stCondLst>
+                                    <p:cond delay="0"/>
+                                  </p:stCondLst>
+                                  <p:childTnLst>
+                                    <p:set>
+                                      <p:cBhvr>
+                                        <p:cTn id="6" dur="1" fill="hold">
+                                          <p:stCondLst>
+                                            <p:cond delay="0"/>
+                                          </p:stCondLst>
+                                        </p:cTn>
+                                        <p:tgtEl>
+                                          <p:spTgt spid="15365"/>
+                                        </p:tgtEl>
+                                        <p:attrNameLst>
+                                          <p:attrName>style.visibility</p:attrName>
+                                        </p:attrNameLst>
+                                      </p:cBhvr>
+                                      <p:to>
+                                        <p:strVal val="visible"/>
+                                      </p:to>
+                                    </p:set>
+                                    <p:animEffect transition="in" filter="box(in)">
+                                      <p:cBhvr>
+                                        <p:cTn id="7" dur="500"/>
+                                        <p:tgtEl>
+                                          <p:spTgt spid="15365"/>
+                                        </p:tgtEl>
+                                      </p:cBhvr>
+                                    </p:animEffect>
+                                  </p:childTnLst>
+                                </p:cTn>
+                              </p:par>
+                            </p:childTnLst>
+                          </p:cTn>
+                        </p:par>
+                      </p:childTnLst>
+                    </p:cTn>
+                  </p:par>
+                  <p:par>
+                    <p:cTn id="8" fill="hold">
+                      <p:stCondLst>
+                        <p:cond delay="indefinite"/>
+                      </p:stCondLst>
+                      <p:childTnLst>
+                        <p:par>
+                          <p:cTn id="9" fill="hold">
+                            <p:stCondLst>
+                              <p:cond delay="0"/>
+                            </p:stCondLst>
+                            <p:childTnLst>
+                              <p:par>
+                                <p:cTn id="10" presetID="1" presetClass="entr" presetSubtype="0" fill="hold" grpId="0" nodeType="clickEffect">
+                                  <p:stCondLst>
+                                    <p:cond delay="0"/>
+                                  </p:stCondLst>
+                                  <p:childTnLst>
+                                    <p:set>
+                                      <p:cBhvr>
+                                        <p:cTn id="11" dur="1" fill="hold">
+                                          <p:stCondLst>
+                                            <p:cond delay="0"/>
+                                          </p:stCondLst>
+                                        </p:cTn>
+                                        <p:tgtEl>
+                                          <p:spTgt spid="2"/>
+                                        </p:tgtEl>
+                                        <p:attrNameLst>
+                                          <p:attrName>style.visibility</p:attrName>
+                                        </p:attrNameLst>
+                                      </p:cBhvr>
+                                      <p:to>
+                                        <p:strVal val="visible"/>
+                                      </p:to>
+                                    </p:set>
+                                  </p:childTnLst>
+                                </p:cTn>
+                              </p:par>
+                            </p:childTnLst>
+                          </p:cTn>
+                        </p:par>
+                      </p:childTnLst>
+                    </p:cTn>
+                  </p:par>
+                </p:childTnLst>
+              </p:cTn>
+              <p:prevCondLst>
+                <p:cond evt="onPrev" delay="0">
+                  <p:tgtEl>
+                    <p:sldTgt/>
+                  </p:tgtEl>
+                </p:cond>
+              </p:prevCondLst>
+              <p:nextCondLst>
+                <p:cond evt="onNext" delay="0">
+                  <p:tgtEl>
+                    <p:sldTgt/>
+                  </p:tgtEl>
+                </p:cond>
+              </p:nextCondLst>
+            </p:seq>
+          </p:childTnLst>
+        </p:cTn>
+      </p:par>
+    </p:tnLst>
+    <p:bldLst>
+      <p:bldP spid="15365" grpId="0"/>
+      <p:bldP spid="2" grpId="0"/>
+    </p:bldLst>
+  </p:timing>
+</p:sld>
+</file>
+
+<file path=ppt/slides/slide24.xml><?xml version="1.0" encoding="utf-8"?>
+<p:sld xmlns:a="http://schemas.openxmlformats.org/drawingml/2006/main" xmlns:r="http://schemas.openxmlformats.org/officeDocument/2006/relationships" xmlns:p="http://schemas.openxmlformats.org/presentationml/2006/main">
+  <p:cSld>
+    <p:spTree>
+      <p:nvGrpSpPr>
+        <p:cNvPr id="1" name=""/>
+        <p:cNvGrpSpPr/>
+        <p:nvPr/>
+      </p:nvGrpSpPr>
+      <p:grpSpPr>
+        <a:xfrm>
+          <a:off x="0" y="0"/>
+          <a:ext cx="0" cy="0"/>
+          <a:chOff x="0" y="0"/>
+          <a:chExt cx="0" cy="0"/>
+        </a:xfrm>
+      </p:grpSpPr>
+      <p:sp>
+        <p:nvSpPr>
           <p:cNvPr id="5" name="7 CuadroTexto">
             <a:extLst>
               <a:ext uri="{FF2B5EF4-FFF2-40B4-BE49-F238E27FC236}">
@@ -16517,7 +22174,7 @@
 </p:sld>
 </file>
 
-<file path=ppt/slides/slide21.xml><?xml version="1.0" encoding="utf-8"?>
+<file path=ppt/slides/slide25.xml><?xml version="1.0" encoding="utf-8"?>
 <p:sld xmlns:a="http://schemas.openxmlformats.org/drawingml/2006/main" xmlns:r="http://schemas.openxmlformats.org/officeDocument/2006/relationships" xmlns:p="http://schemas.openxmlformats.org/presentationml/2006/main">
   <p:cSld>
     <p:spTree>
@@ -17325,7 +22982,7 @@
 </p:sld>
 </file>
 
-<file path=ppt/slides/slide22.xml><?xml version="1.0" encoding="utf-8"?>
+<file path=ppt/slides/slide26.xml><?xml version="1.0" encoding="utf-8"?>
 <p:sld xmlns:a="http://schemas.openxmlformats.org/drawingml/2006/main" xmlns:r="http://schemas.openxmlformats.org/officeDocument/2006/relationships" xmlns:p="http://schemas.openxmlformats.org/presentationml/2006/main">
   <p:cSld>
     <p:spTree>
@@ -17667,7 +23324,7 @@
 </p:sld>
 </file>
 
-<file path=ppt/slides/slide23.xml><?xml version="1.0" encoding="utf-8"?>
+<file path=ppt/slides/slide27.xml><?xml version="1.0" encoding="utf-8"?>
 <p:sld xmlns:a="http://schemas.openxmlformats.org/drawingml/2006/main" xmlns:r="http://schemas.openxmlformats.org/officeDocument/2006/relationships" xmlns:p="http://schemas.openxmlformats.org/presentationml/2006/main">
   <p:cSld>
     <p:spTree>
@@ -18715,7 +24372,7 @@
 </p:sld>
 </file>
 
-<file path=ppt/slides/slide24.xml><?xml version="1.0" encoding="utf-8"?>
+<file path=ppt/slides/slide28.xml><?xml version="1.0" encoding="utf-8"?>
 <p:sld xmlns:a="http://schemas.openxmlformats.org/drawingml/2006/main" xmlns:r="http://schemas.openxmlformats.org/officeDocument/2006/relationships" xmlns:p="http://schemas.openxmlformats.org/presentationml/2006/main">
   <p:cSld>
     <p:spTree>
@@ -19351,7 +25008,7 @@
 </p:sld>
 </file>
 
-<file path=ppt/slides/slide25.xml><?xml version="1.0" encoding="utf-8"?>
+<file path=ppt/slides/slide29.xml><?xml version="1.0" encoding="utf-8"?>
 <p:sld xmlns:a="http://schemas.openxmlformats.org/drawingml/2006/main" xmlns:r="http://schemas.openxmlformats.org/officeDocument/2006/relationships" xmlns:p="http://schemas.openxmlformats.org/presentationml/2006/main">
   <p:cSld>
     <p:spTree>
@@ -20169,731 +25826,6 @@
     </p:tnLst>
     <p:bldLst>
       <p:bldP spid="9" grpId="0"/>
-    </p:bldLst>
-  </p:timing>
-</p:sld>
-</file>
-
-<file path=ppt/slides/slide26.xml><?xml version="1.0" encoding="utf-8"?>
-<p:sld xmlns:a="http://schemas.openxmlformats.org/drawingml/2006/main" xmlns:r="http://schemas.openxmlformats.org/officeDocument/2006/relationships" xmlns:p="http://schemas.openxmlformats.org/presentationml/2006/main">
-  <p:cSld>
-    <p:spTree>
-      <p:nvGrpSpPr>
-        <p:cNvPr id="1" name=""/>
-        <p:cNvGrpSpPr/>
-        <p:nvPr/>
-      </p:nvGrpSpPr>
-      <p:grpSpPr>
-        <a:xfrm>
-          <a:off x="0" y="0"/>
-          <a:ext cx="0" cy="0"/>
-          <a:chOff x="0" y="0"/>
-          <a:chExt cx="0" cy="0"/>
-        </a:xfrm>
-      </p:grpSpPr>
-      <p:pic>
-        <p:nvPicPr>
-          <p:cNvPr id="7" name="Imagen 6" descr="Una pantalla de una computadora&#10;&#10;Descripción generada automáticamente con confianza media">
-            <a:extLst>
-              <a:ext uri="{FF2B5EF4-FFF2-40B4-BE49-F238E27FC236}">
-                <a16:creationId xmlns:a16="http://schemas.microsoft.com/office/drawing/2014/main" id="{069253FC-52A6-4B7E-B893-87B9E83FEFC8}"/>
-              </a:ext>
-            </a:extLst>
-          </p:cNvPr>
-          <p:cNvPicPr>
-            <a:picLocks noChangeAspect="1"/>
-          </p:cNvPicPr>
-          <p:nvPr/>
-        </p:nvPicPr>
-        <p:blipFill>
-          <a:blip r:embed="rId2">
-            <a:extLst>
-              <a:ext uri="{28A0092B-C50C-407E-A947-70E740481C1C}">
-                <a14:useLocalDpi xmlns:a14="http://schemas.microsoft.com/office/drawing/2010/main" val="0"/>
-              </a:ext>
-            </a:extLst>
-          </a:blip>
-          <a:stretch>
-            <a:fillRect/>
-          </a:stretch>
-        </p:blipFill>
-        <p:spPr>
-          <a:xfrm>
-            <a:off x="3995936" y="3502355"/>
-            <a:ext cx="4104456" cy="2815657"/>
-          </a:xfrm>
-          <a:prstGeom prst="rect">
-            <a:avLst/>
-          </a:prstGeom>
-        </p:spPr>
-      </p:pic>
-      <p:sp>
-        <p:nvSpPr>
-          <p:cNvPr id="26629" name="Text Box 5"/>
-          <p:cNvSpPr txBox="1">
-            <a:spLocks noChangeArrowheads="1"/>
-          </p:cNvSpPr>
-          <p:nvPr/>
-        </p:nvSpPr>
-        <p:spPr bwMode="auto">
-          <a:xfrm>
-            <a:off x="802481" y="2102659"/>
-            <a:ext cx="4486808" cy="1420325"/>
-          </a:xfrm>
-          <a:prstGeom prst="rect">
-            <a:avLst/>
-          </a:prstGeom>
-          <a:noFill/>
-          <a:ln>
-            <a:noFill/>
-          </a:ln>
-          <a:extLst>
-            <a:ext uri="{909E8E84-426E-40DD-AFC4-6F175D3DCCD1}">
-              <a14:hiddenFill xmlns:a14="http://schemas.microsoft.com/office/drawing/2010/main">
-                <a:solidFill>
-                  <a:srgbClr val="FFFFFF"/>
-                </a:solidFill>
-              </a14:hiddenFill>
-            </a:ext>
-            <a:ext uri="{91240B29-F687-4F45-9708-019B960494DF}">
-              <a14:hiddenLine xmlns:a14="http://schemas.microsoft.com/office/drawing/2010/main" w="9525">
-                <a:solidFill>
-                  <a:srgbClr val="000000"/>
-                </a:solidFill>
-                <a:miter lim="800000"/>
-                <a:headEnd/>
-                <a:tailEnd/>
-              </a14:hiddenLine>
-            </a:ext>
-          </a:extLst>
-        </p:spPr>
-        <p:txBody>
-          <a:bodyPr wrap="square">
-            <a:spAutoFit/>
-          </a:bodyPr>
-          <a:lstStyle>
-            <a:lvl1pPr>
-              <a:defRPr sz="1600">
-                <a:solidFill>
-                  <a:schemeClr val="tx1"/>
-                </a:solidFill>
-                <a:latin typeface="Times New Roman" pitchFamily="18" charset="0"/>
-              </a:defRPr>
-            </a:lvl1pPr>
-            <a:lvl2pPr marL="742950" indent="-285750">
-              <a:defRPr sz="1600">
-                <a:solidFill>
-                  <a:schemeClr val="tx1"/>
-                </a:solidFill>
-                <a:latin typeface="Times New Roman" pitchFamily="18" charset="0"/>
-              </a:defRPr>
-            </a:lvl2pPr>
-            <a:lvl3pPr marL="1143000" indent="-228600">
-              <a:defRPr sz="1600">
-                <a:solidFill>
-                  <a:schemeClr val="tx1"/>
-                </a:solidFill>
-                <a:latin typeface="Times New Roman" pitchFamily="18" charset="0"/>
-              </a:defRPr>
-            </a:lvl3pPr>
-            <a:lvl4pPr marL="1600200" indent="-228600">
-              <a:defRPr sz="1600">
-                <a:solidFill>
-                  <a:schemeClr val="tx1"/>
-                </a:solidFill>
-                <a:latin typeface="Times New Roman" pitchFamily="18" charset="0"/>
-              </a:defRPr>
-            </a:lvl4pPr>
-            <a:lvl5pPr marL="2057400" indent="-228600">
-              <a:defRPr sz="1600">
-                <a:solidFill>
-                  <a:schemeClr val="tx1"/>
-                </a:solidFill>
-                <a:latin typeface="Times New Roman" pitchFamily="18" charset="0"/>
-              </a:defRPr>
-            </a:lvl5pPr>
-            <a:lvl6pPr marL="2514600" indent="-228600" eaLnBrk="0" fontAlgn="base" hangingPunct="0">
-              <a:spcBef>
-                <a:spcPct val="0"/>
-              </a:spcBef>
-              <a:spcAft>
-                <a:spcPct val="0"/>
-              </a:spcAft>
-              <a:defRPr sz="1600">
-                <a:solidFill>
-                  <a:schemeClr val="tx1"/>
-                </a:solidFill>
-                <a:latin typeface="Times New Roman" pitchFamily="18" charset="0"/>
-              </a:defRPr>
-            </a:lvl6pPr>
-            <a:lvl7pPr marL="2971800" indent="-228600" eaLnBrk="0" fontAlgn="base" hangingPunct="0">
-              <a:spcBef>
-                <a:spcPct val="0"/>
-              </a:spcBef>
-              <a:spcAft>
-                <a:spcPct val="0"/>
-              </a:spcAft>
-              <a:defRPr sz="1600">
-                <a:solidFill>
-                  <a:schemeClr val="tx1"/>
-                </a:solidFill>
-                <a:latin typeface="Times New Roman" pitchFamily="18" charset="0"/>
-              </a:defRPr>
-            </a:lvl7pPr>
-            <a:lvl8pPr marL="3429000" indent="-228600" eaLnBrk="0" fontAlgn="base" hangingPunct="0">
-              <a:spcBef>
-                <a:spcPct val="0"/>
-              </a:spcBef>
-              <a:spcAft>
-                <a:spcPct val="0"/>
-              </a:spcAft>
-              <a:defRPr sz="1600">
-                <a:solidFill>
-                  <a:schemeClr val="tx1"/>
-                </a:solidFill>
-                <a:latin typeface="Times New Roman" pitchFamily="18" charset="0"/>
-              </a:defRPr>
-            </a:lvl8pPr>
-            <a:lvl9pPr marL="3886200" indent="-228600" eaLnBrk="0" fontAlgn="base" hangingPunct="0">
-              <a:spcBef>
-                <a:spcPct val="0"/>
-              </a:spcBef>
-              <a:spcAft>
-                <a:spcPct val="0"/>
-              </a:spcAft>
-              <a:defRPr sz="1600">
-                <a:solidFill>
-                  <a:schemeClr val="tx1"/>
-                </a:solidFill>
-                <a:latin typeface="Times New Roman" pitchFamily="18" charset="0"/>
-              </a:defRPr>
-            </a:lvl9pPr>
-          </a:lstStyle>
-          <a:p>
-            <a:pPr marL="285750" indent="-285750">
-              <a:lnSpc>
-                <a:spcPct val="150000"/>
-              </a:lnSpc>
-              <a:buFont typeface="Arial" panose="020B0604020202020204" pitchFamily="34" charset="0"/>
-              <a:buChar char="•"/>
-            </a:pPr>
-            <a:r>
-              <a:rPr lang="es-MX" sz="2000" b="1" dirty="0" err="1">
-                <a:latin typeface="Arial" panose="020B0604020202020204" pitchFamily="34" charset="0"/>
-                <a:cs typeface="Arial" panose="020B0604020202020204" pitchFamily="34" charset="0"/>
-              </a:rPr>
-              <a:t>WiFi</a:t>
-            </a:r>
-            <a:r>
-              <a:rPr lang="es-MX" sz="2000" b="1" dirty="0">
-                <a:latin typeface="Arial" panose="020B0604020202020204" pitchFamily="34" charset="0"/>
-                <a:cs typeface="Arial" panose="020B0604020202020204" pitchFamily="34" charset="0"/>
-              </a:rPr>
-              <a:t>: </a:t>
-            </a:r>
-            <a:r>
-              <a:rPr lang="es-MX" sz="2000" dirty="0">
-                <a:latin typeface="Arial" panose="020B0604020202020204" pitchFamily="34" charset="0"/>
-                <a:cs typeface="Arial" panose="020B0604020202020204" pitchFamily="34" charset="0"/>
-              </a:rPr>
-              <a:t>Estándar IEEE 802.11</a:t>
-            </a:r>
-          </a:p>
-          <a:p>
-            <a:pPr marL="285750" indent="-285750">
-              <a:lnSpc>
-                <a:spcPct val="150000"/>
-              </a:lnSpc>
-              <a:buFont typeface="Arial" panose="020B0604020202020204" pitchFamily="34" charset="0"/>
-              <a:buChar char="•"/>
-            </a:pPr>
-            <a:r>
-              <a:rPr lang="es-MX" sz="2000" b="1" dirty="0">
-                <a:latin typeface="Arial" panose="020B0604020202020204" pitchFamily="34" charset="0"/>
-                <a:cs typeface="Arial" panose="020B0604020202020204" pitchFamily="34" charset="0"/>
-              </a:rPr>
-              <a:t>Bluetooth: </a:t>
-            </a:r>
-            <a:r>
-              <a:rPr lang="es-MX" sz="2000" dirty="0">
-                <a:latin typeface="Arial" panose="020B0604020202020204" pitchFamily="34" charset="0"/>
-                <a:cs typeface="Arial" panose="020B0604020202020204" pitchFamily="34" charset="0"/>
-              </a:rPr>
-              <a:t>Estándar IEEE 802.15</a:t>
-            </a:r>
-          </a:p>
-          <a:p>
-            <a:pPr marL="285750" indent="-285750">
-              <a:lnSpc>
-                <a:spcPct val="150000"/>
-              </a:lnSpc>
-              <a:buFont typeface="Arial" panose="020B0604020202020204" pitchFamily="34" charset="0"/>
-              <a:buChar char="•"/>
-            </a:pPr>
-            <a:r>
-              <a:rPr lang="es-ES" sz="2000" b="1" dirty="0" err="1">
-                <a:latin typeface="Arial" panose="020B0604020202020204" pitchFamily="34" charset="0"/>
-                <a:cs typeface="Arial" panose="020B0604020202020204" pitchFamily="34" charset="0"/>
-              </a:rPr>
-              <a:t>Wi</a:t>
-            </a:r>
-            <a:r>
-              <a:rPr lang="es-ES" sz="2000" b="1" dirty="0">
-                <a:latin typeface="Arial" panose="020B0604020202020204" pitchFamily="34" charset="0"/>
-                <a:cs typeface="Arial" panose="020B0604020202020204" pitchFamily="34" charset="0"/>
-              </a:rPr>
-              <a:t>-Max: </a:t>
-            </a:r>
-            <a:r>
-              <a:rPr lang="es-MX" sz="2000" dirty="0">
-                <a:latin typeface="Arial" panose="020B0604020202020204" pitchFamily="34" charset="0"/>
-                <a:cs typeface="Arial" panose="020B0604020202020204" pitchFamily="34" charset="0"/>
-              </a:rPr>
-              <a:t>Estándar IEEE 802.16</a:t>
-            </a:r>
-          </a:p>
-        </p:txBody>
-      </p:sp>
-      <p:sp>
-        <p:nvSpPr>
-          <p:cNvPr id="3078" name="Text Box 6"/>
-          <p:cNvSpPr txBox="1">
-            <a:spLocks noChangeArrowheads="1"/>
-          </p:cNvSpPr>
-          <p:nvPr/>
-        </p:nvSpPr>
-        <p:spPr bwMode="auto">
-          <a:xfrm>
-            <a:off x="802481" y="555516"/>
-            <a:ext cx="7539037" cy="584775"/>
-          </a:xfrm>
-          <a:prstGeom prst="rect">
-            <a:avLst/>
-          </a:prstGeom>
-          <a:noFill/>
-          <a:ln>
-            <a:noFill/>
-          </a:ln>
-          <a:extLst>
-            <a:ext uri="{909E8E84-426E-40DD-AFC4-6F175D3DCCD1}">
-              <a14:hiddenFill xmlns:a14="http://schemas.microsoft.com/office/drawing/2010/main">
-                <a:solidFill>
-                  <a:srgbClr val="FFFFFF"/>
-                </a:solidFill>
-              </a14:hiddenFill>
-            </a:ext>
-            <a:ext uri="{91240B29-F687-4F45-9708-019B960494DF}">
-              <a14:hiddenLine xmlns:a14="http://schemas.microsoft.com/office/drawing/2010/main" w="9525">
-                <a:solidFill>
-                  <a:srgbClr val="000000"/>
-                </a:solidFill>
-                <a:miter lim="800000"/>
-                <a:headEnd/>
-                <a:tailEnd/>
-              </a14:hiddenLine>
-            </a:ext>
-          </a:extLst>
-        </p:spPr>
-        <p:txBody>
-          <a:bodyPr wrap="square">
-            <a:spAutoFit/>
-          </a:bodyPr>
-          <a:lstStyle>
-            <a:lvl1pPr>
-              <a:defRPr sz="1600">
-                <a:solidFill>
-                  <a:schemeClr val="tx1"/>
-                </a:solidFill>
-                <a:latin typeface="Times New Roman" pitchFamily="18" charset="0"/>
-              </a:defRPr>
-            </a:lvl1pPr>
-            <a:lvl2pPr marL="742950" indent="-285750">
-              <a:defRPr sz="1600">
-                <a:solidFill>
-                  <a:schemeClr val="tx1"/>
-                </a:solidFill>
-                <a:latin typeface="Times New Roman" pitchFamily="18" charset="0"/>
-              </a:defRPr>
-            </a:lvl2pPr>
-            <a:lvl3pPr marL="1143000" indent="-228600">
-              <a:defRPr sz="1600">
-                <a:solidFill>
-                  <a:schemeClr val="tx1"/>
-                </a:solidFill>
-                <a:latin typeface="Times New Roman" pitchFamily="18" charset="0"/>
-              </a:defRPr>
-            </a:lvl3pPr>
-            <a:lvl4pPr marL="1600200" indent="-228600">
-              <a:defRPr sz="1600">
-                <a:solidFill>
-                  <a:schemeClr val="tx1"/>
-                </a:solidFill>
-                <a:latin typeface="Times New Roman" pitchFamily="18" charset="0"/>
-              </a:defRPr>
-            </a:lvl4pPr>
-            <a:lvl5pPr marL="2057400" indent="-228600">
-              <a:defRPr sz="1600">
-                <a:solidFill>
-                  <a:schemeClr val="tx1"/>
-                </a:solidFill>
-                <a:latin typeface="Times New Roman" pitchFamily="18" charset="0"/>
-              </a:defRPr>
-            </a:lvl5pPr>
-            <a:lvl6pPr marL="2514600" indent="-228600" eaLnBrk="0" fontAlgn="base" hangingPunct="0">
-              <a:spcBef>
-                <a:spcPct val="0"/>
-              </a:spcBef>
-              <a:spcAft>
-                <a:spcPct val="0"/>
-              </a:spcAft>
-              <a:defRPr sz="1600">
-                <a:solidFill>
-                  <a:schemeClr val="tx1"/>
-                </a:solidFill>
-                <a:latin typeface="Times New Roman" pitchFamily="18" charset="0"/>
-              </a:defRPr>
-            </a:lvl6pPr>
-            <a:lvl7pPr marL="2971800" indent="-228600" eaLnBrk="0" fontAlgn="base" hangingPunct="0">
-              <a:spcBef>
-                <a:spcPct val="0"/>
-              </a:spcBef>
-              <a:spcAft>
-                <a:spcPct val="0"/>
-              </a:spcAft>
-              <a:defRPr sz="1600">
-                <a:solidFill>
-                  <a:schemeClr val="tx1"/>
-                </a:solidFill>
-                <a:latin typeface="Times New Roman" pitchFamily="18" charset="0"/>
-              </a:defRPr>
-            </a:lvl7pPr>
-            <a:lvl8pPr marL="3429000" indent="-228600" eaLnBrk="0" fontAlgn="base" hangingPunct="0">
-              <a:spcBef>
-                <a:spcPct val="0"/>
-              </a:spcBef>
-              <a:spcAft>
-                <a:spcPct val="0"/>
-              </a:spcAft>
-              <a:defRPr sz="1600">
-                <a:solidFill>
-                  <a:schemeClr val="tx1"/>
-                </a:solidFill>
-                <a:latin typeface="Times New Roman" pitchFamily="18" charset="0"/>
-              </a:defRPr>
-            </a:lvl8pPr>
-            <a:lvl9pPr marL="3886200" indent="-228600" eaLnBrk="0" fontAlgn="base" hangingPunct="0">
-              <a:spcBef>
-                <a:spcPct val="0"/>
-              </a:spcBef>
-              <a:spcAft>
-                <a:spcPct val="0"/>
-              </a:spcAft>
-              <a:defRPr sz="1600">
-                <a:solidFill>
-                  <a:schemeClr val="tx1"/>
-                </a:solidFill>
-                <a:latin typeface="Times New Roman" pitchFamily="18" charset="0"/>
-              </a:defRPr>
-            </a:lvl9pPr>
-          </a:lstStyle>
-          <a:p>
-            <a:pPr algn="ctr">
-              <a:spcBef>
-                <a:spcPct val="50000"/>
-              </a:spcBef>
-            </a:pPr>
-            <a:r>
-              <a:rPr lang="es-MX" sz="3200" b="1" dirty="0">
-                <a:solidFill>
-                  <a:schemeClr val="accent4">
-                    <a:lumMod val="50000"/>
-                  </a:schemeClr>
-                </a:solidFill>
-                <a:effectLst>
-                  <a:outerShdw blurRad="38100" dist="38100" dir="2700000" algn="tl">
-                    <a:srgbClr val="C0C0C0"/>
-                  </a:outerShdw>
-                </a:effectLst>
-                <a:latin typeface="Dom Casual" charset="0"/>
-                <a:ea typeface="+mj-ea"/>
-                <a:cs typeface="+mj-cs"/>
-              </a:rPr>
-              <a:t>Medios inalámbricos</a:t>
-            </a:r>
-          </a:p>
-        </p:txBody>
-      </p:sp>
-      <p:sp>
-        <p:nvSpPr>
-          <p:cNvPr id="5" name="7 CuadroTexto">
-            <a:extLst>
-              <a:ext uri="{FF2B5EF4-FFF2-40B4-BE49-F238E27FC236}">
-                <a16:creationId xmlns:a16="http://schemas.microsoft.com/office/drawing/2014/main" id="{E7C64DDA-814C-45BB-9962-5F313C80AF93}"/>
-              </a:ext>
-            </a:extLst>
-          </p:cNvPr>
-          <p:cNvSpPr txBox="1">
-            <a:spLocks noChangeArrowheads="1"/>
-          </p:cNvSpPr>
-          <p:nvPr/>
-        </p:nvSpPr>
-        <p:spPr bwMode="auto">
-          <a:xfrm>
-            <a:off x="2173424" y="1059572"/>
-            <a:ext cx="4846848" cy="506292"/>
-          </a:xfrm>
-          <a:prstGeom prst="rect">
-            <a:avLst/>
-          </a:prstGeom>
-          <a:noFill/>
-          <a:ln>
-            <a:noFill/>
-          </a:ln>
-          <a:extLst>
-            <a:ext uri="{909E8E84-426E-40DD-AFC4-6F175D3DCCD1}">
-              <a14:hiddenFill xmlns:a14="http://schemas.microsoft.com/office/drawing/2010/main">
-                <a:solidFill>
-                  <a:srgbClr val="FFFFFF"/>
-                </a:solidFill>
-              </a14:hiddenFill>
-            </a:ext>
-            <a:ext uri="{91240B29-F687-4F45-9708-019B960494DF}">
-              <a14:hiddenLine xmlns:a14="http://schemas.microsoft.com/office/drawing/2010/main" w="9525">
-                <a:solidFill>
-                  <a:srgbClr val="000000"/>
-                </a:solidFill>
-                <a:miter lim="800000"/>
-                <a:headEnd/>
-                <a:tailEnd/>
-              </a14:hiddenLine>
-            </a:ext>
-          </a:extLst>
-        </p:spPr>
-        <p:txBody>
-          <a:bodyPr wrap="square">
-            <a:spAutoFit/>
-          </a:bodyPr>
-          <a:lstStyle>
-            <a:lvl1pPr eaLnBrk="0" hangingPunct="0">
-              <a:defRPr sz="2400">
-                <a:solidFill>
-                  <a:schemeClr val="tx1"/>
-                </a:solidFill>
-                <a:latin typeface="Times New Roman" pitchFamily="18" charset="0"/>
-              </a:defRPr>
-            </a:lvl1pPr>
-            <a:lvl2pPr marL="742950" indent="-285750" eaLnBrk="0" hangingPunct="0">
-              <a:defRPr sz="2400">
-                <a:solidFill>
-                  <a:schemeClr val="tx1"/>
-                </a:solidFill>
-                <a:latin typeface="Times New Roman" pitchFamily="18" charset="0"/>
-              </a:defRPr>
-            </a:lvl2pPr>
-            <a:lvl3pPr marL="1143000" indent="-228600" eaLnBrk="0" hangingPunct="0">
-              <a:defRPr sz="2400">
-                <a:solidFill>
-                  <a:schemeClr val="tx1"/>
-                </a:solidFill>
-                <a:latin typeface="Times New Roman" pitchFamily="18" charset="0"/>
-              </a:defRPr>
-            </a:lvl3pPr>
-            <a:lvl4pPr marL="1600200" indent="-228600" eaLnBrk="0" hangingPunct="0">
-              <a:defRPr sz="2400">
-                <a:solidFill>
-                  <a:schemeClr val="tx1"/>
-                </a:solidFill>
-                <a:latin typeface="Times New Roman" pitchFamily="18" charset="0"/>
-              </a:defRPr>
-            </a:lvl4pPr>
-            <a:lvl5pPr marL="2057400" indent="-228600" eaLnBrk="0" hangingPunct="0">
-              <a:defRPr sz="2400">
-                <a:solidFill>
-                  <a:schemeClr val="tx1"/>
-                </a:solidFill>
-                <a:latin typeface="Times New Roman" pitchFamily="18" charset="0"/>
-              </a:defRPr>
-            </a:lvl5pPr>
-            <a:lvl6pPr marL="2514600" indent="-228600" eaLnBrk="0" fontAlgn="base" hangingPunct="0">
-              <a:spcBef>
-                <a:spcPct val="0"/>
-              </a:spcBef>
-              <a:spcAft>
-                <a:spcPct val="0"/>
-              </a:spcAft>
-              <a:defRPr sz="2400">
-                <a:solidFill>
-                  <a:schemeClr val="tx1"/>
-                </a:solidFill>
-                <a:latin typeface="Times New Roman" pitchFamily="18" charset="0"/>
-              </a:defRPr>
-            </a:lvl6pPr>
-            <a:lvl7pPr marL="2971800" indent="-228600" eaLnBrk="0" fontAlgn="base" hangingPunct="0">
-              <a:spcBef>
-                <a:spcPct val="0"/>
-              </a:spcBef>
-              <a:spcAft>
-                <a:spcPct val="0"/>
-              </a:spcAft>
-              <a:defRPr sz="2400">
-                <a:solidFill>
-                  <a:schemeClr val="tx1"/>
-                </a:solidFill>
-                <a:latin typeface="Times New Roman" pitchFamily="18" charset="0"/>
-              </a:defRPr>
-            </a:lvl7pPr>
-            <a:lvl8pPr marL="3429000" indent="-228600" eaLnBrk="0" fontAlgn="base" hangingPunct="0">
-              <a:spcBef>
-                <a:spcPct val="0"/>
-              </a:spcBef>
-              <a:spcAft>
-                <a:spcPct val="0"/>
-              </a:spcAft>
-              <a:defRPr sz="2400">
-                <a:solidFill>
-                  <a:schemeClr val="tx1"/>
-                </a:solidFill>
-                <a:latin typeface="Times New Roman" pitchFamily="18" charset="0"/>
-              </a:defRPr>
-            </a:lvl8pPr>
-            <a:lvl9pPr marL="3886200" indent="-228600" eaLnBrk="0" fontAlgn="base" hangingPunct="0">
-              <a:spcBef>
-                <a:spcPct val="0"/>
-              </a:spcBef>
-              <a:spcAft>
-                <a:spcPct val="0"/>
-              </a:spcAft>
-              <a:defRPr sz="2400">
-                <a:solidFill>
-                  <a:schemeClr val="tx1"/>
-                </a:solidFill>
-                <a:latin typeface="Times New Roman" pitchFamily="18" charset="0"/>
-              </a:defRPr>
-            </a:lvl9pPr>
-          </a:lstStyle>
-          <a:p>
-            <a:pPr algn="ctr">
-              <a:lnSpc>
-                <a:spcPct val="150000"/>
-              </a:lnSpc>
-            </a:pPr>
-            <a:r>
-              <a:rPr lang="es-MX" altLang="es-MX" sz="2000" b="1" dirty="0">
-                <a:solidFill>
-                  <a:schemeClr val="accent6">
-                    <a:lumMod val="75000"/>
-                  </a:schemeClr>
-                </a:solidFill>
-                <a:latin typeface="ZapfHumnst BT"/>
-              </a:rPr>
-              <a:t>Tipos de medios inalámbricos</a:t>
-            </a:r>
-            <a:endParaRPr lang="es-MX" altLang="es-MX" sz="2000" dirty="0">
-              <a:solidFill>
-                <a:schemeClr val="accent6">
-                  <a:lumMod val="75000"/>
-                </a:schemeClr>
-              </a:solidFill>
-              <a:latin typeface="ZapfHumnst BT"/>
-            </a:endParaRPr>
-          </a:p>
-        </p:txBody>
-      </p:sp>
-    </p:spTree>
-    <p:extLst>
-      <p:ext uri="{BB962C8B-B14F-4D97-AF65-F5344CB8AC3E}">
-        <p14:creationId xmlns:p14="http://schemas.microsoft.com/office/powerpoint/2010/main" val="260370594"/>
-      </p:ext>
-    </p:extLst>
-  </p:cSld>
-  <p:clrMapOvr>
-    <a:masterClrMapping/>
-  </p:clrMapOvr>
-  <p:transition/>
-  <p:timing>
-    <p:tnLst>
-      <p:par>
-        <p:cTn id="1" dur="indefinite" restart="never" nodeType="tmRoot">
-          <p:childTnLst>
-            <p:seq concurrent="1" nextAc="seek">
-              <p:cTn id="2" dur="indefinite" nodeType="mainSeq">
-                <p:childTnLst>
-                  <p:par>
-                    <p:cTn id="3" fill="hold" nodeType="clickPar">
-                      <p:stCondLst>
-                        <p:cond delay="indefinite"/>
-                      </p:stCondLst>
-                      <p:childTnLst>
-                        <p:par>
-                          <p:cTn id="4" fill="hold" nodeType="withGroup">
-                            <p:stCondLst>
-                              <p:cond delay="0"/>
-                            </p:stCondLst>
-                            <p:childTnLst>
-                              <p:par>
-                                <p:cTn id="5" presetID="4" presetClass="entr" presetSubtype="16" fill="hold" grpId="0" nodeType="clickEffect">
-                                  <p:stCondLst>
-                                    <p:cond delay="0"/>
-                                  </p:stCondLst>
-                                  <p:childTnLst>
-                                    <p:set>
-                                      <p:cBhvr>
-                                        <p:cTn id="6" dur="1" fill="hold">
-                                          <p:stCondLst>
-                                            <p:cond delay="0"/>
-                                          </p:stCondLst>
-                                        </p:cTn>
-                                        <p:tgtEl>
-                                          <p:spTgt spid="26629"/>
-                                        </p:tgtEl>
-                                        <p:attrNameLst>
-                                          <p:attrName>style.visibility</p:attrName>
-                                        </p:attrNameLst>
-                                      </p:cBhvr>
-                                      <p:to>
-                                        <p:strVal val="visible"/>
-                                      </p:to>
-                                    </p:set>
-                                    <p:animEffect transition="in" filter="box(in)">
-                                      <p:cBhvr>
-                                        <p:cTn id="7" dur="500"/>
-                                        <p:tgtEl>
-                                          <p:spTgt spid="26629"/>
-                                        </p:tgtEl>
-                                      </p:cBhvr>
-                                    </p:animEffect>
-                                  </p:childTnLst>
-                                </p:cTn>
-                              </p:par>
-                            </p:childTnLst>
-                          </p:cTn>
-                        </p:par>
-                      </p:childTnLst>
-                    </p:cTn>
-                  </p:par>
-                </p:childTnLst>
-              </p:cTn>
-              <p:prevCondLst>
-                <p:cond evt="onPrev" delay="0">
-                  <p:tgtEl>
-                    <p:sldTgt/>
-                  </p:tgtEl>
-                </p:cond>
-              </p:prevCondLst>
-              <p:nextCondLst>
-                <p:cond evt="onNext" delay="0">
-                  <p:tgtEl>
-                    <p:sldTgt/>
-                  </p:tgtEl>
-                </p:cond>
-              </p:nextCondLst>
-            </p:seq>
-          </p:childTnLst>
-        </p:cTn>
-      </p:par>
-    </p:tnLst>
-    <p:bldLst>
-      <p:bldP spid="26629" grpId="0"/>
     </p:bldLst>
   </p:timing>
 </p:sld>
@@ -22019,6 +26951,731 @@
       <p:bldP spid="16" grpId="0"/>
       <p:bldP spid="17" grpId="0"/>
       <p:bldP spid="18" grpId="0"/>
+    </p:bldLst>
+  </p:timing>
+</p:sld>
+</file>
+
+<file path=ppt/slides/slide30.xml><?xml version="1.0" encoding="utf-8"?>
+<p:sld xmlns:a="http://schemas.openxmlformats.org/drawingml/2006/main" xmlns:r="http://schemas.openxmlformats.org/officeDocument/2006/relationships" xmlns:p="http://schemas.openxmlformats.org/presentationml/2006/main">
+  <p:cSld>
+    <p:spTree>
+      <p:nvGrpSpPr>
+        <p:cNvPr id="1" name=""/>
+        <p:cNvGrpSpPr/>
+        <p:nvPr/>
+      </p:nvGrpSpPr>
+      <p:grpSpPr>
+        <a:xfrm>
+          <a:off x="0" y="0"/>
+          <a:ext cx="0" cy="0"/>
+          <a:chOff x="0" y="0"/>
+          <a:chExt cx="0" cy="0"/>
+        </a:xfrm>
+      </p:grpSpPr>
+      <p:pic>
+        <p:nvPicPr>
+          <p:cNvPr id="7" name="Imagen 6" descr="Una pantalla de una computadora&#10;&#10;Descripción generada automáticamente con confianza media">
+            <a:extLst>
+              <a:ext uri="{FF2B5EF4-FFF2-40B4-BE49-F238E27FC236}">
+                <a16:creationId xmlns:a16="http://schemas.microsoft.com/office/drawing/2014/main" id="{069253FC-52A6-4B7E-B893-87B9E83FEFC8}"/>
+              </a:ext>
+            </a:extLst>
+          </p:cNvPr>
+          <p:cNvPicPr>
+            <a:picLocks noChangeAspect="1"/>
+          </p:cNvPicPr>
+          <p:nvPr/>
+        </p:nvPicPr>
+        <p:blipFill>
+          <a:blip r:embed="rId2">
+            <a:extLst>
+              <a:ext uri="{28A0092B-C50C-407E-A947-70E740481C1C}">
+                <a14:useLocalDpi xmlns:a14="http://schemas.microsoft.com/office/drawing/2010/main" val="0"/>
+              </a:ext>
+            </a:extLst>
+          </a:blip>
+          <a:stretch>
+            <a:fillRect/>
+          </a:stretch>
+        </p:blipFill>
+        <p:spPr>
+          <a:xfrm>
+            <a:off x="3995936" y="3502355"/>
+            <a:ext cx="4104456" cy="2815657"/>
+          </a:xfrm>
+          <a:prstGeom prst="rect">
+            <a:avLst/>
+          </a:prstGeom>
+        </p:spPr>
+      </p:pic>
+      <p:sp>
+        <p:nvSpPr>
+          <p:cNvPr id="26629" name="Text Box 5"/>
+          <p:cNvSpPr txBox="1">
+            <a:spLocks noChangeArrowheads="1"/>
+          </p:cNvSpPr>
+          <p:nvPr/>
+        </p:nvSpPr>
+        <p:spPr bwMode="auto">
+          <a:xfrm>
+            <a:off x="802481" y="2102659"/>
+            <a:ext cx="4486808" cy="1420325"/>
+          </a:xfrm>
+          <a:prstGeom prst="rect">
+            <a:avLst/>
+          </a:prstGeom>
+          <a:noFill/>
+          <a:ln>
+            <a:noFill/>
+          </a:ln>
+          <a:extLst>
+            <a:ext uri="{909E8E84-426E-40DD-AFC4-6F175D3DCCD1}">
+              <a14:hiddenFill xmlns:a14="http://schemas.microsoft.com/office/drawing/2010/main">
+                <a:solidFill>
+                  <a:srgbClr val="FFFFFF"/>
+                </a:solidFill>
+              </a14:hiddenFill>
+            </a:ext>
+            <a:ext uri="{91240B29-F687-4F45-9708-019B960494DF}">
+              <a14:hiddenLine xmlns:a14="http://schemas.microsoft.com/office/drawing/2010/main" w="9525">
+                <a:solidFill>
+                  <a:srgbClr val="000000"/>
+                </a:solidFill>
+                <a:miter lim="800000"/>
+                <a:headEnd/>
+                <a:tailEnd/>
+              </a14:hiddenLine>
+            </a:ext>
+          </a:extLst>
+        </p:spPr>
+        <p:txBody>
+          <a:bodyPr wrap="square">
+            <a:spAutoFit/>
+          </a:bodyPr>
+          <a:lstStyle>
+            <a:lvl1pPr>
+              <a:defRPr sz="1600">
+                <a:solidFill>
+                  <a:schemeClr val="tx1"/>
+                </a:solidFill>
+                <a:latin typeface="Times New Roman" pitchFamily="18" charset="0"/>
+              </a:defRPr>
+            </a:lvl1pPr>
+            <a:lvl2pPr marL="742950" indent="-285750">
+              <a:defRPr sz="1600">
+                <a:solidFill>
+                  <a:schemeClr val="tx1"/>
+                </a:solidFill>
+                <a:latin typeface="Times New Roman" pitchFamily="18" charset="0"/>
+              </a:defRPr>
+            </a:lvl2pPr>
+            <a:lvl3pPr marL="1143000" indent="-228600">
+              <a:defRPr sz="1600">
+                <a:solidFill>
+                  <a:schemeClr val="tx1"/>
+                </a:solidFill>
+                <a:latin typeface="Times New Roman" pitchFamily="18" charset="0"/>
+              </a:defRPr>
+            </a:lvl3pPr>
+            <a:lvl4pPr marL="1600200" indent="-228600">
+              <a:defRPr sz="1600">
+                <a:solidFill>
+                  <a:schemeClr val="tx1"/>
+                </a:solidFill>
+                <a:latin typeface="Times New Roman" pitchFamily="18" charset="0"/>
+              </a:defRPr>
+            </a:lvl4pPr>
+            <a:lvl5pPr marL="2057400" indent="-228600">
+              <a:defRPr sz="1600">
+                <a:solidFill>
+                  <a:schemeClr val="tx1"/>
+                </a:solidFill>
+                <a:latin typeface="Times New Roman" pitchFamily="18" charset="0"/>
+              </a:defRPr>
+            </a:lvl5pPr>
+            <a:lvl6pPr marL="2514600" indent="-228600" eaLnBrk="0" fontAlgn="base" hangingPunct="0">
+              <a:spcBef>
+                <a:spcPct val="0"/>
+              </a:spcBef>
+              <a:spcAft>
+                <a:spcPct val="0"/>
+              </a:spcAft>
+              <a:defRPr sz="1600">
+                <a:solidFill>
+                  <a:schemeClr val="tx1"/>
+                </a:solidFill>
+                <a:latin typeface="Times New Roman" pitchFamily="18" charset="0"/>
+              </a:defRPr>
+            </a:lvl6pPr>
+            <a:lvl7pPr marL="2971800" indent="-228600" eaLnBrk="0" fontAlgn="base" hangingPunct="0">
+              <a:spcBef>
+                <a:spcPct val="0"/>
+              </a:spcBef>
+              <a:spcAft>
+                <a:spcPct val="0"/>
+              </a:spcAft>
+              <a:defRPr sz="1600">
+                <a:solidFill>
+                  <a:schemeClr val="tx1"/>
+                </a:solidFill>
+                <a:latin typeface="Times New Roman" pitchFamily="18" charset="0"/>
+              </a:defRPr>
+            </a:lvl7pPr>
+            <a:lvl8pPr marL="3429000" indent="-228600" eaLnBrk="0" fontAlgn="base" hangingPunct="0">
+              <a:spcBef>
+                <a:spcPct val="0"/>
+              </a:spcBef>
+              <a:spcAft>
+                <a:spcPct val="0"/>
+              </a:spcAft>
+              <a:defRPr sz="1600">
+                <a:solidFill>
+                  <a:schemeClr val="tx1"/>
+                </a:solidFill>
+                <a:latin typeface="Times New Roman" pitchFamily="18" charset="0"/>
+              </a:defRPr>
+            </a:lvl8pPr>
+            <a:lvl9pPr marL="3886200" indent="-228600" eaLnBrk="0" fontAlgn="base" hangingPunct="0">
+              <a:spcBef>
+                <a:spcPct val="0"/>
+              </a:spcBef>
+              <a:spcAft>
+                <a:spcPct val="0"/>
+              </a:spcAft>
+              <a:defRPr sz="1600">
+                <a:solidFill>
+                  <a:schemeClr val="tx1"/>
+                </a:solidFill>
+                <a:latin typeface="Times New Roman" pitchFamily="18" charset="0"/>
+              </a:defRPr>
+            </a:lvl9pPr>
+          </a:lstStyle>
+          <a:p>
+            <a:pPr marL="285750" indent="-285750">
+              <a:lnSpc>
+                <a:spcPct val="150000"/>
+              </a:lnSpc>
+              <a:buFont typeface="Arial" panose="020B0604020202020204" pitchFamily="34" charset="0"/>
+              <a:buChar char="•"/>
+            </a:pPr>
+            <a:r>
+              <a:rPr lang="es-MX" sz="2000" b="1" dirty="0" err="1">
+                <a:latin typeface="Arial" panose="020B0604020202020204" pitchFamily="34" charset="0"/>
+                <a:cs typeface="Arial" panose="020B0604020202020204" pitchFamily="34" charset="0"/>
+              </a:rPr>
+              <a:t>WiFi</a:t>
+            </a:r>
+            <a:r>
+              <a:rPr lang="es-MX" sz="2000" b="1" dirty="0">
+                <a:latin typeface="Arial" panose="020B0604020202020204" pitchFamily="34" charset="0"/>
+                <a:cs typeface="Arial" panose="020B0604020202020204" pitchFamily="34" charset="0"/>
+              </a:rPr>
+              <a:t>: </a:t>
+            </a:r>
+            <a:r>
+              <a:rPr lang="es-MX" sz="2000" dirty="0">
+                <a:latin typeface="Arial" panose="020B0604020202020204" pitchFamily="34" charset="0"/>
+                <a:cs typeface="Arial" panose="020B0604020202020204" pitchFamily="34" charset="0"/>
+              </a:rPr>
+              <a:t>Estándar IEEE 802.11</a:t>
+            </a:r>
+          </a:p>
+          <a:p>
+            <a:pPr marL="285750" indent="-285750">
+              <a:lnSpc>
+                <a:spcPct val="150000"/>
+              </a:lnSpc>
+              <a:buFont typeface="Arial" panose="020B0604020202020204" pitchFamily="34" charset="0"/>
+              <a:buChar char="•"/>
+            </a:pPr>
+            <a:r>
+              <a:rPr lang="es-MX" sz="2000" b="1" dirty="0">
+                <a:latin typeface="Arial" panose="020B0604020202020204" pitchFamily="34" charset="0"/>
+                <a:cs typeface="Arial" panose="020B0604020202020204" pitchFamily="34" charset="0"/>
+              </a:rPr>
+              <a:t>Bluetooth: </a:t>
+            </a:r>
+            <a:r>
+              <a:rPr lang="es-MX" sz="2000" dirty="0">
+                <a:latin typeface="Arial" panose="020B0604020202020204" pitchFamily="34" charset="0"/>
+                <a:cs typeface="Arial" panose="020B0604020202020204" pitchFamily="34" charset="0"/>
+              </a:rPr>
+              <a:t>Estándar IEEE 802.15</a:t>
+            </a:r>
+          </a:p>
+          <a:p>
+            <a:pPr marL="285750" indent="-285750">
+              <a:lnSpc>
+                <a:spcPct val="150000"/>
+              </a:lnSpc>
+              <a:buFont typeface="Arial" panose="020B0604020202020204" pitchFamily="34" charset="0"/>
+              <a:buChar char="•"/>
+            </a:pPr>
+            <a:r>
+              <a:rPr lang="es-ES" sz="2000" b="1" dirty="0" err="1">
+                <a:latin typeface="Arial" panose="020B0604020202020204" pitchFamily="34" charset="0"/>
+                <a:cs typeface="Arial" panose="020B0604020202020204" pitchFamily="34" charset="0"/>
+              </a:rPr>
+              <a:t>Wi</a:t>
+            </a:r>
+            <a:r>
+              <a:rPr lang="es-ES" sz="2000" b="1" dirty="0">
+                <a:latin typeface="Arial" panose="020B0604020202020204" pitchFamily="34" charset="0"/>
+                <a:cs typeface="Arial" panose="020B0604020202020204" pitchFamily="34" charset="0"/>
+              </a:rPr>
+              <a:t>-Max: </a:t>
+            </a:r>
+            <a:r>
+              <a:rPr lang="es-MX" sz="2000" dirty="0">
+                <a:latin typeface="Arial" panose="020B0604020202020204" pitchFamily="34" charset="0"/>
+                <a:cs typeface="Arial" panose="020B0604020202020204" pitchFamily="34" charset="0"/>
+              </a:rPr>
+              <a:t>Estándar IEEE 802.16</a:t>
+            </a:r>
+          </a:p>
+        </p:txBody>
+      </p:sp>
+      <p:sp>
+        <p:nvSpPr>
+          <p:cNvPr id="3078" name="Text Box 6"/>
+          <p:cNvSpPr txBox="1">
+            <a:spLocks noChangeArrowheads="1"/>
+          </p:cNvSpPr>
+          <p:nvPr/>
+        </p:nvSpPr>
+        <p:spPr bwMode="auto">
+          <a:xfrm>
+            <a:off x="802481" y="555516"/>
+            <a:ext cx="7539037" cy="584775"/>
+          </a:xfrm>
+          <a:prstGeom prst="rect">
+            <a:avLst/>
+          </a:prstGeom>
+          <a:noFill/>
+          <a:ln>
+            <a:noFill/>
+          </a:ln>
+          <a:extLst>
+            <a:ext uri="{909E8E84-426E-40DD-AFC4-6F175D3DCCD1}">
+              <a14:hiddenFill xmlns:a14="http://schemas.microsoft.com/office/drawing/2010/main">
+                <a:solidFill>
+                  <a:srgbClr val="FFFFFF"/>
+                </a:solidFill>
+              </a14:hiddenFill>
+            </a:ext>
+            <a:ext uri="{91240B29-F687-4F45-9708-019B960494DF}">
+              <a14:hiddenLine xmlns:a14="http://schemas.microsoft.com/office/drawing/2010/main" w="9525">
+                <a:solidFill>
+                  <a:srgbClr val="000000"/>
+                </a:solidFill>
+                <a:miter lim="800000"/>
+                <a:headEnd/>
+                <a:tailEnd/>
+              </a14:hiddenLine>
+            </a:ext>
+          </a:extLst>
+        </p:spPr>
+        <p:txBody>
+          <a:bodyPr wrap="square">
+            <a:spAutoFit/>
+          </a:bodyPr>
+          <a:lstStyle>
+            <a:lvl1pPr>
+              <a:defRPr sz="1600">
+                <a:solidFill>
+                  <a:schemeClr val="tx1"/>
+                </a:solidFill>
+                <a:latin typeface="Times New Roman" pitchFamily="18" charset="0"/>
+              </a:defRPr>
+            </a:lvl1pPr>
+            <a:lvl2pPr marL="742950" indent="-285750">
+              <a:defRPr sz="1600">
+                <a:solidFill>
+                  <a:schemeClr val="tx1"/>
+                </a:solidFill>
+                <a:latin typeface="Times New Roman" pitchFamily="18" charset="0"/>
+              </a:defRPr>
+            </a:lvl2pPr>
+            <a:lvl3pPr marL="1143000" indent="-228600">
+              <a:defRPr sz="1600">
+                <a:solidFill>
+                  <a:schemeClr val="tx1"/>
+                </a:solidFill>
+                <a:latin typeface="Times New Roman" pitchFamily="18" charset="0"/>
+              </a:defRPr>
+            </a:lvl3pPr>
+            <a:lvl4pPr marL="1600200" indent="-228600">
+              <a:defRPr sz="1600">
+                <a:solidFill>
+                  <a:schemeClr val="tx1"/>
+                </a:solidFill>
+                <a:latin typeface="Times New Roman" pitchFamily="18" charset="0"/>
+              </a:defRPr>
+            </a:lvl4pPr>
+            <a:lvl5pPr marL="2057400" indent="-228600">
+              <a:defRPr sz="1600">
+                <a:solidFill>
+                  <a:schemeClr val="tx1"/>
+                </a:solidFill>
+                <a:latin typeface="Times New Roman" pitchFamily="18" charset="0"/>
+              </a:defRPr>
+            </a:lvl5pPr>
+            <a:lvl6pPr marL="2514600" indent="-228600" eaLnBrk="0" fontAlgn="base" hangingPunct="0">
+              <a:spcBef>
+                <a:spcPct val="0"/>
+              </a:spcBef>
+              <a:spcAft>
+                <a:spcPct val="0"/>
+              </a:spcAft>
+              <a:defRPr sz="1600">
+                <a:solidFill>
+                  <a:schemeClr val="tx1"/>
+                </a:solidFill>
+                <a:latin typeface="Times New Roman" pitchFamily="18" charset="0"/>
+              </a:defRPr>
+            </a:lvl6pPr>
+            <a:lvl7pPr marL="2971800" indent="-228600" eaLnBrk="0" fontAlgn="base" hangingPunct="0">
+              <a:spcBef>
+                <a:spcPct val="0"/>
+              </a:spcBef>
+              <a:spcAft>
+                <a:spcPct val="0"/>
+              </a:spcAft>
+              <a:defRPr sz="1600">
+                <a:solidFill>
+                  <a:schemeClr val="tx1"/>
+                </a:solidFill>
+                <a:latin typeface="Times New Roman" pitchFamily="18" charset="0"/>
+              </a:defRPr>
+            </a:lvl7pPr>
+            <a:lvl8pPr marL="3429000" indent="-228600" eaLnBrk="0" fontAlgn="base" hangingPunct="0">
+              <a:spcBef>
+                <a:spcPct val="0"/>
+              </a:spcBef>
+              <a:spcAft>
+                <a:spcPct val="0"/>
+              </a:spcAft>
+              <a:defRPr sz="1600">
+                <a:solidFill>
+                  <a:schemeClr val="tx1"/>
+                </a:solidFill>
+                <a:latin typeface="Times New Roman" pitchFamily="18" charset="0"/>
+              </a:defRPr>
+            </a:lvl8pPr>
+            <a:lvl9pPr marL="3886200" indent="-228600" eaLnBrk="0" fontAlgn="base" hangingPunct="0">
+              <a:spcBef>
+                <a:spcPct val="0"/>
+              </a:spcBef>
+              <a:spcAft>
+                <a:spcPct val="0"/>
+              </a:spcAft>
+              <a:defRPr sz="1600">
+                <a:solidFill>
+                  <a:schemeClr val="tx1"/>
+                </a:solidFill>
+                <a:latin typeface="Times New Roman" pitchFamily="18" charset="0"/>
+              </a:defRPr>
+            </a:lvl9pPr>
+          </a:lstStyle>
+          <a:p>
+            <a:pPr algn="ctr">
+              <a:spcBef>
+                <a:spcPct val="50000"/>
+              </a:spcBef>
+            </a:pPr>
+            <a:r>
+              <a:rPr lang="es-MX" sz="3200" b="1" dirty="0">
+                <a:solidFill>
+                  <a:schemeClr val="accent4">
+                    <a:lumMod val="50000"/>
+                  </a:schemeClr>
+                </a:solidFill>
+                <a:effectLst>
+                  <a:outerShdw blurRad="38100" dist="38100" dir="2700000" algn="tl">
+                    <a:srgbClr val="C0C0C0"/>
+                  </a:outerShdw>
+                </a:effectLst>
+                <a:latin typeface="Dom Casual" charset="0"/>
+                <a:ea typeface="+mj-ea"/>
+                <a:cs typeface="+mj-cs"/>
+              </a:rPr>
+              <a:t>Medios inalámbricos</a:t>
+            </a:r>
+          </a:p>
+        </p:txBody>
+      </p:sp>
+      <p:sp>
+        <p:nvSpPr>
+          <p:cNvPr id="5" name="7 CuadroTexto">
+            <a:extLst>
+              <a:ext uri="{FF2B5EF4-FFF2-40B4-BE49-F238E27FC236}">
+                <a16:creationId xmlns:a16="http://schemas.microsoft.com/office/drawing/2014/main" id="{E7C64DDA-814C-45BB-9962-5F313C80AF93}"/>
+              </a:ext>
+            </a:extLst>
+          </p:cNvPr>
+          <p:cNvSpPr txBox="1">
+            <a:spLocks noChangeArrowheads="1"/>
+          </p:cNvSpPr>
+          <p:nvPr/>
+        </p:nvSpPr>
+        <p:spPr bwMode="auto">
+          <a:xfrm>
+            <a:off x="2173424" y="1059572"/>
+            <a:ext cx="4846848" cy="506292"/>
+          </a:xfrm>
+          <a:prstGeom prst="rect">
+            <a:avLst/>
+          </a:prstGeom>
+          <a:noFill/>
+          <a:ln>
+            <a:noFill/>
+          </a:ln>
+          <a:extLst>
+            <a:ext uri="{909E8E84-426E-40DD-AFC4-6F175D3DCCD1}">
+              <a14:hiddenFill xmlns:a14="http://schemas.microsoft.com/office/drawing/2010/main">
+                <a:solidFill>
+                  <a:srgbClr val="FFFFFF"/>
+                </a:solidFill>
+              </a14:hiddenFill>
+            </a:ext>
+            <a:ext uri="{91240B29-F687-4F45-9708-019B960494DF}">
+              <a14:hiddenLine xmlns:a14="http://schemas.microsoft.com/office/drawing/2010/main" w="9525">
+                <a:solidFill>
+                  <a:srgbClr val="000000"/>
+                </a:solidFill>
+                <a:miter lim="800000"/>
+                <a:headEnd/>
+                <a:tailEnd/>
+              </a14:hiddenLine>
+            </a:ext>
+          </a:extLst>
+        </p:spPr>
+        <p:txBody>
+          <a:bodyPr wrap="square">
+            <a:spAutoFit/>
+          </a:bodyPr>
+          <a:lstStyle>
+            <a:lvl1pPr eaLnBrk="0" hangingPunct="0">
+              <a:defRPr sz="2400">
+                <a:solidFill>
+                  <a:schemeClr val="tx1"/>
+                </a:solidFill>
+                <a:latin typeface="Times New Roman" pitchFamily="18" charset="0"/>
+              </a:defRPr>
+            </a:lvl1pPr>
+            <a:lvl2pPr marL="742950" indent="-285750" eaLnBrk="0" hangingPunct="0">
+              <a:defRPr sz="2400">
+                <a:solidFill>
+                  <a:schemeClr val="tx1"/>
+                </a:solidFill>
+                <a:latin typeface="Times New Roman" pitchFamily="18" charset="0"/>
+              </a:defRPr>
+            </a:lvl2pPr>
+            <a:lvl3pPr marL="1143000" indent="-228600" eaLnBrk="0" hangingPunct="0">
+              <a:defRPr sz="2400">
+                <a:solidFill>
+                  <a:schemeClr val="tx1"/>
+                </a:solidFill>
+                <a:latin typeface="Times New Roman" pitchFamily="18" charset="0"/>
+              </a:defRPr>
+            </a:lvl3pPr>
+            <a:lvl4pPr marL="1600200" indent="-228600" eaLnBrk="0" hangingPunct="0">
+              <a:defRPr sz="2400">
+                <a:solidFill>
+                  <a:schemeClr val="tx1"/>
+                </a:solidFill>
+                <a:latin typeface="Times New Roman" pitchFamily="18" charset="0"/>
+              </a:defRPr>
+            </a:lvl4pPr>
+            <a:lvl5pPr marL="2057400" indent="-228600" eaLnBrk="0" hangingPunct="0">
+              <a:defRPr sz="2400">
+                <a:solidFill>
+                  <a:schemeClr val="tx1"/>
+                </a:solidFill>
+                <a:latin typeface="Times New Roman" pitchFamily="18" charset="0"/>
+              </a:defRPr>
+            </a:lvl5pPr>
+            <a:lvl6pPr marL="2514600" indent="-228600" eaLnBrk="0" fontAlgn="base" hangingPunct="0">
+              <a:spcBef>
+                <a:spcPct val="0"/>
+              </a:spcBef>
+              <a:spcAft>
+                <a:spcPct val="0"/>
+              </a:spcAft>
+              <a:defRPr sz="2400">
+                <a:solidFill>
+                  <a:schemeClr val="tx1"/>
+                </a:solidFill>
+                <a:latin typeface="Times New Roman" pitchFamily="18" charset="0"/>
+              </a:defRPr>
+            </a:lvl6pPr>
+            <a:lvl7pPr marL="2971800" indent="-228600" eaLnBrk="0" fontAlgn="base" hangingPunct="0">
+              <a:spcBef>
+                <a:spcPct val="0"/>
+              </a:spcBef>
+              <a:spcAft>
+                <a:spcPct val="0"/>
+              </a:spcAft>
+              <a:defRPr sz="2400">
+                <a:solidFill>
+                  <a:schemeClr val="tx1"/>
+                </a:solidFill>
+                <a:latin typeface="Times New Roman" pitchFamily="18" charset="0"/>
+              </a:defRPr>
+            </a:lvl7pPr>
+            <a:lvl8pPr marL="3429000" indent="-228600" eaLnBrk="0" fontAlgn="base" hangingPunct="0">
+              <a:spcBef>
+                <a:spcPct val="0"/>
+              </a:spcBef>
+              <a:spcAft>
+                <a:spcPct val="0"/>
+              </a:spcAft>
+              <a:defRPr sz="2400">
+                <a:solidFill>
+                  <a:schemeClr val="tx1"/>
+                </a:solidFill>
+                <a:latin typeface="Times New Roman" pitchFamily="18" charset="0"/>
+              </a:defRPr>
+            </a:lvl8pPr>
+            <a:lvl9pPr marL="3886200" indent="-228600" eaLnBrk="0" fontAlgn="base" hangingPunct="0">
+              <a:spcBef>
+                <a:spcPct val="0"/>
+              </a:spcBef>
+              <a:spcAft>
+                <a:spcPct val="0"/>
+              </a:spcAft>
+              <a:defRPr sz="2400">
+                <a:solidFill>
+                  <a:schemeClr val="tx1"/>
+                </a:solidFill>
+                <a:latin typeface="Times New Roman" pitchFamily="18" charset="0"/>
+              </a:defRPr>
+            </a:lvl9pPr>
+          </a:lstStyle>
+          <a:p>
+            <a:pPr algn="ctr">
+              <a:lnSpc>
+                <a:spcPct val="150000"/>
+              </a:lnSpc>
+            </a:pPr>
+            <a:r>
+              <a:rPr lang="es-MX" altLang="es-MX" sz="2000" b="1" dirty="0">
+                <a:solidFill>
+                  <a:schemeClr val="accent6">
+                    <a:lumMod val="75000"/>
+                  </a:schemeClr>
+                </a:solidFill>
+                <a:latin typeface="ZapfHumnst BT"/>
+              </a:rPr>
+              <a:t>Tipos de medios inalámbricos</a:t>
+            </a:r>
+            <a:endParaRPr lang="es-MX" altLang="es-MX" sz="2000" dirty="0">
+              <a:solidFill>
+                <a:schemeClr val="accent6">
+                  <a:lumMod val="75000"/>
+                </a:schemeClr>
+              </a:solidFill>
+              <a:latin typeface="ZapfHumnst BT"/>
+            </a:endParaRPr>
+          </a:p>
+        </p:txBody>
+      </p:sp>
+    </p:spTree>
+    <p:extLst>
+      <p:ext uri="{BB962C8B-B14F-4D97-AF65-F5344CB8AC3E}">
+        <p14:creationId xmlns:p14="http://schemas.microsoft.com/office/powerpoint/2010/main" val="260370594"/>
+      </p:ext>
+    </p:extLst>
+  </p:cSld>
+  <p:clrMapOvr>
+    <a:masterClrMapping/>
+  </p:clrMapOvr>
+  <p:transition/>
+  <p:timing>
+    <p:tnLst>
+      <p:par>
+        <p:cTn id="1" dur="indefinite" restart="never" nodeType="tmRoot">
+          <p:childTnLst>
+            <p:seq concurrent="1" nextAc="seek">
+              <p:cTn id="2" dur="indefinite" nodeType="mainSeq">
+                <p:childTnLst>
+                  <p:par>
+                    <p:cTn id="3" fill="hold" nodeType="clickPar">
+                      <p:stCondLst>
+                        <p:cond delay="indefinite"/>
+                      </p:stCondLst>
+                      <p:childTnLst>
+                        <p:par>
+                          <p:cTn id="4" fill="hold" nodeType="withGroup">
+                            <p:stCondLst>
+                              <p:cond delay="0"/>
+                            </p:stCondLst>
+                            <p:childTnLst>
+                              <p:par>
+                                <p:cTn id="5" presetID="4" presetClass="entr" presetSubtype="16" fill="hold" grpId="0" nodeType="clickEffect">
+                                  <p:stCondLst>
+                                    <p:cond delay="0"/>
+                                  </p:stCondLst>
+                                  <p:childTnLst>
+                                    <p:set>
+                                      <p:cBhvr>
+                                        <p:cTn id="6" dur="1" fill="hold">
+                                          <p:stCondLst>
+                                            <p:cond delay="0"/>
+                                          </p:stCondLst>
+                                        </p:cTn>
+                                        <p:tgtEl>
+                                          <p:spTgt spid="26629"/>
+                                        </p:tgtEl>
+                                        <p:attrNameLst>
+                                          <p:attrName>style.visibility</p:attrName>
+                                        </p:attrNameLst>
+                                      </p:cBhvr>
+                                      <p:to>
+                                        <p:strVal val="visible"/>
+                                      </p:to>
+                                    </p:set>
+                                    <p:animEffect transition="in" filter="box(in)">
+                                      <p:cBhvr>
+                                        <p:cTn id="7" dur="500"/>
+                                        <p:tgtEl>
+                                          <p:spTgt spid="26629"/>
+                                        </p:tgtEl>
+                                      </p:cBhvr>
+                                    </p:animEffect>
+                                  </p:childTnLst>
+                                </p:cTn>
+                              </p:par>
+                            </p:childTnLst>
+                          </p:cTn>
+                        </p:par>
+                      </p:childTnLst>
+                    </p:cTn>
+                  </p:par>
+                </p:childTnLst>
+              </p:cTn>
+              <p:prevCondLst>
+                <p:cond evt="onPrev" delay="0">
+                  <p:tgtEl>
+                    <p:sldTgt/>
+                  </p:tgtEl>
+                </p:cond>
+              </p:prevCondLst>
+              <p:nextCondLst>
+                <p:cond evt="onNext" delay="0">
+                  <p:tgtEl>
+                    <p:sldTgt/>
+                  </p:tgtEl>
+                </p:cond>
+              </p:nextCondLst>
+            </p:seq>
+          </p:childTnLst>
+        </p:cTn>
+      </p:par>
+    </p:tnLst>
+    <p:bldLst>
+      <p:bldP spid="26629" grpId="0"/>
     </p:bldLst>
   </p:timing>
 </p:sld>

--- a/CalendarioAgo23/Presentaciones/5_MediosComunicacionR.pptx
+++ b/CalendarioAgo23/Presentaciones/5_MediosComunicacionR.pptx
@@ -237,7 +237,7 @@
           <a:p>
             <a:fld id="{2D445F07-8756-451B-A938-0248325FC7BB}" type="datetimeFigureOut">
               <a:rPr lang="es-MX" smtClean="0"/>
-              <a:t>31/10/2023</a:t>
+              <a:t>01/11/2023</a:t>
             </a:fld>
             <a:endParaRPr lang="es-MX" dirty="0"/>
           </a:p>
@@ -1972,7 +1972,7 @@
           <a:p>
             <a:fld id="{5E75A0DC-66C6-4CEC-A5EB-F8C97CEC3796}" type="datetimeFigureOut">
               <a:rPr lang="es-MX" smtClean="0"/>
-              <a:t>31/10/2023</a:t>
+              <a:t>01/11/2023</a:t>
             </a:fld>
             <a:endParaRPr lang="es-MX" dirty="0"/>
           </a:p>
@@ -2142,7 +2142,7 @@
           <a:p>
             <a:fld id="{5E75A0DC-66C6-4CEC-A5EB-F8C97CEC3796}" type="datetimeFigureOut">
               <a:rPr lang="es-MX" smtClean="0"/>
-              <a:t>31/10/2023</a:t>
+              <a:t>01/11/2023</a:t>
             </a:fld>
             <a:endParaRPr lang="es-MX" dirty="0"/>
           </a:p>
@@ -2322,7 +2322,7 @@
           <a:p>
             <a:fld id="{5E75A0DC-66C6-4CEC-A5EB-F8C97CEC3796}" type="datetimeFigureOut">
               <a:rPr lang="es-MX" smtClean="0"/>
-              <a:t>31/10/2023</a:t>
+              <a:t>01/11/2023</a:t>
             </a:fld>
             <a:endParaRPr lang="es-MX" dirty="0"/>
           </a:p>
@@ -2797,7 +2797,7 @@
           <a:p>
             <a:fld id="{5E75A0DC-66C6-4CEC-A5EB-F8C97CEC3796}" type="datetimeFigureOut">
               <a:rPr lang="es-MX" smtClean="0"/>
-              <a:t>31/10/2023</a:t>
+              <a:t>01/11/2023</a:t>
             </a:fld>
             <a:endParaRPr lang="es-MX" dirty="0"/>
           </a:p>
@@ -3043,7 +3043,7 @@
           <a:p>
             <a:fld id="{5E75A0DC-66C6-4CEC-A5EB-F8C97CEC3796}" type="datetimeFigureOut">
               <a:rPr lang="es-MX" smtClean="0"/>
-              <a:t>31/10/2023</a:t>
+              <a:t>01/11/2023</a:t>
             </a:fld>
             <a:endParaRPr lang="es-MX" dirty="0"/>
           </a:p>
@@ -3331,7 +3331,7 @@
           <a:p>
             <a:fld id="{5E75A0DC-66C6-4CEC-A5EB-F8C97CEC3796}" type="datetimeFigureOut">
               <a:rPr lang="es-MX" smtClean="0"/>
-              <a:t>31/10/2023</a:t>
+              <a:t>01/11/2023</a:t>
             </a:fld>
             <a:endParaRPr lang="es-MX" dirty="0"/>
           </a:p>
@@ -3753,7 +3753,7 @@
           <a:p>
             <a:fld id="{5E75A0DC-66C6-4CEC-A5EB-F8C97CEC3796}" type="datetimeFigureOut">
               <a:rPr lang="es-MX" smtClean="0"/>
-              <a:t>31/10/2023</a:t>
+              <a:t>01/11/2023</a:t>
             </a:fld>
             <a:endParaRPr lang="es-MX" dirty="0"/>
           </a:p>
@@ -3871,7 +3871,7 @@
           <a:p>
             <a:fld id="{5E75A0DC-66C6-4CEC-A5EB-F8C97CEC3796}" type="datetimeFigureOut">
               <a:rPr lang="es-MX" smtClean="0"/>
-              <a:t>31/10/2023</a:t>
+              <a:t>01/11/2023</a:t>
             </a:fld>
             <a:endParaRPr lang="es-MX" dirty="0"/>
           </a:p>
@@ -3966,7 +3966,7 @@
           <a:p>
             <a:fld id="{5E75A0DC-66C6-4CEC-A5EB-F8C97CEC3796}" type="datetimeFigureOut">
               <a:rPr lang="es-MX" smtClean="0"/>
-              <a:t>31/10/2023</a:t>
+              <a:t>01/11/2023</a:t>
             </a:fld>
             <a:endParaRPr lang="es-MX" dirty="0"/>
           </a:p>
@@ -4243,7 +4243,7 @@
           <a:p>
             <a:fld id="{5E75A0DC-66C6-4CEC-A5EB-F8C97CEC3796}" type="datetimeFigureOut">
               <a:rPr lang="es-MX" smtClean="0"/>
-              <a:t>31/10/2023</a:t>
+              <a:t>01/11/2023</a:t>
             </a:fld>
             <a:endParaRPr lang="es-MX" dirty="0"/>
           </a:p>
@@ -4496,7 +4496,7 @@
           <a:p>
             <a:fld id="{5E75A0DC-66C6-4CEC-A5EB-F8C97CEC3796}" type="datetimeFigureOut">
               <a:rPr lang="es-MX" smtClean="0"/>
-              <a:t>31/10/2023</a:t>
+              <a:t>01/11/2023</a:t>
             </a:fld>
             <a:endParaRPr lang="es-MX" dirty="0"/>
           </a:p>
@@ -4709,7 +4709,7 @@
           <a:p>
             <a:fld id="{5E75A0DC-66C6-4CEC-A5EB-F8C97CEC3796}" type="datetimeFigureOut">
               <a:rPr lang="es-MX" smtClean="0"/>
-              <a:t>31/10/2023</a:t>
+              <a:t>01/11/2023</a:t>
             </a:fld>
             <a:endParaRPr lang="es-MX" dirty="0"/>
           </a:p>
@@ -17970,7 +17970,7 @@
                             </p:stCondLst>
                             <p:childTnLst>
                               <p:par>
-                                <p:cTn id="5" presetID="5" presetClass="entr" presetSubtype="10" fill="hold" grpId="0" nodeType="clickEffect">
+                                <p:cTn id="5" presetID="1" presetClass="entr" presetSubtype="0" fill="hold" grpId="0" nodeType="clickEffect">
                                   <p:stCondLst>
                                     <p:cond delay="0"/>
                                   </p:stCondLst>
@@ -17978,6 +17978,104 @@
                                     <p:set>
                                       <p:cBhvr>
                                         <p:cTn id="6" dur="1" fill="hold">
+                                          <p:stCondLst>
+                                            <p:cond delay="0"/>
+                                          </p:stCondLst>
+                                        </p:cTn>
+                                        <p:tgtEl>
+                                          <p:spTgt spid="2"/>
+                                        </p:tgtEl>
+                                        <p:attrNameLst>
+                                          <p:attrName>style.visibility</p:attrName>
+                                        </p:attrNameLst>
+                                      </p:cBhvr>
+                                      <p:to>
+                                        <p:strVal val="visible"/>
+                                      </p:to>
+                                    </p:set>
+                                  </p:childTnLst>
+                                </p:cTn>
+                              </p:par>
+                            </p:childTnLst>
+                          </p:cTn>
+                        </p:par>
+                      </p:childTnLst>
+                    </p:cTn>
+                  </p:par>
+                  <p:par>
+                    <p:cTn id="7" fill="hold">
+                      <p:stCondLst>
+                        <p:cond delay="indefinite"/>
+                      </p:stCondLst>
+                      <p:childTnLst>
+                        <p:par>
+                          <p:cTn id="8" fill="hold">
+                            <p:stCondLst>
+                              <p:cond delay="0"/>
+                            </p:stCondLst>
+                            <p:childTnLst>
+                              <p:par>
+                                <p:cTn id="9" presetID="4" presetClass="entr" presetSubtype="16" fill="hold" grpId="0" nodeType="clickEffect">
+                                  <p:stCondLst>
+                                    <p:cond delay="0"/>
+                                  </p:stCondLst>
+                                  <p:childTnLst>
+                                    <p:set>
+                                      <p:cBhvr>
+                                        <p:cTn id="10" dur="1" fill="hold">
+                                          <p:stCondLst>
+                                            <p:cond delay="0"/>
+                                          </p:stCondLst>
+                                        </p:cTn>
+                                        <p:tgtEl>
+                                          <p:spTgt spid="22"/>
+                                        </p:tgtEl>
+                                        <p:attrNameLst>
+                                          <p:attrName>style.visibility</p:attrName>
+                                        </p:attrNameLst>
+                                      </p:cBhvr>
+                                      <p:to>
+                                        <p:strVal val="visible"/>
+                                      </p:to>
+                                    </p:set>
+                                    <p:animEffect transition="in" filter="box(in)">
+                                      <p:cBhvr>
+                                        <p:cTn id="11" dur="500"/>
+                                        <p:tgtEl>
+                                          <p:spTgt spid="22"/>
+                                        </p:tgtEl>
+                                      </p:cBhvr>
+                                    </p:animEffect>
+                                  </p:childTnLst>
+                                </p:cTn>
+                              </p:par>
+                            </p:childTnLst>
+                          </p:cTn>
+                        </p:par>
+                      </p:childTnLst>
+                    </p:cTn>
+                  </p:par>
+                  <p:par>
+                    <p:cTn id="12" fill="hold">
+                      <p:stCondLst>
+                        <p:cond delay="indefinite"/>
+                      </p:stCondLst>
+                      <p:childTnLst>
+                        <p:par>
+                          <p:cTn id="13" fill="hold">
+                            <p:stCondLst>
+                              <p:cond delay="0"/>
+                            </p:stCondLst>
+                            <p:childTnLst>
+                              <p:par>
+                                <p:cTn id="14" presetID="5" presetClass="entr" presetSubtype="10" fill="hold" grpId="0" nodeType="clickEffect">
+                                  <p:stCondLst>
+                                    <p:cond delay="0"/>
+                                  </p:stCondLst>
+                                  <p:childTnLst>
+                                    <p:set>
+                                      <p:cBhvr>
+                                        <p:cTn id="15" dur="1" fill="hold">
                                           <p:stCondLst>
                                             <p:cond delay="0"/>
                                           </p:stCondLst>
@@ -17995,7 +18093,7 @@
                                     </p:set>
                                     <p:animEffect transition="in" filter="checkerboard(across)">
                                       <p:cBhvr>
-                                        <p:cTn id="7" dur="500"/>
+                                        <p:cTn id="16" dur="500"/>
                                         <p:tgtEl>
                                           <p:spTgt spid="10245"/>
                                         </p:tgtEl>
@@ -18011,26 +18109,79 @@
                     </p:cTn>
                   </p:par>
                   <p:par>
-                    <p:cTn id="8" fill="hold" nodeType="clickPar">
+                    <p:cTn id="17" fill="hold">
                       <p:stCondLst>
                         <p:cond delay="indefinite"/>
                       </p:stCondLst>
                       <p:childTnLst>
                         <p:par>
-                          <p:cTn id="9" fill="hold" nodeType="withGroup">
+                          <p:cTn id="18" fill="hold">
                             <p:stCondLst>
                               <p:cond delay="0"/>
                             </p:stCondLst>
                             <p:childTnLst>
                               <p:par>
-                                <p:cTn id="10" presetID="4" presetClass="entr" presetSubtype="16" fill="hold" grpId="0" nodeType="clickEffect">
+                                <p:cTn id="19" presetID="4" presetClass="entr" presetSubtype="16" fill="hold" grpId="0" nodeType="clickEffect">
                                   <p:stCondLst>
                                     <p:cond delay="0"/>
                                   </p:stCondLst>
                                   <p:childTnLst>
                                     <p:set>
                                       <p:cBhvr>
-                                        <p:cTn id="11" dur="1" fill="hold">
+                                        <p:cTn id="20" dur="1" fill="hold">
+                                          <p:stCondLst>
+                                            <p:cond delay="0"/>
+                                          </p:stCondLst>
+                                        </p:cTn>
+                                        <p:tgtEl>
+                                          <p:spTgt spid="10248"/>
+                                        </p:tgtEl>
+                                        <p:attrNameLst>
+                                          <p:attrName>style.visibility</p:attrName>
+                                        </p:attrNameLst>
+                                      </p:cBhvr>
+                                      <p:to>
+                                        <p:strVal val="visible"/>
+                                      </p:to>
+                                    </p:set>
+                                    <p:animEffect transition="in" filter="box(in)">
+                                      <p:cBhvr>
+                                        <p:cTn id="21" dur="500"/>
+                                        <p:tgtEl>
+                                          <p:spTgt spid="10248"/>
+                                        </p:tgtEl>
+                                      </p:cBhvr>
+                                    </p:animEffect>
+                                  </p:childTnLst>
+                                </p:cTn>
+                              </p:par>
+                            </p:childTnLst>
+                          </p:cTn>
+                        </p:par>
+                      </p:childTnLst>
+                    </p:cTn>
+                  </p:par>
+                  <p:par>
+                    <p:cTn id="22" fill="hold">
+                      <p:stCondLst>
+                        <p:cond delay="indefinite"/>
+                      </p:stCondLst>
+                      <p:childTnLst>
+                        <p:par>
+                          <p:cTn id="23" fill="hold">
+                            <p:stCondLst>
+                              <p:cond delay="0"/>
+                            </p:stCondLst>
+                            <p:childTnLst>
+                              <p:par>
+                                <p:cTn id="24" presetID="4" presetClass="entr" presetSubtype="16" fill="hold" grpId="0" nodeType="clickEffect">
+                                  <p:stCondLst>
+                                    <p:cond delay="0"/>
+                                  </p:stCondLst>
+                                  <p:childTnLst>
+                                    <p:set>
+                                      <p:cBhvr>
+                                        <p:cTn id="25" dur="1" fill="hold">
                                           <p:stCondLst>
                                             <p:cond delay="0"/>
                                           </p:stCondLst>
@@ -18048,163 +18199,12 @@
                                     </p:set>
                                     <p:animEffect transition="in" filter="box(in)">
                                       <p:cBhvr>
-                                        <p:cTn id="12" dur="500"/>
+                                        <p:cTn id="26" dur="500"/>
                                         <p:tgtEl>
                                           <p:spTgt spid="10246"/>
                                         </p:tgtEl>
                                       </p:cBhvr>
                                     </p:animEffect>
-                                  </p:childTnLst>
-                                </p:cTn>
-                              </p:par>
-                            </p:childTnLst>
-                          </p:cTn>
-                        </p:par>
-                      </p:childTnLst>
-                    </p:cTn>
-                  </p:par>
-                  <p:par>
-                    <p:cTn id="13" fill="hold" nodeType="clickPar">
-                      <p:stCondLst>
-                        <p:cond delay="indefinite"/>
-                      </p:stCondLst>
-                      <p:childTnLst>
-                        <p:par>
-                          <p:cTn id="14" fill="hold" nodeType="withGroup">
-                            <p:stCondLst>
-                              <p:cond delay="0"/>
-                            </p:stCondLst>
-                            <p:childTnLst>
-                              <p:par>
-                                <p:cTn id="15" presetID="4" presetClass="entr" presetSubtype="16" fill="hold" grpId="0" nodeType="clickEffect">
-                                  <p:stCondLst>
-                                    <p:cond delay="0"/>
-                                  </p:stCondLst>
-                                  <p:childTnLst>
-                                    <p:set>
-                                      <p:cBhvr>
-                                        <p:cTn id="16" dur="1" fill="hold">
-                                          <p:stCondLst>
-                                            <p:cond delay="0"/>
-                                          </p:stCondLst>
-                                        </p:cTn>
-                                        <p:tgtEl>
-                                          <p:spTgt spid="10247"/>
-                                        </p:tgtEl>
-                                        <p:attrNameLst>
-                                          <p:attrName>style.visibility</p:attrName>
-                                        </p:attrNameLst>
-                                      </p:cBhvr>
-                                      <p:to>
-                                        <p:strVal val="visible"/>
-                                      </p:to>
-                                    </p:set>
-                                    <p:animEffect transition="in" filter="box(in)">
-                                      <p:cBhvr>
-                                        <p:cTn id="17" dur="500"/>
-                                        <p:tgtEl>
-                                          <p:spTgt spid="10247"/>
-                                        </p:tgtEl>
-                                      </p:cBhvr>
-                                    </p:animEffect>
-                                  </p:childTnLst>
-                                </p:cTn>
-                              </p:par>
-                            </p:childTnLst>
-                          </p:cTn>
-                        </p:par>
-                      </p:childTnLst>
-                    </p:cTn>
-                  </p:par>
-                  <p:par>
-                    <p:cTn id="18" fill="hold" nodeType="clickPar">
-                      <p:stCondLst>
-                        <p:cond delay="indefinite"/>
-                      </p:stCondLst>
-                      <p:childTnLst>
-                        <p:par>
-                          <p:cTn id="19" fill="hold" nodeType="withGroup">
-                            <p:stCondLst>
-                              <p:cond delay="0"/>
-                            </p:stCondLst>
-                            <p:childTnLst>
-                              <p:par>
-                                <p:cTn id="20" presetID="4" presetClass="entr" presetSubtype="16" fill="hold" grpId="0" nodeType="clickEffect">
-                                  <p:stCondLst>
-                                    <p:cond delay="0"/>
-                                  </p:stCondLst>
-                                  <p:childTnLst>
-                                    <p:set>
-                                      <p:cBhvr>
-                                        <p:cTn id="21" dur="1" fill="hold">
-                                          <p:stCondLst>
-                                            <p:cond delay="0"/>
-                                          </p:stCondLst>
-                                        </p:cTn>
-                                        <p:tgtEl>
-                                          <p:spTgt spid="10248"/>
-                                        </p:tgtEl>
-                                        <p:attrNameLst>
-                                          <p:attrName>style.visibility</p:attrName>
-                                        </p:attrNameLst>
-                                      </p:cBhvr>
-                                      <p:to>
-                                        <p:strVal val="visible"/>
-                                      </p:to>
-                                    </p:set>
-                                    <p:animEffect transition="in" filter="box(in)">
-                                      <p:cBhvr>
-                                        <p:cTn id="22" dur="500"/>
-                                        <p:tgtEl>
-                                          <p:spTgt spid="10248"/>
-                                        </p:tgtEl>
-                                      </p:cBhvr>
-                                    </p:animEffect>
-                                  </p:childTnLst>
-                                </p:cTn>
-                              </p:par>
-                            </p:childTnLst>
-                          </p:cTn>
-                        </p:par>
-                      </p:childTnLst>
-                    </p:cTn>
-                  </p:par>
-                  <p:par>
-                    <p:cTn id="23" fill="hold">
-                      <p:stCondLst>
-                        <p:cond delay="indefinite"/>
-                      </p:stCondLst>
-                      <p:childTnLst>
-                        <p:par>
-                          <p:cTn id="24" fill="hold">
-                            <p:stCondLst>
-                              <p:cond delay="0"/>
-                            </p:stCondLst>
-                            <p:childTnLst>
-                              <p:par>
-                                <p:cTn id="25" presetID="1" presetClass="entr" presetSubtype="0" fill="hold" grpId="0" nodeType="clickEffect">
-                                  <p:stCondLst>
-                                    <p:cond delay="0"/>
-                                  </p:stCondLst>
-                                  <p:childTnLst>
-                                    <p:set>
-                                      <p:cBhvr>
-                                        <p:cTn id="26" dur="1" fill="hold">
-                                          <p:stCondLst>
-                                            <p:cond delay="0"/>
-                                          </p:stCondLst>
-                                        </p:cTn>
-                                        <p:tgtEl>
-                                          <p:spTgt spid="2"/>
-                                        </p:tgtEl>
-                                        <p:attrNameLst>
-                                          <p:attrName>style.visibility</p:attrName>
-                                        </p:attrNameLst>
-                                      </p:cBhvr>
-                                      <p:to>
-                                        <p:strVal val="visible"/>
-                                      </p:to>
-                                    </p:set>
                                   </p:childTnLst>
                                 </p:cTn>
                               </p:par>
@@ -18240,7 +18240,7 @@
                                           </p:stCondLst>
                                         </p:cTn>
                                         <p:tgtEl>
-                                          <p:spTgt spid="22"/>
+                                          <p:spTgt spid="10247"/>
                                         </p:tgtEl>
                                         <p:attrNameLst>
                                           <p:attrName>style.visibility</p:attrName>
@@ -18254,7 +18254,7 @@
                                       <p:cBhvr>
                                         <p:cTn id="31" dur="500"/>
                                         <p:tgtEl>
-                                          <p:spTgt spid="22"/>
+                                          <p:spTgt spid="10247"/>
                                         </p:tgtEl>
                                       </p:cBhvr>
                                     </p:animEffect>
@@ -19325,7 +19325,7 @@
                             </p:stCondLst>
                             <p:childTnLst>
                               <p:par>
-                                <p:cTn id="5" presetID="4" presetClass="entr" presetSubtype="16" fill="hold" grpId="0" nodeType="clickEffect">
+                                <p:cTn id="5" presetID="1" presetClass="entr" presetSubtype="0" fill="hold" grpId="0" nodeType="clickEffect">
                                   <p:stCondLst>
                                     <p:cond delay="0"/>
                                   </p:stCondLst>
@@ -19333,6 +19333,51 @@
                                     <p:set>
                                       <p:cBhvr>
                                         <p:cTn id="6" dur="1" fill="hold">
+                                          <p:stCondLst>
+                                            <p:cond delay="0"/>
+                                          </p:stCondLst>
+                                        </p:cTn>
+                                        <p:tgtEl>
+                                          <p:spTgt spid="2"/>
+                                        </p:tgtEl>
+                                        <p:attrNameLst>
+                                          <p:attrName>style.visibility</p:attrName>
+                                        </p:attrNameLst>
+                                      </p:cBhvr>
+                                      <p:to>
+                                        <p:strVal val="visible"/>
+                                      </p:to>
+                                    </p:set>
+                                  </p:childTnLst>
+                                </p:cTn>
+                              </p:par>
+                            </p:childTnLst>
+                          </p:cTn>
+                        </p:par>
+                      </p:childTnLst>
+                    </p:cTn>
+                  </p:par>
+                  <p:par>
+                    <p:cTn id="7" fill="hold">
+                      <p:stCondLst>
+                        <p:cond delay="indefinite"/>
+                      </p:stCondLst>
+                      <p:childTnLst>
+                        <p:par>
+                          <p:cTn id="8" fill="hold">
+                            <p:stCondLst>
+                              <p:cond delay="0"/>
+                            </p:stCondLst>
+                            <p:childTnLst>
+                              <p:par>
+                                <p:cTn id="9" presetID="4" presetClass="entr" presetSubtype="16" fill="hold" grpId="0" nodeType="clickEffect">
+                                  <p:stCondLst>
+                                    <p:cond delay="0"/>
+                                  </p:stCondLst>
+                                  <p:childTnLst>
+                                    <p:set>
+                                      <p:cBhvr>
+                                        <p:cTn id="10" dur="1" fill="hold">
                                           <p:stCondLst>
                                             <p:cond delay="0"/>
                                           </p:stCondLst>
@@ -19350,57 +19395,12 @@
                                     </p:set>
                                     <p:animEffect transition="in" filter="box(in)">
                                       <p:cBhvr>
-                                        <p:cTn id="7" dur="500"/>
+                                        <p:cTn id="11" dur="500"/>
                                         <p:tgtEl>
                                           <p:spTgt spid="11269"/>
                                         </p:tgtEl>
                                       </p:cBhvr>
                                     </p:animEffect>
-                                  </p:childTnLst>
-                                </p:cTn>
-                              </p:par>
-                            </p:childTnLst>
-                          </p:cTn>
-                        </p:par>
-                      </p:childTnLst>
-                    </p:cTn>
-                  </p:par>
-                  <p:par>
-                    <p:cTn id="8" fill="hold">
-                      <p:stCondLst>
-                        <p:cond delay="indefinite"/>
-                      </p:stCondLst>
-                      <p:childTnLst>
-                        <p:par>
-                          <p:cTn id="9" fill="hold">
-                            <p:stCondLst>
-                              <p:cond delay="0"/>
-                            </p:stCondLst>
-                            <p:childTnLst>
-                              <p:par>
-                                <p:cTn id="10" presetID="1" presetClass="entr" presetSubtype="0" fill="hold" grpId="0" nodeType="clickEffect">
-                                  <p:stCondLst>
-                                    <p:cond delay="0"/>
-                                  </p:stCondLst>
-                                  <p:childTnLst>
-                                    <p:set>
-                                      <p:cBhvr>
-                                        <p:cTn id="11" dur="1" fill="hold">
-                                          <p:stCondLst>
-                                            <p:cond delay="0"/>
-                                          </p:stCondLst>
-                                        </p:cTn>
-                                        <p:tgtEl>
-                                          <p:spTgt spid="2"/>
-                                        </p:tgtEl>
-                                        <p:attrNameLst>
-                                          <p:attrName>style.visibility</p:attrName>
-                                        </p:attrNameLst>
-                                      </p:cBhvr>
-                                      <p:to>
-                                        <p:strVal val="visible"/>
-                                      </p:to>
-                                    </p:set>
                                   </p:childTnLst>
                                 </p:cTn>
                               </p:par>
@@ -20475,7 +20475,7 @@
                             </p:stCondLst>
                             <p:childTnLst>
                               <p:par>
-                                <p:cTn id="5" presetID="4" presetClass="entr" presetSubtype="16" fill="hold" grpId="0" nodeType="clickEffect">
+                                <p:cTn id="5" presetID="1" presetClass="entr" presetSubtype="0" fill="hold" grpId="0" nodeType="clickEffect">
                                   <p:stCondLst>
                                     <p:cond delay="0"/>
                                   </p:stCondLst>
@@ -20483,6 +20483,51 @@
                                     <p:set>
                                       <p:cBhvr>
                                         <p:cTn id="6" dur="1" fill="hold">
+                                          <p:stCondLst>
+                                            <p:cond delay="0"/>
+                                          </p:stCondLst>
+                                        </p:cTn>
+                                        <p:tgtEl>
+                                          <p:spTgt spid="2"/>
+                                        </p:tgtEl>
+                                        <p:attrNameLst>
+                                          <p:attrName>style.visibility</p:attrName>
+                                        </p:attrNameLst>
+                                      </p:cBhvr>
+                                      <p:to>
+                                        <p:strVal val="visible"/>
+                                      </p:to>
+                                    </p:set>
+                                  </p:childTnLst>
+                                </p:cTn>
+                              </p:par>
+                            </p:childTnLst>
+                          </p:cTn>
+                        </p:par>
+                      </p:childTnLst>
+                    </p:cTn>
+                  </p:par>
+                  <p:par>
+                    <p:cTn id="7" fill="hold">
+                      <p:stCondLst>
+                        <p:cond delay="indefinite"/>
+                      </p:stCondLst>
+                      <p:childTnLst>
+                        <p:par>
+                          <p:cTn id="8" fill="hold">
+                            <p:stCondLst>
+                              <p:cond delay="0"/>
+                            </p:stCondLst>
+                            <p:childTnLst>
+                              <p:par>
+                                <p:cTn id="9" presetID="4" presetClass="entr" presetSubtype="16" fill="hold" grpId="0" nodeType="clickEffect">
+                                  <p:stCondLst>
+                                    <p:cond delay="0"/>
+                                  </p:stCondLst>
+                                  <p:childTnLst>
+                                    <p:set>
+                                      <p:cBhvr>
+                                        <p:cTn id="10" dur="1" fill="hold">
                                           <p:stCondLst>
                                             <p:cond delay="0"/>
                                           </p:stCondLst>
@@ -20500,57 +20545,12 @@
                                     </p:set>
                                     <p:animEffect transition="in" filter="box(in)">
                                       <p:cBhvr>
-                                        <p:cTn id="7" dur="500"/>
+                                        <p:cTn id="11" dur="500"/>
                                         <p:tgtEl>
                                           <p:spTgt spid="13317"/>
                                         </p:tgtEl>
                                       </p:cBhvr>
                                     </p:animEffect>
-                                  </p:childTnLst>
-                                </p:cTn>
-                              </p:par>
-                            </p:childTnLst>
-                          </p:cTn>
-                        </p:par>
-                      </p:childTnLst>
-                    </p:cTn>
-                  </p:par>
-                  <p:par>
-                    <p:cTn id="8" fill="hold">
-                      <p:stCondLst>
-                        <p:cond delay="indefinite"/>
-                      </p:stCondLst>
-                      <p:childTnLst>
-                        <p:par>
-                          <p:cTn id="9" fill="hold">
-                            <p:stCondLst>
-                              <p:cond delay="0"/>
-                            </p:stCondLst>
-                            <p:childTnLst>
-                              <p:par>
-                                <p:cTn id="10" presetID="1" presetClass="entr" presetSubtype="0" fill="hold" grpId="0" nodeType="clickEffect">
-                                  <p:stCondLst>
-                                    <p:cond delay="0"/>
-                                  </p:stCondLst>
-                                  <p:childTnLst>
-                                    <p:set>
-                                      <p:cBhvr>
-                                        <p:cTn id="11" dur="1" fill="hold">
-                                          <p:stCondLst>
-                                            <p:cond delay="0"/>
-                                          </p:stCondLst>
-                                        </p:cTn>
-                                        <p:tgtEl>
-                                          <p:spTgt spid="2"/>
-                                        </p:tgtEl>
-                                        <p:attrNameLst>
-                                          <p:attrName>style.visibility</p:attrName>
-                                        </p:attrNameLst>
-                                      </p:cBhvr>
-                                      <p:to>
-                                        <p:strVal val="visible"/>
-                                      </p:to>
-                                    </p:set>
                                   </p:childTnLst>
                                 </p:cTn>
                               </p:par>
@@ -21571,7 +21571,7 @@
                             </p:stCondLst>
                             <p:childTnLst>
                               <p:par>
-                                <p:cTn id="5" presetID="4" presetClass="entr" presetSubtype="16" fill="hold" grpId="0" nodeType="clickEffect">
+                                <p:cTn id="5" presetID="1" presetClass="entr" presetSubtype="0" fill="hold" grpId="0" nodeType="clickEffect">
                                   <p:stCondLst>
                                     <p:cond delay="0"/>
                                   </p:stCondLst>
@@ -21579,6 +21579,51 @@
                                     <p:set>
                                       <p:cBhvr>
                                         <p:cTn id="6" dur="1" fill="hold">
+                                          <p:stCondLst>
+                                            <p:cond delay="0"/>
+                                          </p:stCondLst>
+                                        </p:cTn>
+                                        <p:tgtEl>
+                                          <p:spTgt spid="2"/>
+                                        </p:tgtEl>
+                                        <p:attrNameLst>
+                                          <p:attrName>style.visibility</p:attrName>
+                                        </p:attrNameLst>
+                                      </p:cBhvr>
+                                      <p:to>
+                                        <p:strVal val="visible"/>
+                                      </p:to>
+                                    </p:set>
+                                  </p:childTnLst>
+                                </p:cTn>
+                              </p:par>
+                            </p:childTnLst>
+                          </p:cTn>
+                        </p:par>
+                      </p:childTnLst>
+                    </p:cTn>
+                  </p:par>
+                  <p:par>
+                    <p:cTn id="7" fill="hold">
+                      <p:stCondLst>
+                        <p:cond delay="indefinite"/>
+                      </p:stCondLst>
+                      <p:childTnLst>
+                        <p:par>
+                          <p:cTn id="8" fill="hold">
+                            <p:stCondLst>
+                              <p:cond delay="0"/>
+                            </p:stCondLst>
+                            <p:childTnLst>
+                              <p:par>
+                                <p:cTn id="9" presetID="4" presetClass="entr" presetSubtype="16" fill="hold" grpId="0" nodeType="clickEffect">
+                                  <p:stCondLst>
+                                    <p:cond delay="0"/>
+                                  </p:stCondLst>
+                                  <p:childTnLst>
+                                    <p:set>
+                                      <p:cBhvr>
+                                        <p:cTn id="10" dur="1" fill="hold">
                                           <p:stCondLst>
                                             <p:cond delay="0"/>
                                           </p:stCondLst>
@@ -21596,57 +21641,12 @@
                                     </p:set>
                                     <p:animEffect transition="in" filter="box(in)">
                                       <p:cBhvr>
-                                        <p:cTn id="7" dur="500"/>
+                                        <p:cTn id="11" dur="500"/>
                                         <p:tgtEl>
                                           <p:spTgt spid="15365"/>
                                         </p:tgtEl>
                                       </p:cBhvr>
                                     </p:animEffect>
-                                  </p:childTnLst>
-                                </p:cTn>
-                              </p:par>
-                            </p:childTnLst>
-                          </p:cTn>
-                        </p:par>
-                      </p:childTnLst>
-                    </p:cTn>
-                  </p:par>
-                  <p:par>
-                    <p:cTn id="8" fill="hold">
-                      <p:stCondLst>
-                        <p:cond delay="indefinite"/>
-                      </p:stCondLst>
-                      <p:childTnLst>
-                        <p:par>
-                          <p:cTn id="9" fill="hold">
-                            <p:stCondLst>
-                              <p:cond delay="0"/>
-                            </p:stCondLst>
-                            <p:childTnLst>
-                              <p:par>
-                                <p:cTn id="10" presetID="1" presetClass="entr" presetSubtype="0" fill="hold" grpId="0" nodeType="clickEffect">
-                                  <p:stCondLst>
-                                    <p:cond delay="0"/>
-                                  </p:stCondLst>
-                                  <p:childTnLst>
-                                    <p:set>
-                                      <p:cBhvr>
-                                        <p:cTn id="11" dur="1" fill="hold">
-                                          <p:stCondLst>
-                                            <p:cond delay="0"/>
-                                          </p:stCondLst>
-                                        </p:cTn>
-                                        <p:tgtEl>
-                                          <p:spTgt spid="2"/>
-                                        </p:tgtEl>
-                                        <p:attrNameLst>
-                                          <p:attrName>style.visibility</p:attrName>
-                                        </p:attrNameLst>
-                                      </p:cBhvr>
-                                      <p:to>
-                                        <p:strVal val="visible"/>
-                                      </p:to>
-                                    </p:set>
                                   </p:childTnLst>
                                 </p:cTn>
                               </p:par>
